--- a/UML/BileMo.pptx
+++ b/UML/BileMo.pptx
@@ -1015,11 +1015,7 @@
           <a:pPr rtl="0"/>
           <a:r>
             <a:rPr lang="fr-FR" b="0" i="0" dirty="0" smtClean="0"/>
-            <a:t>Mises en cache des r</a:t>
-          </a:r>
-          <a:r>
-            <a:rPr lang="fr-FR" b="0" i="0" dirty="0" smtClean="0"/>
-            <a:t>éponses soient </a:t>
+            <a:t>Mises en cache des réponses soient </a:t>
           </a:r>
           <a:endParaRPr lang="fr-FR" noProof="0" dirty="0"/>
         </a:p>
@@ -1494,11 +1490,7 @@
           </a:pPr>
           <a:r>
             <a:rPr lang="fr-FR" sz="2300" b="0" i="0" kern="1200" dirty="0" smtClean="0"/>
-            <a:t>Mises en cache des r</a:t>
-          </a:r>
-          <a:r>
-            <a:rPr lang="fr-FR" sz="2300" b="0" i="0" kern="1200" dirty="0" smtClean="0"/>
-            <a:t>éponses soient </a:t>
+            <a:t>Mises en cache des réponses soient </a:t>
           </a:r>
           <a:endParaRPr lang="fr-FR" sz="2300" kern="1200" noProof="0" dirty="0"/>
         </a:p>
@@ -3132,7 +3124,7 @@
           <a:p>
             <a:fld id="{300E0152-FD71-476E-93B4-2748553546FC}" type="datetimeFigureOut">
               <a:rPr lang="fr-FR" smtClean="0"/>
-              <a:t>23/05/2022</a:t>
+              <a:t>24/05/2022</a:t>
             </a:fld>
             <a:endParaRPr lang="fr-FR"/>
           </a:p>
@@ -3310,7 +3302,7 @@
           <a:p>
             <a:fld id="{7E818C28-E326-4E30-9CF2-2C1A4C894E1E}" type="datetimeFigureOut">
               <a:rPr lang="fr-FR" noProof="0" smtClean="0"/>
-              <a:t>23/05/2022</a:t>
+              <a:t>24/05/2022</a:t>
             </a:fld>
             <a:endParaRPr lang="fr-FR" noProof="0"/>
           </a:p>
@@ -4271,7 +4263,7 @@
             <a:pPr rtl="0"/>
             <a:fld id="{84D57ED5-9CB3-4471-9B6F-968F3C8F84E1}" type="datetime1">
               <a:rPr lang="fr-FR" noProof="0" smtClean="0"/>
-              <a:t>23/05/2022</a:t>
+              <a:t>24/05/2022</a:t>
             </a:fld>
             <a:endParaRPr lang="fr-FR" noProof="0"/>
           </a:p>
@@ -4613,7 +4605,7 @@
             <a:pPr rtl="0"/>
             <a:fld id="{82C21BD6-09AD-4CE8-91E4-0CCB39C35B1C}" type="datetime1">
               <a:rPr lang="fr-FR" noProof="0" smtClean="0"/>
-              <a:t>23/05/2022</a:t>
+              <a:t>24/05/2022</a:t>
             </a:fld>
             <a:endParaRPr lang="fr-FR" noProof="0"/>
           </a:p>
@@ -5018,7 +5010,7 @@
             <a:pPr rtl="0"/>
             <a:fld id="{3C77B77F-91DD-4C26-904A-477D7569DB10}" type="datetime1">
               <a:rPr lang="fr-FR" noProof="0" smtClean="0"/>
-              <a:t>23/05/2022</a:t>
+              <a:t>24/05/2022</a:t>
             </a:fld>
             <a:endParaRPr lang="fr-FR" noProof="0"/>
           </a:p>
@@ -5358,7 +5350,7 @@
             <a:pPr rtl="0"/>
             <a:fld id="{BF2D40E6-123C-44C7-96E6-E5EB17E95AC5}" type="datetime1">
               <a:rPr lang="fr-FR" noProof="0" smtClean="0"/>
-              <a:t>23/05/2022</a:t>
+              <a:t>24/05/2022</a:t>
             </a:fld>
             <a:endParaRPr lang="fr-FR" noProof="0"/>
           </a:p>
@@ -5683,7 +5675,7 @@
             <a:pPr rtl="0"/>
             <a:fld id="{BF2D40E6-123C-44C7-96E6-E5EB17E95AC5}" type="datetime1">
               <a:rPr lang="fr-FR" noProof="0" smtClean="0"/>
-              <a:t>23/05/2022</a:t>
+              <a:t>24/05/2022</a:t>
             </a:fld>
             <a:endParaRPr lang="fr-FR" noProof="0"/>
           </a:p>
@@ -6084,7 +6076,7 @@
             <a:pPr rtl="0"/>
             <a:fld id="{5E9C6408-3BC8-40DF-BC19-0E01079E3CE3}" type="datetime1">
               <a:rPr lang="fr-FR" noProof="0" smtClean="0"/>
-              <a:t>23/05/2022</a:t>
+              <a:t>24/05/2022</a:t>
             </a:fld>
             <a:endParaRPr lang="fr-FR" noProof="0"/>
           </a:p>
@@ -6345,7 +6337,7 @@
             <a:pPr rtl="0"/>
             <a:fld id="{475489E5-EE2A-4D3B-B34D-823A7028B4FB}" type="datetime1">
               <a:rPr lang="fr-FR" noProof="0" smtClean="0"/>
-              <a:t>23/05/2022</a:t>
+              <a:t>24/05/2022</a:t>
             </a:fld>
             <a:endParaRPr lang="fr-FR" noProof="0"/>
           </a:p>
@@ -6611,7 +6603,7 @@
             <a:pPr rtl="0"/>
             <a:fld id="{CD123ACB-C9EE-4C9E-B8CE-AAAC5E9A0232}" type="datetime1">
               <a:rPr lang="fr-FR" noProof="0" smtClean="0"/>
-              <a:t>23/05/2022</a:t>
+              <a:t>24/05/2022</a:t>
             </a:fld>
             <a:endParaRPr lang="fr-FR" noProof="0"/>
           </a:p>
@@ -6877,7 +6869,7 @@
             <a:pPr rtl="0"/>
             <a:fld id="{6860E4D8-56D9-4E46-AB44-CADDEB05CB81}" type="datetime1">
               <a:rPr lang="fr-FR" noProof="0" smtClean="0"/>
-              <a:t>23/05/2022</a:t>
+              <a:t>24/05/2022</a:t>
             </a:fld>
             <a:endParaRPr lang="fr-FR" noProof="0"/>
           </a:p>
@@ -7210,7 +7202,7 @@
             <a:pPr rtl="0"/>
             <a:fld id="{BF2D40E6-123C-44C7-96E6-E5EB17E95AC5}" type="datetime1">
               <a:rPr lang="fr-FR" noProof="0" smtClean="0"/>
-              <a:t>23/05/2022</a:t>
+              <a:t>24/05/2022</a:t>
             </a:fld>
             <a:endParaRPr lang="fr-FR" noProof="0"/>
           </a:p>
@@ -7538,7 +7530,7 @@
             <a:pPr rtl="0"/>
             <a:fld id="{5ADDB20C-1774-4B16-9666-0BE66B3E81AC}" type="datetime1">
               <a:rPr lang="fr-FR" noProof="0" smtClean="0"/>
-              <a:t>23/05/2022</a:t>
+              <a:t>24/05/2022</a:t>
             </a:fld>
             <a:endParaRPr lang="fr-FR" noProof="0"/>
           </a:p>
@@ -7999,7 +7991,7 @@
             <a:pPr rtl="0"/>
             <a:fld id="{1F37DF42-8FE2-4196-B087-A644399BE082}" type="datetime1">
               <a:rPr lang="fr-FR" noProof="0" smtClean="0"/>
-              <a:t>23/05/2022</a:t>
+              <a:t>24/05/2022</a:t>
             </a:fld>
             <a:endParaRPr lang="fr-FR" noProof="0"/>
           </a:p>
@@ -8208,7 +8200,7 @@
             <a:pPr rtl="0"/>
             <a:fld id="{BF2D40E6-123C-44C7-96E6-E5EB17E95AC5}" type="datetime1">
               <a:rPr lang="fr-FR" noProof="0" smtClean="0"/>
-              <a:t>23/05/2022</a:t>
+              <a:t>24/05/2022</a:t>
             </a:fld>
             <a:endParaRPr lang="fr-FR" noProof="0"/>
           </a:p>
@@ -8390,7 +8382,7 @@
             <a:pPr rtl="0"/>
             <a:fld id="{A9AA5441-00F0-4727-A8C3-46A783FC5724}" type="datetime1">
               <a:rPr lang="fr-FR" noProof="0" smtClean="0"/>
-              <a:t>23/05/2022</a:t>
+              <a:t>24/05/2022</a:t>
             </a:fld>
             <a:endParaRPr lang="fr-FR" noProof="0"/>
           </a:p>
@@ -8727,7 +8719,7 @@
             <a:pPr rtl="0"/>
             <a:fld id="{C032274E-A475-49B8-A4A0-80F13BCA3C3A}" type="datetime1">
               <a:rPr lang="fr-FR" noProof="0" smtClean="0"/>
-              <a:t>23/05/2022</a:t>
+              <a:t>24/05/2022</a:t>
             </a:fld>
             <a:endParaRPr lang="fr-FR" noProof="0"/>
           </a:p>
@@ -9076,7 +9068,7 @@
             <a:pPr rtl="0"/>
             <a:fld id="{F9CED46A-8872-470A-807E-03961E183B93}" type="datetime1">
               <a:rPr lang="fr-FR" noProof="0" smtClean="0"/>
-              <a:t>23/05/2022</a:t>
+              <a:t>24/05/2022</a:t>
             </a:fld>
             <a:endParaRPr lang="fr-FR" noProof="0"/>
           </a:p>
@@ -11134,7 +11126,7 @@
             <a:pPr rtl="0"/>
             <a:fld id="{BF2D40E6-123C-44C7-96E6-E5EB17E95AC5}" type="datetime1">
               <a:rPr lang="fr-FR" noProof="0" smtClean="0"/>
-              <a:t>23/05/2022</a:t>
+              <a:t>24/05/2022</a:t>
             </a:fld>
             <a:endParaRPr lang="fr-FR" noProof="0"/>
           </a:p>
@@ -12309,6 +12301,30 @@
           </a:p>
         </p:txBody>
       </p:sp>
+      <p:pic>
+        <p:nvPicPr>
+          <p:cNvPr id="3" name="Image 2"/>
+          <p:cNvPicPr>
+            <a:picLocks noChangeAspect="1"/>
+          </p:cNvPicPr>
+          <p:nvPr/>
+        </p:nvPicPr>
+        <p:blipFill>
+          <a:blip r:embed="rId2"/>
+          <a:stretch>
+            <a:fillRect/>
+          </a:stretch>
+        </p:blipFill>
+        <p:spPr>
+          <a:xfrm>
+            <a:off x="1457152" y="1251947"/>
+            <a:ext cx="10089226" cy="5251154"/>
+          </a:xfrm>
+          <a:prstGeom prst="rect">
+            <a:avLst/>
+          </a:prstGeom>
+        </p:spPr>
+      </p:pic>
     </p:spTree>
     <p:extLst>
       <p:ext uri="{BB962C8B-B14F-4D97-AF65-F5344CB8AC3E}">
@@ -12379,6 +12395,30 @@
           </a:p>
         </p:txBody>
       </p:sp>
+      <p:pic>
+        <p:nvPicPr>
+          <p:cNvPr id="3" name="Image 2"/>
+          <p:cNvPicPr>
+            <a:picLocks noChangeAspect="1"/>
+          </p:cNvPicPr>
+          <p:nvPr/>
+        </p:nvPicPr>
+        <p:blipFill>
+          <a:blip r:embed="rId2"/>
+          <a:stretch>
+            <a:fillRect/>
+          </a:stretch>
+        </p:blipFill>
+        <p:spPr>
+          <a:xfrm>
+            <a:off x="2140700" y="841956"/>
+            <a:ext cx="8275147" cy="5890437"/>
+          </a:xfrm>
+          <a:prstGeom prst="rect">
+            <a:avLst/>
+          </a:prstGeom>
+        </p:spPr>
+      </p:pic>
     </p:spTree>
     <p:extLst>
       <p:ext uri="{BB962C8B-B14F-4D97-AF65-F5344CB8AC3E}">
@@ -13935,20 +13975,20 @@
 </file>
 
 <file path=customXml/item2.xml><?xml version="1.0" encoding="utf-8"?>
-<p:properties xmlns:p="http://schemas.microsoft.com/office/2006/metadata/properties" xmlns:xsi="http://www.w3.org/2001/XMLSchema-instance" xmlns:pc="http://schemas.microsoft.com/office/infopath/2007/PartnerControls">
-  <documentManagement>
-    <MediaServiceKeyPoints xmlns="71af3243-3dd4-4a8d-8c0d-dd76da1f02a5" xsi:nil="true"/>
-  </documentManagement>
-</p:properties>
-</file>
-
-<file path=customXml/item3.xml><?xml version="1.0" encoding="utf-8"?>
 <?mso-contentType ?>
 <FormTemplates xmlns="http://schemas.microsoft.com/sharepoint/v3/contenttype/forms">
   <Display>DocumentLibraryForm</Display>
   <Edit>DocumentLibraryForm</Edit>
   <New>DocumentLibraryForm</New>
 </FormTemplates>
+</file>
+
+<file path=customXml/item3.xml><?xml version="1.0" encoding="utf-8"?>
+<p:properties xmlns:p="http://schemas.microsoft.com/office/2006/metadata/properties" xmlns:xsi="http://www.w3.org/2001/XMLSchema-instance" xmlns:pc="http://schemas.microsoft.com/office/infopath/2007/PartnerControls">
+  <documentManagement>
+    <MediaServiceKeyPoints xmlns="71af3243-3dd4-4a8d-8c0d-dd76da1f02a5" xsi:nil="true"/>
+  </documentManagement>
+</p:properties>
 </file>
 
 <file path=customXml/itemProps1.xml><?xml version="1.0" encoding="utf-8"?>
@@ -13971,6 +14011,14 @@
 </file>
 
 <file path=customXml/itemProps2.xml><?xml version="1.0" encoding="utf-8"?>
+<ds:datastoreItem xmlns:ds="http://schemas.openxmlformats.org/officeDocument/2006/customXml" ds:itemID="{507C3E52-A0B1-49C0-88BD-66B715EE8BB7}">
+  <ds:schemaRefs>
+    <ds:schemaRef ds:uri="http://schemas.microsoft.com/sharepoint/v3/contenttype/forms"/>
+  </ds:schemaRefs>
+</ds:datastoreItem>
+</file>
+
+<file path=customXml/itemProps3.xml><?xml version="1.0" encoding="utf-8"?>
 <ds:datastoreItem xmlns:ds="http://schemas.openxmlformats.org/officeDocument/2006/customXml" ds:itemID="{CCB8F5F2-61AB-4CE6-A5E3-F34B87B0EE42}">
   <ds:schemaRefs>
     <ds:schemaRef ds:uri="http://purl.org/dc/elements/1.1/"/>
@@ -13985,12 +14033,4 @@
     <ds:schemaRef ds:uri="http://purl.org/dc/dcmitype/"/>
   </ds:schemaRefs>
 </ds:datastoreItem>
-</file>
-
-<file path=customXml/itemProps3.xml><?xml version="1.0" encoding="utf-8"?>
-<ds:datastoreItem xmlns:ds="http://schemas.openxmlformats.org/officeDocument/2006/customXml" ds:itemID="{507C3E52-A0B1-49C0-88BD-66B715EE8BB7}">
-  <ds:schemaRefs>
-    <ds:schemaRef ds:uri="http://schemas.microsoft.com/sharepoint/v3/contenttype/forms"/>
-  </ds:schemaRefs>
-</ds:datastoreItem>
 </file>
--- a/UML/BileMo.pptx
+++ b/UML/BileMo.pptx
@@ -5,10 +5,10 @@
     <p:sldMasterId id="2147483835" r:id="rId4"/>
   </p:sldMasterIdLst>
   <p:notesMasterIdLst>
-    <p:notesMasterId r:id="rId13"/>
+    <p:notesMasterId r:id="rId15"/>
   </p:notesMasterIdLst>
   <p:handoutMasterIdLst>
-    <p:handoutMasterId r:id="rId14"/>
+    <p:handoutMasterId r:id="rId16"/>
   </p:handoutMasterIdLst>
   <p:sldIdLst>
     <p:sldId id="268" r:id="rId5"/>
@@ -18,7 +18,9 @@
     <p:sldId id="279" r:id="rId9"/>
     <p:sldId id="280" r:id="rId10"/>
     <p:sldId id="283" r:id="rId11"/>
-    <p:sldId id="282" r:id="rId12"/>
+    <p:sldId id="284" r:id="rId12"/>
+    <p:sldId id="285" r:id="rId13"/>
+    <p:sldId id="282" r:id="rId14"/>
   </p:sldIdLst>
   <p:sldSz cx="12192000" cy="6858000"/>
   <p:notesSz cx="6858000" cy="9144000"/>
@@ -4064,6 +4066,174 @@
     </p:spTree>
     <p:extLst>
       <p:ext uri="{BB962C8B-B14F-4D97-AF65-F5344CB8AC3E}">
+        <p14:creationId xmlns:p14="http://schemas.microsoft.com/office/powerpoint/2010/main" val="2549504521"/>
+      </p:ext>
+    </p:extLst>
+  </p:cSld>
+  <p:clrMapOvr>
+    <a:masterClrMapping/>
+  </p:clrMapOvr>
+</p:notes>
+</file>
+
+<file path=ppt/notesSlides/notesSlide7.xml><?xml version="1.0" encoding="utf-8"?>
+<p:notes xmlns:a="http://schemas.openxmlformats.org/drawingml/2006/main" xmlns:r="http://schemas.openxmlformats.org/officeDocument/2006/relationships" xmlns:p="http://schemas.openxmlformats.org/presentationml/2006/main">
+  <p:cSld>
+    <p:spTree>
+      <p:nvGrpSpPr>
+        <p:cNvPr id="1" name=""/>
+        <p:cNvGrpSpPr/>
+        <p:nvPr/>
+      </p:nvGrpSpPr>
+      <p:grpSpPr>
+        <a:xfrm>
+          <a:off x="0" y="0"/>
+          <a:ext cx="0" cy="0"/>
+          <a:chOff x="0" y="0"/>
+          <a:chExt cx="0" cy="0"/>
+        </a:xfrm>
+      </p:grpSpPr>
+      <p:sp>
+        <p:nvSpPr>
+          <p:cNvPr id="2" name="Espace réservé de l'image des diapositives 1"/>
+          <p:cNvSpPr>
+            <a:spLocks noGrp="1" noRot="1" noChangeAspect="1"/>
+          </p:cNvSpPr>
+          <p:nvPr>
+            <p:ph type="sldImg"/>
+          </p:nvPr>
+        </p:nvSpPr>
+        <p:spPr/>
+      </p:sp>
+      <p:sp>
+        <p:nvSpPr>
+          <p:cNvPr id="3" name="Espace réservé des notes 2"/>
+          <p:cNvSpPr>
+            <a:spLocks noGrp="1"/>
+          </p:cNvSpPr>
+          <p:nvPr>
+            <p:ph type="body" idx="1"/>
+          </p:nvPr>
+        </p:nvSpPr>
+        <p:spPr/>
+        <p:txBody>
+          <a:bodyPr/>
+          <a:lstStyle/>
+          <a:p>
+            <a:endParaRPr lang="fr-FR"/>
+          </a:p>
+        </p:txBody>
+      </p:sp>
+      <p:sp>
+        <p:nvSpPr>
+          <p:cNvPr id="4" name="Espace réservé du numéro de diapositive 3"/>
+          <p:cNvSpPr>
+            <a:spLocks noGrp="1"/>
+          </p:cNvSpPr>
+          <p:nvPr>
+            <p:ph type="sldNum" sz="quarter" idx="5"/>
+          </p:nvPr>
+        </p:nvSpPr>
+        <p:spPr/>
+        <p:txBody>
+          <a:bodyPr/>
+          <a:lstStyle/>
+          <a:p>
+            <a:fld id="{319E0709-8032-4F3E-A041-680E7FBB13CC}" type="slidenum">
+              <a:rPr lang="fr-FR" noProof="0" smtClean="0"/>
+              <a:t>9</a:t>
+            </a:fld>
+            <a:endParaRPr lang="fr-FR" noProof="0"/>
+          </a:p>
+        </p:txBody>
+      </p:sp>
+    </p:spTree>
+    <p:extLst>
+      <p:ext uri="{BB962C8B-B14F-4D97-AF65-F5344CB8AC3E}">
+        <p14:creationId xmlns:p14="http://schemas.microsoft.com/office/powerpoint/2010/main" val="1746128031"/>
+      </p:ext>
+    </p:extLst>
+  </p:cSld>
+  <p:clrMapOvr>
+    <a:masterClrMapping/>
+  </p:clrMapOvr>
+</p:notes>
+</file>
+
+<file path=ppt/notesSlides/notesSlide8.xml><?xml version="1.0" encoding="utf-8"?>
+<p:notes xmlns:a="http://schemas.openxmlformats.org/drawingml/2006/main" xmlns:r="http://schemas.openxmlformats.org/officeDocument/2006/relationships" xmlns:p="http://schemas.openxmlformats.org/presentationml/2006/main">
+  <p:cSld>
+    <p:spTree>
+      <p:nvGrpSpPr>
+        <p:cNvPr id="1" name=""/>
+        <p:cNvGrpSpPr/>
+        <p:nvPr/>
+      </p:nvGrpSpPr>
+      <p:grpSpPr>
+        <a:xfrm>
+          <a:off x="0" y="0"/>
+          <a:ext cx="0" cy="0"/>
+          <a:chOff x="0" y="0"/>
+          <a:chExt cx="0" cy="0"/>
+        </a:xfrm>
+      </p:grpSpPr>
+      <p:sp>
+        <p:nvSpPr>
+          <p:cNvPr id="2" name="Espace réservé de l'image des diapositives 1"/>
+          <p:cNvSpPr>
+            <a:spLocks noGrp="1" noRot="1" noChangeAspect="1"/>
+          </p:cNvSpPr>
+          <p:nvPr>
+            <p:ph type="sldImg"/>
+          </p:nvPr>
+        </p:nvSpPr>
+        <p:spPr/>
+      </p:sp>
+      <p:sp>
+        <p:nvSpPr>
+          <p:cNvPr id="3" name="Espace réservé des notes 2"/>
+          <p:cNvSpPr>
+            <a:spLocks noGrp="1"/>
+          </p:cNvSpPr>
+          <p:nvPr>
+            <p:ph type="body" idx="1"/>
+          </p:nvPr>
+        </p:nvSpPr>
+        <p:spPr/>
+        <p:txBody>
+          <a:bodyPr/>
+          <a:lstStyle/>
+          <a:p>
+            <a:endParaRPr lang="fr-FR"/>
+          </a:p>
+        </p:txBody>
+      </p:sp>
+      <p:sp>
+        <p:nvSpPr>
+          <p:cNvPr id="4" name="Espace réservé du numéro de diapositive 3"/>
+          <p:cNvSpPr>
+            <a:spLocks noGrp="1"/>
+          </p:cNvSpPr>
+          <p:nvPr>
+            <p:ph type="sldNum" sz="quarter" idx="5"/>
+          </p:nvPr>
+        </p:nvSpPr>
+        <p:spPr/>
+        <p:txBody>
+          <a:bodyPr/>
+          <a:lstStyle/>
+          <a:p>
+            <a:fld id="{319E0709-8032-4F3E-A041-680E7FBB13CC}" type="slidenum">
+              <a:rPr lang="fr-FR" noProof="0" smtClean="0"/>
+              <a:t>10</a:t>
+            </a:fld>
+            <a:endParaRPr lang="fr-FR" noProof="0"/>
+          </a:p>
+        </p:txBody>
+      </p:sp>
+    </p:spTree>
+    <p:extLst>
+      <p:ext uri="{BB962C8B-B14F-4D97-AF65-F5344CB8AC3E}">
         <p14:creationId xmlns:p14="http://schemas.microsoft.com/office/powerpoint/2010/main" val="771507494"/>
       </p:ext>
     </p:extLst>
@@ -11758,6 +11928,155 @@
 </p:sld>
 </file>
 
+<file path=ppt/slides/slide10.xml><?xml version="1.0" encoding="utf-8"?>
+<p:sld xmlns:a="http://schemas.openxmlformats.org/drawingml/2006/main" xmlns:r="http://schemas.openxmlformats.org/officeDocument/2006/relationships" xmlns:p="http://schemas.openxmlformats.org/presentationml/2006/main">
+  <p:cSld>
+    <p:bg>
+      <p:bgPr>
+        <a:gradFill>
+          <a:gsLst>
+            <a:gs pos="0">
+              <a:schemeClr val="accent1"/>
+            </a:gs>
+            <a:gs pos="71000">
+              <a:schemeClr val="accent3"/>
+            </a:gs>
+          </a:gsLst>
+          <a:lin ang="2700000" scaled="1"/>
+        </a:gradFill>
+        <a:effectLst/>
+      </p:bgPr>
+    </p:bg>
+    <p:spTree>
+      <p:nvGrpSpPr>
+        <p:cNvPr id="1" name=""/>
+        <p:cNvGrpSpPr/>
+        <p:nvPr/>
+      </p:nvGrpSpPr>
+      <p:grpSpPr>
+        <a:xfrm>
+          <a:off x="0" y="0"/>
+          <a:ext cx="0" cy="0"/>
+          <a:chOff x="0" y="0"/>
+          <a:chExt cx="0" cy="0"/>
+        </a:xfrm>
+      </p:grpSpPr>
+      <p:pic>
+        <p:nvPicPr>
+          <p:cNvPr id="5" name="Image 4" descr="points lumineux">
+            <a:extLst>
+              <a:ext uri="{FF2B5EF4-FFF2-40B4-BE49-F238E27FC236}">
+                <a16:creationId xmlns:a16="http://schemas.microsoft.com/office/drawing/2014/main" id="{1A23FE0C-9A67-334E-9B7F-83AA9CF636A8}"/>
+              </a:ext>
+            </a:extLst>
+          </p:cNvPr>
+          <p:cNvPicPr>
+            <a:picLocks noChangeAspect="1"/>
+          </p:cNvPicPr>
+          <p:nvPr/>
+        </p:nvPicPr>
+        <p:blipFill rotWithShape="1">
+          <a:blip r:embed="rId3" cstate="print">
+            <a:duotone>
+              <a:schemeClr val="bg2">
+                <a:shade val="45000"/>
+                <a:satMod val="135000"/>
+              </a:schemeClr>
+              <a:prstClr val="white"/>
+            </a:duotone>
+            <a:alphaModFix amt="40000"/>
+            <a:extLst>
+              <a:ext uri="{28A0092B-C50C-407E-A947-70E740481C1C}">
+                <a14:useLocalDpi xmlns:a14="http://schemas.microsoft.com/office/drawing/2010/main"/>
+              </a:ext>
+            </a:extLst>
+          </a:blip>
+          <a:srcRect/>
+          <a:stretch/>
+        </p:blipFill>
+        <p:spPr>
+          <a:xfrm>
+            <a:off x="0" y="5"/>
+            <a:ext cx="12192000" cy="6857990"/>
+          </a:xfrm>
+          <a:prstGeom prst="rect">
+            <a:avLst/>
+          </a:prstGeom>
+        </p:spPr>
+      </p:pic>
+      <p:sp>
+        <p:nvSpPr>
+          <p:cNvPr id="2" name="Titre 1">
+            <a:extLst>
+              <a:ext uri="{FF2B5EF4-FFF2-40B4-BE49-F238E27FC236}">
+                <a16:creationId xmlns:a16="http://schemas.microsoft.com/office/drawing/2014/main" id="{F266081D-517B-5D43-A7B4-E67DDEDC0B31}"/>
+              </a:ext>
+            </a:extLst>
+          </p:cNvPr>
+          <p:cNvSpPr>
+            <a:spLocks noGrp="1"/>
+          </p:cNvSpPr>
+          <p:nvPr>
+            <p:ph type="ctrTitle"/>
+          </p:nvPr>
+        </p:nvSpPr>
+        <p:spPr>
+          <a:xfrm>
+            <a:off x="274387" y="88282"/>
+            <a:ext cx="8915399" cy="1002192"/>
+          </a:xfrm>
+        </p:spPr>
+        <p:txBody>
+          <a:bodyPr rtlCol="0">
+            <a:normAutofit/>
+          </a:bodyPr>
+          <a:lstStyle/>
+          <a:p>
+            <a:pPr rtl="0"/>
+            <a:r>
+              <a:rPr lang="fr-FR" dirty="0"/>
+              <a:t>Démonstration du site</a:t>
+            </a:r>
+          </a:p>
+        </p:txBody>
+      </p:sp>
+      <p:pic>
+        <p:nvPicPr>
+          <p:cNvPr id="4" name="Image 3"/>
+          <p:cNvPicPr>
+            <a:picLocks noChangeAspect="1"/>
+          </p:cNvPicPr>
+          <p:nvPr/>
+        </p:nvPicPr>
+        <p:blipFill>
+          <a:blip r:embed="rId4"/>
+          <a:stretch>
+            <a:fillRect/>
+          </a:stretch>
+        </p:blipFill>
+        <p:spPr>
+          <a:xfrm>
+            <a:off x="405075" y="1178750"/>
+            <a:ext cx="10850151" cy="5404929"/>
+          </a:xfrm>
+          <a:prstGeom prst="rect">
+            <a:avLst/>
+          </a:prstGeom>
+        </p:spPr>
+      </p:pic>
+    </p:spTree>
+    <p:extLst>
+      <p:ext uri="{BB962C8B-B14F-4D97-AF65-F5344CB8AC3E}">
+        <p14:creationId xmlns:p14="http://schemas.microsoft.com/office/powerpoint/2010/main" val="3723232394"/>
+      </p:ext>
+    </p:extLst>
+  </p:cSld>
+  <p:clrMapOvr>
+    <a:masterClrMapping/>
+  </p:clrMapOvr>
+</p:sld>
+</file>
+
 <file path=ppt/slides/slide2.xml><?xml version="1.0" encoding="utf-8"?>
 <p:sld xmlns:a="http://schemas.openxmlformats.org/drawingml/2006/main" xmlns:r="http://schemas.openxmlformats.org/officeDocument/2006/relationships" xmlns:p="http://schemas.openxmlformats.org/presentationml/2006/main">
   <p:cSld>
@@ -12557,8 +12876,8 @@
         </p:nvSpPr>
         <p:spPr>
           <a:xfrm>
-            <a:off x="3002452" y="1597743"/>
-            <a:ext cx="8926311" cy="5324535"/>
+            <a:off x="3002452" y="1686704"/>
+            <a:ext cx="8926311" cy="4031873"/>
           </a:xfrm>
           <a:prstGeom prst="rect">
             <a:avLst/>
@@ -12644,52 +12963,6 @@
           </a:p>
           <a:p>
             <a:r>
-              <a:rPr lang="fr-FR" sz="1600" b="1" dirty="0" err="1"/>
-              <a:t>Templates</a:t>
-            </a:r>
-            <a:r>
-              <a:rPr lang="fr-FR" sz="1600" dirty="0"/>
-              <a:t> : Contient nos </a:t>
-            </a:r>
-            <a:r>
-              <a:rPr lang="fr-FR" sz="1600" dirty="0" err="1"/>
-              <a:t>Views</a:t>
-            </a:r>
-            <a:r>
-              <a:rPr lang="fr-FR" sz="1600" dirty="0"/>
-              <a:t>. Symfony utilise le moteur de Template </a:t>
-            </a:r>
-            <a:r>
-              <a:rPr lang="fr-FR" sz="1600" dirty="0" err="1"/>
-              <a:t>Twig</a:t>
-            </a:r>
-            <a:r>
-              <a:rPr lang="fr-FR" sz="1600" dirty="0"/>
-              <a:t> par défaut</a:t>
-            </a:r>
-            <a:r>
-              <a:rPr lang="fr-FR" sz="1600" dirty="0" smtClean="0"/>
-              <a:t>.</a:t>
-            </a:r>
-          </a:p>
-          <a:p>
-            <a:endParaRPr lang="fr-FR" sz="1600" dirty="0"/>
-          </a:p>
-          <a:p>
-            <a:r>
-              <a:rPr lang="fr-FR" b="1" dirty="0"/>
-              <a:t>Tests </a:t>
-            </a:r>
-            <a:r>
-              <a:rPr lang="fr-FR" dirty="0"/>
-              <a:t>: Contient les fichiers de test pour PHPUNIT</a:t>
-            </a:r>
-          </a:p>
-          <a:p>
-            <a:endParaRPr lang="fr-FR" sz="1600" dirty="0"/>
-          </a:p>
-          <a:p>
-            <a:r>
               <a:rPr lang="fr-FR" sz="1600" b="1" dirty="0" smtClean="0"/>
               <a:t>Var </a:t>
             </a:r>
@@ -12732,24 +13005,16 @@
             <a:endParaRPr lang="fr-FR" sz="1600" dirty="0" smtClean="0"/>
           </a:p>
           <a:p>
-            <a:r>
-              <a:rPr lang="fr-FR" b="1" dirty="0"/>
-              <a:t>WEB </a:t>
-            </a:r>
-            <a:r>
-              <a:rPr lang="fr-FR" dirty="0"/>
-              <a:t>: Contient les résultats (rapport de couverture) des tests PHPUNIT</a:t>
-            </a:r>
-          </a:p>
-          <a:p>
             <a:endParaRPr lang="fr-FR" sz="1600" dirty="0"/>
           </a:p>
         </p:txBody>
       </p:sp>
       <p:pic>
         <p:nvPicPr>
-          <p:cNvPr id="6" name="Image 5"/>
-          <p:cNvPicPr/>
+          <p:cNvPr id="3" name="Image 2"/>
+          <p:cNvPicPr>
+            <a:picLocks noChangeAspect="1"/>
+          </p:cNvPicPr>
           <p:nvPr/>
         </p:nvPicPr>
         <p:blipFill>
@@ -12760,8 +13025,8 @@
         </p:blipFill>
         <p:spPr>
           <a:xfrm>
-            <a:off x="58189" y="1697496"/>
-            <a:ext cx="2886075" cy="2476500"/>
+            <a:off x="82001" y="1686704"/>
+            <a:ext cx="2838450" cy="4714875"/>
           </a:xfrm>
           <a:prstGeom prst="rect">
             <a:avLst/>
@@ -12849,7 +13114,7 @@
         </p:blipFill>
         <p:spPr>
           <a:xfrm>
-            <a:off x="0" y="5"/>
+            <a:off x="0" y="0"/>
             <a:ext cx="12192000" cy="6857990"/>
           </a:xfrm>
           <a:prstGeom prst="rect">
@@ -12876,7 +13141,7 @@
         <p:spPr>
           <a:xfrm>
             <a:off x="274387" y="88282"/>
-            <a:ext cx="8915399" cy="1002192"/>
+            <a:ext cx="12061700" cy="1002192"/>
           </a:xfrm>
         </p:spPr>
         <p:txBody>
@@ -12887,9 +13152,10 @@
           <a:p>
             <a:pPr rtl="0"/>
             <a:r>
-              <a:rPr lang="fr-FR" dirty="0"/>
-              <a:t>Démonstration du site</a:t>
-            </a:r>
+              <a:rPr lang="fr-FR" dirty="0" smtClean="0"/>
+              <a:t>Documentation </a:t>
+            </a:r>
+            <a:endParaRPr lang="fr-FR" dirty="0"/>
           </a:p>
         </p:txBody>
       </p:sp>
@@ -12909,18 +13175,392 @@
         </p:blipFill>
         <p:spPr>
           <a:xfrm>
-            <a:off x="405075" y="1178750"/>
-            <a:ext cx="10850151" cy="5404929"/>
+            <a:off x="3093011" y="1281808"/>
+            <a:ext cx="8619903" cy="5384847"/>
           </a:xfrm>
           <a:prstGeom prst="rect">
             <a:avLst/>
           </a:prstGeom>
         </p:spPr>
       </p:pic>
+      <p:sp>
+        <p:nvSpPr>
+          <p:cNvPr id="6" name="Rectangle 5"/>
+          <p:cNvSpPr/>
+          <p:nvPr/>
+        </p:nvSpPr>
+        <p:spPr>
+          <a:xfrm>
+            <a:off x="5436524" y="912476"/>
+            <a:ext cx="3555782" cy="369332"/>
+          </a:xfrm>
+          <a:prstGeom prst="rect">
+            <a:avLst/>
+          </a:prstGeom>
+        </p:spPr>
+        <p:txBody>
+          <a:bodyPr wrap="none">
+            <a:spAutoFit/>
+          </a:bodyPr>
+          <a:lstStyle/>
+          <a:p>
+            <a:r>
+              <a:rPr lang="fr-FR" dirty="0"/>
+              <a:t>https://127.0.0.1:8000/api/doc</a:t>
+            </a:r>
+          </a:p>
+        </p:txBody>
+      </p:sp>
     </p:spTree>
     <p:extLst>
       <p:ext uri="{BB962C8B-B14F-4D97-AF65-F5344CB8AC3E}">
-        <p14:creationId xmlns:p14="http://schemas.microsoft.com/office/powerpoint/2010/main" val="3723232394"/>
+        <p14:creationId xmlns:p14="http://schemas.microsoft.com/office/powerpoint/2010/main" val="3699882704"/>
+      </p:ext>
+    </p:extLst>
+  </p:cSld>
+  <p:clrMapOvr>
+    <a:masterClrMapping/>
+  </p:clrMapOvr>
+</p:sld>
+</file>
+
+<file path=ppt/slides/slide9.xml><?xml version="1.0" encoding="utf-8"?>
+<p:sld xmlns:a="http://schemas.openxmlformats.org/drawingml/2006/main" xmlns:r="http://schemas.openxmlformats.org/officeDocument/2006/relationships" xmlns:p="http://schemas.openxmlformats.org/presentationml/2006/main">
+  <p:cSld>
+    <p:bg>
+      <p:bgPr>
+        <a:gradFill>
+          <a:gsLst>
+            <a:gs pos="0">
+              <a:schemeClr val="accent1"/>
+            </a:gs>
+            <a:gs pos="71000">
+              <a:schemeClr val="accent3"/>
+            </a:gs>
+          </a:gsLst>
+          <a:lin ang="2700000" scaled="1"/>
+        </a:gradFill>
+        <a:effectLst/>
+      </p:bgPr>
+    </p:bg>
+    <p:spTree>
+      <p:nvGrpSpPr>
+        <p:cNvPr id="1" name=""/>
+        <p:cNvGrpSpPr/>
+        <p:nvPr/>
+      </p:nvGrpSpPr>
+      <p:grpSpPr>
+        <a:xfrm>
+          <a:off x="0" y="0"/>
+          <a:ext cx="0" cy="0"/>
+          <a:chOff x="0" y="0"/>
+          <a:chExt cx="0" cy="0"/>
+        </a:xfrm>
+      </p:grpSpPr>
+      <p:pic>
+        <p:nvPicPr>
+          <p:cNvPr id="5" name="Image 4" descr="points lumineux">
+            <a:extLst>
+              <a:ext uri="{FF2B5EF4-FFF2-40B4-BE49-F238E27FC236}">
+                <a16:creationId xmlns:a16="http://schemas.microsoft.com/office/drawing/2014/main" id="{1A23FE0C-9A67-334E-9B7F-83AA9CF636A8}"/>
+              </a:ext>
+            </a:extLst>
+          </p:cNvPr>
+          <p:cNvPicPr>
+            <a:picLocks noChangeAspect="1"/>
+          </p:cNvPicPr>
+          <p:nvPr/>
+        </p:nvPicPr>
+        <p:blipFill rotWithShape="1">
+          <a:blip r:embed="rId3" cstate="print">
+            <a:duotone>
+              <a:schemeClr val="bg2">
+                <a:shade val="45000"/>
+                <a:satMod val="135000"/>
+              </a:schemeClr>
+              <a:prstClr val="white"/>
+            </a:duotone>
+            <a:alphaModFix amt="40000"/>
+            <a:extLst>
+              <a:ext uri="{28A0092B-C50C-407E-A947-70E740481C1C}">
+                <a14:useLocalDpi xmlns:a14="http://schemas.microsoft.com/office/drawing/2010/main"/>
+              </a:ext>
+            </a:extLst>
+          </a:blip>
+          <a:srcRect/>
+          <a:stretch/>
+        </p:blipFill>
+        <p:spPr>
+          <a:xfrm>
+            <a:off x="0" y="0"/>
+            <a:ext cx="12192000" cy="6857990"/>
+          </a:xfrm>
+          <a:prstGeom prst="rect">
+            <a:avLst/>
+          </a:prstGeom>
+        </p:spPr>
+      </p:pic>
+      <p:sp>
+        <p:nvSpPr>
+          <p:cNvPr id="2" name="Titre 1">
+            <a:extLst>
+              <a:ext uri="{FF2B5EF4-FFF2-40B4-BE49-F238E27FC236}">
+                <a16:creationId xmlns:a16="http://schemas.microsoft.com/office/drawing/2014/main" id="{F266081D-517B-5D43-A7B4-E67DDEDC0B31}"/>
+              </a:ext>
+            </a:extLst>
+          </p:cNvPr>
+          <p:cNvSpPr>
+            <a:spLocks noGrp="1"/>
+          </p:cNvSpPr>
+          <p:nvPr>
+            <p:ph type="ctrTitle"/>
+          </p:nvPr>
+        </p:nvSpPr>
+        <p:spPr>
+          <a:xfrm>
+            <a:off x="65150" y="88282"/>
+            <a:ext cx="12061700" cy="1002192"/>
+          </a:xfrm>
+        </p:spPr>
+        <p:txBody>
+          <a:bodyPr rtlCol="0">
+            <a:normAutofit/>
+          </a:bodyPr>
+          <a:lstStyle/>
+          <a:p>
+            <a:r>
+              <a:rPr lang="fr-FR" dirty="0"/>
+              <a:t> modèle de maturité de </a:t>
+            </a:r>
+            <a:r>
+              <a:rPr lang="fr-FR" dirty="0" smtClean="0"/>
+              <a:t>Richardson </a:t>
+            </a:r>
+            <a:endParaRPr lang="fr-FR" dirty="0"/>
+          </a:p>
+        </p:txBody>
+      </p:sp>
+      <p:sp>
+        <p:nvSpPr>
+          <p:cNvPr id="7" name="Rectangle 6"/>
+          <p:cNvSpPr/>
+          <p:nvPr/>
+        </p:nvSpPr>
+        <p:spPr>
+          <a:xfrm>
+            <a:off x="1" y="993931"/>
+            <a:ext cx="12011890" cy="4524315"/>
+          </a:xfrm>
+          <a:prstGeom prst="rect">
+            <a:avLst/>
+          </a:prstGeom>
+        </p:spPr>
+        <p:txBody>
+          <a:bodyPr wrap="square">
+            <a:spAutoFit/>
+          </a:bodyPr>
+          <a:lstStyle/>
+          <a:p>
+            <a:r>
+              <a:rPr lang="fr-FR" sz="1200" dirty="0"/>
+              <a:t>Niveau 0</a:t>
+            </a:r>
+          </a:p>
+          <a:p>
+            <a:r>
+              <a:rPr lang="fr-FR" sz="1200" dirty="0"/>
+              <a:t>On parle de </a:t>
+            </a:r>
+            <a:r>
+              <a:rPr lang="fr-FR" sz="1200" dirty="0" err="1"/>
+              <a:t>Swamp</a:t>
+            </a:r>
+            <a:r>
+              <a:rPr lang="fr-FR" sz="1200" dirty="0"/>
+              <a:t> of POX, soit le « domaine du Plain Old XML », lorsque votre API n’utilise aucune fonctionnalité HTTP. On parle alors de XML-RPC over HTTP. En clair, on peut contacter votre API via un point d’entrée unique, on spécifie l’action à effectuer ainsi que la ressource sur laquelle l’effectuer, dans le contenu de la requête. De même, la réponse sera toujours une 200 avec des informations sur le bon (ou mauvais) déroulement de l’action. C’est le fonctionnement standard des API SOAP.</a:t>
+            </a:r>
+          </a:p>
+          <a:p>
+            <a:endParaRPr lang="fr-FR" sz="1200" dirty="0"/>
+          </a:p>
+          <a:p>
+            <a:r>
+              <a:rPr lang="fr-FR" sz="1200" dirty="0"/>
+              <a:t>Niveau 1</a:t>
+            </a:r>
+          </a:p>
+          <a:p>
+            <a:r>
+              <a:rPr lang="fr-FR" sz="1200" dirty="0"/>
+              <a:t>À ce niveau, on utilise les ressources, c’est à dire que l’API n’aura plus un </a:t>
+            </a:r>
+            <a:r>
+              <a:rPr lang="fr-FR" sz="1200" dirty="0" err="1"/>
+              <a:t>endpoint</a:t>
+            </a:r>
+            <a:r>
+              <a:rPr lang="fr-FR" sz="1200" dirty="0"/>
+              <a:t> unique mais que chaque ressource aura son propre </a:t>
+            </a:r>
+            <a:r>
+              <a:rPr lang="fr-FR" sz="1200" dirty="0" err="1"/>
+              <a:t>endpoint</a:t>
+            </a:r>
+            <a:r>
+              <a:rPr lang="fr-FR" sz="1200" dirty="0"/>
+              <a:t> (/</a:t>
+            </a:r>
+            <a:r>
+              <a:rPr lang="fr-FR" sz="1200" dirty="0" err="1"/>
+              <a:t>users</a:t>
+            </a:r>
+            <a:r>
+              <a:rPr lang="fr-FR" sz="1200" dirty="0"/>
+              <a:t>/</a:t>
+            </a:r>
+            <a:r>
+              <a:rPr lang="fr-FR" sz="1200" dirty="0" err="1"/>
+              <a:t>posts</a:t>
+            </a:r>
+            <a:r>
+              <a:rPr lang="fr-FR" sz="1200" dirty="0"/>
+              <a:t>/1/</a:t>
+            </a:r>
+            <a:r>
+              <a:rPr lang="fr-FR" sz="1200" dirty="0" err="1"/>
+              <a:t>comments</a:t>
+            </a:r>
+            <a:r>
+              <a:rPr lang="fr-FR" sz="1200" dirty="0"/>
+              <a:t>, etc…)</a:t>
+            </a:r>
+          </a:p>
+          <a:p>
+            <a:endParaRPr lang="fr-FR" sz="1200" dirty="0"/>
+          </a:p>
+          <a:p>
+            <a:r>
+              <a:rPr lang="fr-FR" sz="1200" dirty="0"/>
+              <a:t>Niveau 2</a:t>
+            </a:r>
+          </a:p>
+          <a:p>
+            <a:r>
+              <a:rPr lang="fr-FR" sz="1200" dirty="0"/>
+              <a:t>C’est à ce niveau qu’on met en place l’utilisation des verbes HTTP. Il ne sera donc plus nécessaire de dire qu’il s’agit d’une suppression dans le body, puisqu’un </a:t>
+            </a:r>
+            <a:r>
+              <a:rPr lang="fr-FR" sz="1200" dirty="0" err="1"/>
+              <a:t>endpoint</a:t>
+            </a:r>
+            <a:r>
+              <a:rPr lang="fr-FR" sz="1200" dirty="0"/>
+              <a:t> en verbe DELETE sera exposé sur la ressource. Au-delà de l’utilisation des verbes, ce niveau inclut aussi l’utilisation des codes de réponse HTTP (200, 400, </a:t>
+            </a:r>
+            <a:r>
+              <a:rPr lang="fr-FR" sz="1200" dirty="0" err="1"/>
+              <a:t>etc</a:t>
+            </a:r>
+            <a:r>
+              <a:rPr lang="fr-FR" sz="1200" dirty="0"/>
+              <a:t>), afin de ne plus répondre en 200 systématiquement, avec un message d’erreur dans la réponse (si nécessaire).</a:t>
+            </a:r>
+          </a:p>
+          <a:p>
+            <a:endParaRPr lang="fr-FR" sz="1200" dirty="0"/>
+          </a:p>
+          <a:p>
+            <a:r>
+              <a:rPr lang="fr-FR" sz="1200" dirty="0"/>
+              <a:t>Niveau 3</a:t>
+            </a:r>
+          </a:p>
+          <a:p>
+            <a:r>
+              <a:rPr lang="fr-FR" sz="1200" dirty="0"/>
+              <a:t>C’est le dernier niveau, qui fait que peu d’API sont entièrement </a:t>
+            </a:r>
+            <a:r>
+              <a:rPr lang="fr-FR" sz="1200" dirty="0" err="1"/>
+              <a:t>RESTful</a:t>
+            </a:r>
+            <a:r>
+              <a:rPr lang="fr-FR" sz="1200" dirty="0"/>
+              <a:t>, il s’appelle </a:t>
+            </a:r>
+            <a:r>
+              <a:rPr lang="fr-FR" sz="1200" dirty="0" err="1"/>
+              <a:t>Hypermedia</a:t>
+            </a:r>
+            <a:r>
+              <a:rPr lang="fr-FR" sz="1200" dirty="0"/>
+              <a:t> </a:t>
+            </a:r>
+            <a:r>
+              <a:rPr lang="fr-FR" sz="1200" dirty="0" err="1"/>
+              <a:t>Controls</a:t>
+            </a:r>
+            <a:r>
+              <a:rPr lang="fr-FR" sz="1200" dirty="0"/>
+              <a:t> (ou HATEOAS). À ce niveau, il est possible d’explorer l’API sans documentation et sans front-end pour nous guider au travers des </a:t>
+            </a:r>
+            <a:r>
+              <a:rPr lang="fr-FR" sz="1200" dirty="0" err="1"/>
+              <a:t>endpoints</a:t>
+            </a:r>
+            <a:r>
+              <a:rPr lang="fr-FR" sz="1200" dirty="0"/>
+              <a:t>. La problématique est la suivante : lorsque que vous récupérez la liste des utilisateurs sur /api/</a:t>
+            </a:r>
+            <a:r>
+              <a:rPr lang="fr-FR" sz="1200" dirty="0" err="1"/>
+              <a:t>users</a:t>
+            </a:r>
+            <a:r>
+              <a:rPr lang="fr-FR" sz="1200" dirty="0"/>
+              <a:t>, comment faites vous ensuite pour récupérer le premier utilisateur ? Par convention, ou par divination, vous me direz de requêter /api/</a:t>
+            </a:r>
+            <a:r>
+              <a:rPr lang="fr-FR" sz="1200" dirty="0" err="1"/>
+              <a:t>users</a:t>
+            </a:r>
+            <a:r>
+              <a:rPr lang="fr-FR" sz="1200" dirty="0"/>
+              <a:t>/1, mais ça ne vous permet pas de connaître la liste des actions possibles pour les utilisateurs (comment désactiver mon utilisateur par exemple).</a:t>
+            </a:r>
+          </a:p>
+          <a:p>
+            <a:endParaRPr lang="fr-FR" sz="1200" dirty="0"/>
+          </a:p>
+          <a:p>
+            <a:r>
+              <a:rPr lang="fr-FR" sz="1200" dirty="0"/>
+              <a:t>L’idée de ce niveau est donc d’inclure suffisamment d’informations dans la réponse pour permettre d’utiliser l’API sans aucune ressource supplémentaire.</a:t>
+            </a:r>
+          </a:p>
+          <a:p>
+            <a:endParaRPr lang="fr-FR" sz="1200" dirty="0"/>
+          </a:p>
+          <a:p>
+            <a:r>
+              <a:rPr lang="fr-FR" sz="1200" dirty="0"/>
+              <a:t>Maintenant que j’ai apprivoisé ce modèle pour créer des API optimisées, on va pouvoir le mettre au service de nos futurs </a:t>
+            </a:r>
+            <a:r>
+              <a:rPr lang="fr-FR" sz="1200" dirty="0" err="1"/>
+              <a:t>devs</a:t>
+            </a:r>
+            <a:r>
+              <a:rPr lang="fr-FR" sz="1200" dirty="0"/>
+              <a:t> !</a:t>
+            </a:r>
+          </a:p>
+        </p:txBody>
+      </p:sp>
+    </p:spTree>
+    <p:extLst>
+      <p:ext uri="{BB962C8B-B14F-4D97-AF65-F5344CB8AC3E}">
+        <p14:creationId xmlns:p14="http://schemas.microsoft.com/office/powerpoint/2010/main" val="2271323368"/>
       </p:ext>
     </p:extLst>
   </p:cSld>
@@ -13975,20 +14615,20 @@
 </file>
 
 <file path=customXml/item2.xml><?xml version="1.0" encoding="utf-8"?>
+<p:properties xmlns:p="http://schemas.microsoft.com/office/2006/metadata/properties" xmlns:xsi="http://www.w3.org/2001/XMLSchema-instance" xmlns:pc="http://schemas.microsoft.com/office/infopath/2007/PartnerControls">
+  <documentManagement>
+    <MediaServiceKeyPoints xmlns="71af3243-3dd4-4a8d-8c0d-dd76da1f02a5" xsi:nil="true"/>
+  </documentManagement>
+</p:properties>
+</file>
+
+<file path=customXml/item3.xml><?xml version="1.0" encoding="utf-8"?>
 <?mso-contentType ?>
 <FormTemplates xmlns="http://schemas.microsoft.com/sharepoint/v3/contenttype/forms">
   <Display>DocumentLibraryForm</Display>
   <Edit>DocumentLibraryForm</Edit>
   <New>DocumentLibraryForm</New>
 </FormTemplates>
-</file>
-
-<file path=customXml/item3.xml><?xml version="1.0" encoding="utf-8"?>
-<p:properties xmlns:p="http://schemas.microsoft.com/office/2006/metadata/properties" xmlns:xsi="http://www.w3.org/2001/XMLSchema-instance" xmlns:pc="http://schemas.microsoft.com/office/infopath/2007/PartnerControls">
-  <documentManagement>
-    <MediaServiceKeyPoints xmlns="71af3243-3dd4-4a8d-8c0d-dd76da1f02a5" xsi:nil="true"/>
-  </documentManagement>
-</p:properties>
 </file>
 
 <file path=customXml/itemProps1.xml><?xml version="1.0" encoding="utf-8"?>
@@ -14011,14 +14651,6 @@
 </file>
 
 <file path=customXml/itemProps2.xml><?xml version="1.0" encoding="utf-8"?>
-<ds:datastoreItem xmlns:ds="http://schemas.openxmlformats.org/officeDocument/2006/customXml" ds:itemID="{507C3E52-A0B1-49C0-88BD-66B715EE8BB7}">
-  <ds:schemaRefs>
-    <ds:schemaRef ds:uri="http://schemas.microsoft.com/sharepoint/v3/contenttype/forms"/>
-  </ds:schemaRefs>
-</ds:datastoreItem>
-</file>
-
-<file path=customXml/itemProps3.xml><?xml version="1.0" encoding="utf-8"?>
 <ds:datastoreItem xmlns:ds="http://schemas.openxmlformats.org/officeDocument/2006/customXml" ds:itemID="{CCB8F5F2-61AB-4CE6-A5E3-F34B87B0EE42}">
   <ds:schemaRefs>
     <ds:schemaRef ds:uri="http://purl.org/dc/elements/1.1/"/>
@@ -14033,4 +14665,12 @@
     <ds:schemaRef ds:uri="http://purl.org/dc/dcmitype/"/>
   </ds:schemaRefs>
 </ds:datastoreItem>
+</file>
+
+<file path=customXml/itemProps3.xml><?xml version="1.0" encoding="utf-8"?>
+<ds:datastoreItem xmlns:ds="http://schemas.openxmlformats.org/officeDocument/2006/customXml" ds:itemID="{507C3E52-A0B1-49C0-88BD-66B715EE8BB7}">
+  <ds:schemaRefs>
+    <ds:schemaRef ds:uri="http://schemas.microsoft.com/sharepoint/v3/contenttype/forms"/>
+  </ds:schemaRefs>
+</ds:datastoreItem>
 </file>
--- a/UML/BileMo.pptx
+++ b/UML/BileMo.pptx
@@ -5,22 +5,24 @@
     <p:sldMasterId id="2147483835" r:id="rId4"/>
   </p:sldMasterIdLst>
   <p:notesMasterIdLst>
-    <p:notesMasterId r:id="rId15"/>
+    <p:notesMasterId r:id="rId17"/>
   </p:notesMasterIdLst>
   <p:handoutMasterIdLst>
-    <p:handoutMasterId r:id="rId16"/>
+    <p:handoutMasterId r:id="rId18"/>
   </p:handoutMasterIdLst>
   <p:sldIdLst>
     <p:sldId id="268" r:id="rId5"/>
     <p:sldId id="269" r:id="rId6"/>
     <p:sldId id="273" r:id="rId7"/>
     <p:sldId id="267" r:id="rId8"/>
-    <p:sldId id="279" r:id="rId9"/>
-    <p:sldId id="280" r:id="rId10"/>
-    <p:sldId id="283" r:id="rId11"/>
-    <p:sldId id="284" r:id="rId12"/>
-    <p:sldId id="285" r:id="rId13"/>
-    <p:sldId id="282" r:id="rId14"/>
+    <p:sldId id="286" r:id="rId9"/>
+    <p:sldId id="285" r:id="rId10"/>
+    <p:sldId id="284" r:id="rId11"/>
+    <p:sldId id="282" r:id="rId12"/>
+    <p:sldId id="279" r:id="rId13"/>
+    <p:sldId id="280" r:id="rId14"/>
+    <p:sldId id="288" r:id="rId15"/>
+    <p:sldId id="287" r:id="rId16"/>
   </p:sldIdLst>
   <p:sldSz cx="12192000" cy="6858000"/>
   <p:notesSz cx="6858000" cy="9144000"/>
@@ -977,7 +979,15 @@
           <a:pPr rtl="0"/>
           <a:r>
             <a:rPr lang="fr-FR" b="0" i="0" dirty="0" smtClean="0"/>
-            <a:t>Exposez vos données en suivant les règles des niveaux 1, 2 et 3 du modèle de Richardson</a:t>
+            <a:t>Exposez </a:t>
+          </a:r>
+          <a:r>
+            <a:rPr lang="fr-FR" b="0" i="0" dirty="0" smtClean="0"/>
+            <a:t>les </a:t>
+          </a:r>
+          <a:r>
+            <a:rPr lang="fr-FR" b="0" i="0" dirty="0" smtClean="0"/>
+            <a:t>données en suivant les règles des niveaux 1, 2 et 3 du modèle de Richardson</a:t>
           </a:r>
           <a:endParaRPr lang="fr-FR" noProof="0" dirty="0"/>
         </a:p>
@@ -1017,7 +1027,11 @@
           <a:pPr rtl="0"/>
           <a:r>
             <a:rPr lang="fr-FR" b="0" i="0" dirty="0" smtClean="0"/>
-            <a:t>Mises en cache des réponses soient </a:t>
+            <a:t>Mises en cache des </a:t>
+          </a:r>
+          <a:r>
+            <a:rPr lang="fr-FR" b="0" i="0" dirty="0" smtClean="0"/>
+            <a:t>réponses</a:t>
           </a:r>
           <a:endParaRPr lang="fr-FR" noProof="0" dirty="0"/>
         </a:p>
@@ -1256,12 +1270,12 @@
         <a:fontRef idx="minor"/>
       </dsp:style>
       <dsp:txBody>
-        <a:bodyPr spcFirstLastPara="0" vert="horz" wrap="square" lIns="87630" tIns="87630" rIns="87630" bIns="87630" numCol="1" spcCol="1270" rtlCol="0" anchor="ctr" anchorCtr="0">
+        <a:bodyPr spcFirstLastPara="0" vert="horz" wrap="square" lIns="91440" tIns="91440" rIns="91440" bIns="91440" numCol="1" spcCol="1270" rtlCol="0" anchor="ctr" anchorCtr="0">
           <a:noAutofit/>
         </a:bodyPr>
         <a:lstStyle/>
         <a:p>
-          <a:pPr lvl="0" algn="l" defTabSz="1022350" rtl="0">
+          <a:pPr lvl="0" algn="l" defTabSz="1066800" rtl="0">
             <a:lnSpc>
               <a:spcPct val="90000"/>
             </a:lnSpc>
@@ -1273,10 +1287,10 @@
             </a:spcAft>
           </a:pPr>
           <a:r>
-            <a:rPr lang="fr-FR" sz="2300" b="1" i="0" kern="1200" dirty="0" smtClean="0"/>
+            <a:rPr lang="fr-FR" sz="2400" b="1" i="0" kern="1200" dirty="0" smtClean="0"/>
             <a:t>Créez un web service exposant une API</a:t>
           </a:r>
-          <a:endParaRPr lang="fr-FR" sz="2300" b="0" kern="1200" noProof="0" dirty="0"/>
+          <a:endParaRPr lang="fr-FR" sz="2400" b="0" kern="1200" noProof="0" dirty="0"/>
         </a:p>
       </dsp:txBody>
       <dsp:txXfrm>
@@ -1365,12 +1379,12 @@
         <a:fontRef idx="minor"/>
       </dsp:style>
       <dsp:txBody>
-        <a:bodyPr spcFirstLastPara="0" vert="horz" wrap="square" lIns="87630" tIns="87630" rIns="87630" bIns="87630" numCol="1" spcCol="1270" rtlCol="0" anchor="ctr" anchorCtr="0">
+        <a:bodyPr spcFirstLastPara="0" vert="horz" wrap="square" lIns="91440" tIns="91440" rIns="91440" bIns="91440" numCol="1" spcCol="1270" rtlCol="0" anchor="ctr" anchorCtr="0">
           <a:noAutofit/>
         </a:bodyPr>
         <a:lstStyle/>
         <a:p>
-          <a:pPr lvl="0" algn="l" defTabSz="1022350" rtl="0">
+          <a:pPr lvl="0" algn="l" defTabSz="1066800" rtl="0">
             <a:lnSpc>
               <a:spcPct val="90000"/>
             </a:lnSpc>
@@ -1382,10 +1396,18 @@
             </a:spcAft>
           </a:pPr>
           <a:r>
-            <a:rPr lang="fr-FR" sz="2300" b="0" i="0" kern="1200" dirty="0" smtClean="0"/>
-            <a:t>Exposez vos données en suivant les règles des niveaux 1, 2 et 3 du modèle de Richardson</a:t>
+            <a:rPr lang="fr-FR" sz="2400" b="0" i="0" kern="1200" dirty="0" smtClean="0"/>
+            <a:t>Exposez </a:t>
           </a:r>
-          <a:endParaRPr lang="fr-FR" sz="2300" kern="1200" noProof="0" dirty="0"/>
+          <a:r>
+            <a:rPr lang="fr-FR" sz="2400" b="0" i="0" kern="1200" dirty="0" smtClean="0"/>
+            <a:t>les </a:t>
+          </a:r>
+          <a:r>
+            <a:rPr lang="fr-FR" sz="2400" b="0" i="0" kern="1200" dirty="0" smtClean="0"/>
+            <a:t>données en suivant les règles des niveaux 1, 2 et 3 du modèle de Richardson</a:t>
+          </a:r>
+          <a:endParaRPr lang="fr-FR" sz="2400" kern="1200" noProof="0" dirty="0"/>
         </a:p>
       </dsp:txBody>
       <dsp:txXfrm>
@@ -1474,12 +1496,12 @@
         <a:fontRef idx="minor"/>
       </dsp:style>
       <dsp:txBody>
-        <a:bodyPr spcFirstLastPara="0" vert="horz" wrap="square" lIns="87630" tIns="87630" rIns="87630" bIns="87630" numCol="1" spcCol="1270" rtlCol="0" anchor="ctr" anchorCtr="0">
+        <a:bodyPr spcFirstLastPara="0" vert="horz" wrap="square" lIns="91440" tIns="91440" rIns="91440" bIns="91440" numCol="1" spcCol="1270" rtlCol="0" anchor="ctr" anchorCtr="0">
           <a:noAutofit/>
         </a:bodyPr>
         <a:lstStyle/>
         <a:p>
-          <a:pPr lvl="0" algn="l" defTabSz="1022350" rtl="0">
+          <a:pPr lvl="0" algn="l" defTabSz="1066800" rtl="0">
             <a:lnSpc>
               <a:spcPct val="90000"/>
             </a:lnSpc>
@@ -1491,10 +1513,14 @@
             </a:spcAft>
           </a:pPr>
           <a:r>
-            <a:rPr lang="fr-FR" sz="2300" b="0" i="0" kern="1200" dirty="0" smtClean="0"/>
-            <a:t>Mises en cache des réponses soient </a:t>
+            <a:rPr lang="fr-FR" sz="2400" b="0" i="0" kern="1200" dirty="0" smtClean="0"/>
+            <a:t>Mises en cache des </a:t>
           </a:r>
-          <a:endParaRPr lang="fr-FR" sz="2300" kern="1200" noProof="0" dirty="0"/>
+          <a:r>
+            <a:rPr lang="fr-FR" sz="2400" b="0" i="0" kern="1200" dirty="0" smtClean="0"/>
+            <a:t>réponses</a:t>
+          </a:r>
+          <a:endParaRPr lang="fr-FR" sz="2400" kern="1200" noProof="0" dirty="0"/>
         </a:p>
       </dsp:txBody>
       <dsp:txXfrm>
@@ -3126,7 +3152,7 @@
           <a:p>
             <a:fld id="{300E0152-FD71-476E-93B4-2748553546FC}" type="datetimeFigureOut">
               <a:rPr lang="fr-FR" smtClean="0"/>
-              <a:t>24/05/2022</a:t>
+              <a:t>30/05/2022</a:t>
             </a:fld>
             <a:endParaRPr lang="fr-FR"/>
           </a:p>
@@ -3304,7 +3330,7 @@
           <a:p>
             <a:fld id="{7E818C28-E326-4E30-9CF2-2C1A4C894E1E}" type="datetimeFigureOut">
               <a:rPr lang="fr-FR" noProof="0" smtClean="0"/>
-              <a:t>24/05/2022</a:t>
+              <a:t>30/05/2022</a:t>
             </a:fld>
             <a:endParaRPr lang="fr-FR" noProof="0"/>
           </a:p>
@@ -3973,7 +3999,7 @@
           <a:p>
             <a:fld id="{319E0709-8032-4F3E-A041-680E7FBB13CC}" type="slidenum">
               <a:rPr lang="fr-FR" noProof="0" smtClean="0"/>
-              <a:t>7</a:t>
+              <a:t>5</a:t>
             </a:fld>
             <a:endParaRPr lang="fr-FR" noProof="0"/>
           </a:p>
@@ -3982,7 +4008,7 @@
     </p:spTree>
     <p:extLst>
       <p:ext uri="{BB962C8B-B14F-4D97-AF65-F5344CB8AC3E}">
-        <p14:creationId xmlns:p14="http://schemas.microsoft.com/office/powerpoint/2010/main" val="2705068078"/>
+        <p14:creationId xmlns:p14="http://schemas.microsoft.com/office/powerpoint/2010/main" val="197367700"/>
       </p:ext>
     </p:extLst>
   </p:cSld>
@@ -4057,7 +4083,7 @@
           <a:p>
             <a:fld id="{319E0709-8032-4F3E-A041-680E7FBB13CC}" type="slidenum">
               <a:rPr lang="fr-FR" noProof="0" smtClean="0"/>
-              <a:t>8</a:t>
+              <a:t>6</a:t>
             </a:fld>
             <a:endParaRPr lang="fr-FR" noProof="0"/>
           </a:p>
@@ -4066,7 +4092,7 @@
     </p:spTree>
     <p:extLst>
       <p:ext uri="{BB962C8B-B14F-4D97-AF65-F5344CB8AC3E}">
-        <p14:creationId xmlns:p14="http://schemas.microsoft.com/office/powerpoint/2010/main" val="2549504521"/>
+        <p14:creationId xmlns:p14="http://schemas.microsoft.com/office/powerpoint/2010/main" val="1746128031"/>
       </p:ext>
     </p:extLst>
   </p:cSld>
@@ -4141,7 +4167,7 @@
           <a:p>
             <a:fld id="{319E0709-8032-4F3E-A041-680E7FBB13CC}" type="slidenum">
               <a:rPr lang="fr-FR" noProof="0" smtClean="0"/>
-              <a:t>9</a:t>
+              <a:t>7</a:t>
             </a:fld>
             <a:endParaRPr lang="fr-FR" noProof="0"/>
           </a:p>
@@ -4150,7 +4176,7 @@
     </p:spTree>
     <p:extLst>
       <p:ext uri="{BB962C8B-B14F-4D97-AF65-F5344CB8AC3E}">
-        <p14:creationId xmlns:p14="http://schemas.microsoft.com/office/powerpoint/2010/main" val="1746128031"/>
+        <p14:creationId xmlns:p14="http://schemas.microsoft.com/office/powerpoint/2010/main" val="2549504521"/>
       </p:ext>
     </p:extLst>
   </p:cSld>
@@ -4225,7 +4251,7 @@
           <a:p>
             <a:fld id="{319E0709-8032-4F3E-A041-680E7FBB13CC}" type="slidenum">
               <a:rPr lang="fr-FR" noProof="0" smtClean="0"/>
-              <a:t>10</a:t>
+              <a:t>8</a:t>
             </a:fld>
             <a:endParaRPr lang="fr-FR" noProof="0"/>
           </a:p>
@@ -4235,6 +4261,90 @@
     <p:extLst>
       <p:ext uri="{BB962C8B-B14F-4D97-AF65-F5344CB8AC3E}">
         <p14:creationId xmlns:p14="http://schemas.microsoft.com/office/powerpoint/2010/main" val="771507494"/>
+      </p:ext>
+    </p:extLst>
+  </p:cSld>
+  <p:clrMapOvr>
+    <a:masterClrMapping/>
+  </p:clrMapOvr>
+</p:notes>
+</file>
+
+<file path=ppt/notesSlides/notesSlide9.xml><?xml version="1.0" encoding="utf-8"?>
+<p:notes xmlns:a="http://schemas.openxmlformats.org/drawingml/2006/main" xmlns:r="http://schemas.openxmlformats.org/officeDocument/2006/relationships" xmlns:p="http://schemas.openxmlformats.org/presentationml/2006/main">
+  <p:cSld>
+    <p:spTree>
+      <p:nvGrpSpPr>
+        <p:cNvPr id="1" name=""/>
+        <p:cNvGrpSpPr/>
+        <p:nvPr/>
+      </p:nvGrpSpPr>
+      <p:grpSpPr>
+        <a:xfrm>
+          <a:off x="0" y="0"/>
+          <a:ext cx="0" cy="0"/>
+          <a:chOff x="0" y="0"/>
+          <a:chExt cx="0" cy="0"/>
+        </a:xfrm>
+      </p:grpSpPr>
+      <p:sp>
+        <p:nvSpPr>
+          <p:cNvPr id="2" name="Espace réservé de l'image des diapositives 1"/>
+          <p:cNvSpPr>
+            <a:spLocks noGrp="1" noRot="1" noChangeAspect="1"/>
+          </p:cNvSpPr>
+          <p:nvPr>
+            <p:ph type="sldImg"/>
+          </p:nvPr>
+        </p:nvSpPr>
+        <p:spPr/>
+      </p:sp>
+      <p:sp>
+        <p:nvSpPr>
+          <p:cNvPr id="3" name="Espace réservé des notes 2"/>
+          <p:cNvSpPr>
+            <a:spLocks noGrp="1"/>
+          </p:cNvSpPr>
+          <p:nvPr>
+            <p:ph type="body" idx="1"/>
+          </p:nvPr>
+        </p:nvSpPr>
+        <p:spPr/>
+        <p:txBody>
+          <a:bodyPr/>
+          <a:lstStyle/>
+          <a:p>
+            <a:endParaRPr lang="fr-FR"/>
+          </a:p>
+        </p:txBody>
+      </p:sp>
+      <p:sp>
+        <p:nvSpPr>
+          <p:cNvPr id="4" name="Espace réservé du numéro de diapositive 3"/>
+          <p:cNvSpPr>
+            <a:spLocks noGrp="1"/>
+          </p:cNvSpPr>
+          <p:nvPr>
+            <p:ph type="sldNum" sz="quarter" idx="5"/>
+          </p:nvPr>
+        </p:nvSpPr>
+        <p:spPr/>
+        <p:txBody>
+          <a:bodyPr/>
+          <a:lstStyle/>
+          <a:p>
+            <a:fld id="{319E0709-8032-4F3E-A041-680E7FBB13CC}" type="slidenum">
+              <a:rPr lang="fr-FR" noProof="0" smtClean="0"/>
+              <a:t>12</a:t>
+            </a:fld>
+            <a:endParaRPr lang="fr-FR" noProof="0"/>
+          </a:p>
+        </p:txBody>
+      </p:sp>
+    </p:spTree>
+    <p:extLst>
+      <p:ext uri="{BB962C8B-B14F-4D97-AF65-F5344CB8AC3E}">
+        <p14:creationId xmlns:p14="http://schemas.microsoft.com/office/powerpoint/2010/main" val="2462358471"/>
       </p:ext>
     </p:extLst>
   </p:cSld>
@@ -4433,7 +4543,7 @@
             <a:pPr rtl="0"/>
             <a:fld id="{84D57ED5-9CB3-4471-9B6F-968F3C8F84E1}" type="datetime1">
               <a:rPr lang="fr-FR" noProof="0" smtClean="0"/>
-              <a:t>24/05/2022</a:t>
+              <a:t>30/05/2022</a:t>
             </a:fld>
             <a:endParaRPr lang="fr-FR" noProof="0"/>
           </a:p>
@@ -4775,7 +4885,7 @@
             <a:pPr rtl="0"/>
             <a:fld id="{82C21BD6-09AD-4CE8-91E4-0CCB39C35B1C}" type="datetime1">
               <a:rPr lang="fr-FR" noProof="0" smtClean="0"/>
-              <a:t>24/05/2022</a:t>
+              <a:t>30/05/2022</a:t>
             </a:fld>
             <a:endParaRPr lang="fr-FR" noProof="0"/>
           </a:p>
@@ -5180,7 +5290,7 @@
             <a:pPr rtl="0"/>
             <a:fld id="{3C77B77F-91DD-4C26-904A-477D7569DB10}" type="datetime1">
               <a:rPr lang="fr-FR" noProof="0" smtClean="0"/>
-              <a:t>24/05/2022</a:t>
+              <a:t>30/05/2022</a:t>
             </a:fld>
             <a:endParaRPr lang="fr-FR" noProof="0"/>
           </a:p>
@@ -5520,7 +5630,7 @@
             <a:pPr rtl="0"/>
             <a:fld id="{BF2D40E6-123C-44C7-96E6-E5EB17E95AC5}" type="datetime1">
               <a:rPr lang="fr-FR" noProof="0" smtClean="0"/>
-              <a:t>24/05/2022</a:t>
+              <a:t>30/05/2022</a:t>
             </a:fld>
             <a:endParaRPr lang="fr-FR" noProof="0"/>
           </a:p>
@@ -5845,7 +5955,7 @@
             <a:pPr rtl="0"/>
             <a:fld id="{BF2D40E6-123C-44C7-96E6-E5EB17E95AC5}" type="datetime1">
               <a:rPr lang="fr-FR" noProof="0" smtClean="0"/>
-              <a:t>24/05/2022</a:t>
+              <a:t>30/05/2022</a:t>
             </a:fld>
             <a:endParaRPr lang="fr-FR" noProof="0"/>
           </a:p>
@@ -6246,7 +6356,7 @@
             <a:pPr rtl="0"/>
             <a:fld id="{5E9C6408-3BC8-40DF-BC19-0E01079E3CE3}" type="datetime1">
               <a:rPr lang="fr-FR" noProof="0" smtClean="0"/>
-              <a:t>24/05/2022</a:t>
+              <a:t>30/05/2022</a:t>
             </a:fld>
             <a:endParaRPr lang="fr-FR" noProof="0"/>
           </a:p>
@@ -6507,7 +6617,7 @@
             <a:pPr rtl="0"/>
             <a:fld id="{475489E5-EE2A-4D3B-B34D-823A7028B4FB}" type="datetime1">
               <a:rPr lang="fr-FR" noProof="0" smtClean="0"/>
-              <a:t>24/05/2022</a:t>
+              <a:t>30/05/2022</a:t>
             </a:fld>
             <a:endParaRPr lang="fr-FR" noProof="0"/>
           </a:p>
@@ -6773,7 +6883,7 @@
             <a:pPr rtl="0"/>
             <a:fld id="{CD123ACB-C9EE-4C9E-B8CE-AAAC5E9A0232}" type="datetime1">
               <a:rPr lang="fr-FR" noProof="0" smtClean="0"/>
-              <a:t>24/05/2022</a:t>
+              <a:t>30/05/2022</a:t>
             </a:fld>
             <a:endParaRPr lang="fr-FR" noProof="0"/>
           </a:p>
@@ -7039,7 +7149,7 @@
             <a:pPr rtl="0"/>
             <a:fld id="{6860E4D8-56D9-4E46-AB44-CADDEB05CB81}" type="datetime1">
               <a:rPr lang="fr-FR" noProof="0" smtClean="0"/>
-              <a:t>24/05/2022</a:t>
+              <a:t>30/05/2022</a:t>
             </a:fld>
             <a:endParaRPr lang="fr-FR" noProof="0"/>
           </a:p>
@@ -7372,7 +7482,7 @@
             <a:pPr rtl="0"/>
             <a:fld id="{BF2D40E6-123C-44C7-96E6-E5EB17E95AC5}" type="datetime1">
               <a:rPr lang="fr-FR" noProof="0" smtClean="0"/>
-              <a:t>24/05/2022</a:t>
+              <a:t>30/05/2022</a:t>
             </a:fld>
             <a:endParaRPr lang="fr-FR" noProof="0"/>
           </a:p>
@@ -7700,7 +7810,7 @@
             <a:pPr rtl="0"/>
             <a:fld id="{5ADDB20C-1774-4B16-9666-0BE66B3E81AC}" type="datetime1">
               <a:rPr lang="fr-FR" noProof="0" smtClean="0"/>
-              <a:t>24/05/2022</a:t>
+              <a:t>30/05/2022</a:t>
             </a:fld>
             <a:endParaRPr lang="fr-FR" noProof="0"/>
           </a:p>
@@ -8161,7 +8271,7 @@
             <a:pPr rtl="0"/>
             <a:fld id="{1F37DF42-8FE2-4196-B087-A644399BE082}" type="datetime1">
               <a:rPr lang="fr-FR" noProof="0" smtClean="0"/>
-              <a:t>24/05/2022</a:t>
+              <a:t>30/05/2022</a:t>
             </a:fld>
             <a:endParaRPr lang="fr-FR" noProof="0"/>
           </a:p>
@@ -8370,7 +8480,7 @@
             <a:pPr rtl="0"/>
             <a:fld id="{BF2D40E6-123C-44C7-96E6-E5EB17E95AC5}" type="datetime1">
               <a:rPr lang="fr-FR" noProof="0" smtClean="0"/>
-              <a:t>24/05/2022</a:t>
+              <a:t>30/05/2022</a:t>
             </a:fld>
             <a:endParaRPr lang="fr-FR" noProof="0"/>
           </a:p>
@@ -8552,7 +8662,7 @@
             <a:pPr rtl="0"/>
             <a:fld id="{A9AA5441-00F0-4727-A8C3-46A783FC5724}" type="datetime1">
               <a:rPr lang="fr-FR" noProof="0" smtClean="0"/>
-              <a:t>24/05/2022</a:t>
+              <a:t>30/05/2022</a:t>
             </a:fld>
             <a:endParaRPr lang="fr-FR" noProof="0"/>
           </a:p>
@@ -8889,7 +8999,7 @@
             <a:pPr rtl="0"/>
             <a:fld id="{C032274E-A475-49B8-A4A0-80F13BCA3C3A}" type="datetime1">
               <a:rPr lang="fr-FR" noProof="0" smtClean="0"/>
-              <a:t>24/05/2022</a:t>
+              <a:t>30/05/2022</a:t>
             </a:fld>
             <a:endParaRPr lang="fr-FR" noProof="0"/>
           </a:p>
@@ -9238,7 +9348,7 @@
             <a:pPr rtl="0"/>
             <a:fld id="{F9CED46A-8872-470A-807E-03961E183B93}" type="datetime1">
               <a:rPr lang="fr-FR" noProof="0" smtClean="0"/>
-              <a:t>24/05/2022</a:t>
+              <a:t>30/05/2022</a:t>
             </a:fld>
             <a:endParaRPr lang="fr-FR" noProof="0"/>
           </a:p>
@@ -11296,7 +11406,7 @@
             <a:pPr rtl="0"/>
             <a:fld id="{BF2D40E6-123C-44C7-96E6-E5EB17E95AC5}" type="datetime1">
               <a:rPr lang="fr-FR" noProof="0" smtClean="0"/>
-              <a:t>24/05/2022</a:t>
+              <a:t>30/05/2022</a:t>
             </a:fld>
             <a:endParaRPr lang="fr-FR" noProof="0"/>
           </a:p>
@@ -11925,10 +12035,216 @@
   <p:clrMapOvr>
     <a:masterClrMapping/>
   </p:clrMapOvr>
+  <p:timing>
+    <p:tnLst>
+      <p:par>
+        <p:cTn id="1" dur="indefinite" restart="never" nodeType="tmRoot"/>
+      </p:par>
+    </p:tnLst>
+  </p:timing>
 </p:sld>
 </file>
 
 <file path=ppt/slides/slide10.xml><?xml version="1.0" encoding="utf-8"?>
+<p:sld xmlns:a="http://schemas.openxmlformats.org/drawingml/2006/main" xmlns:r="http://schemas.openxmlformats.org/officeDocument/2006/relationships" xmlns:p="http://schemas.openxmlformats.org/presentationml/2006/main">
+  <p:cSld>
+    <p:spTree>
+      <p:nvGrpSpPr>
+        <p:cNvPr id="1" name=""/>
+        <p:cNvGrpSpPr/>
+        <p:nvPr/>
+      </p:nvGrpSpPr>
+      <p:grpSpPr>
+        <a:xfrm>
+          <a:off x="0" y="0"/>
+          <a:ext cx="0" cy="0"/>
+          <a:chOff x="0" y="0"/>
+          <a:chExt cx="0" cy="0"/>
+        </a:xfrm>
+      </p:grpSpPr>
+      <p:sp>
+        <p:nvSpPr>
+          <p:cNvPr id="5" name="Titre 1">
+            <a:extLst>
+              <a:ext uri="{FF2B5EF4-FFF2-40B4-BE49-F238E27FC236}">
+                <a16:creationId xmlns:a16="http://schemas.microsoft.com/office/drawing/2014/main" id="{23F6D5E8-15CF-4755-910B-1B5A1E777357}"/>
+              </a:ext>
+            </a:extLst>
+          </p:cNvPr>
+          <p:cNvSpPr>
+            <a:spLocks noGrp="1"/>
+          </p:cNvSpPr>
+          <p:nvPr>
+            <p:ph type="title"/>
+          </p:nvPr>
+        </p:nvSpPr>
+        <p:spPr>
+          <a:xfrm>
+            <a:off x="1619182" y="130052"/>
+            <a:ext cx="10572817" cy="1280890"/>
+          </a:xfrm>
+        </p:spPr>
+        <p:txBody>
+          <a:bodyPr rtlCol="0">
+            <a:normAutofit/>
+          </a:bodyPr>
+          <a:lstStyle/>
+          <a:p>
+            <a:pPr rtl="0"/>
+            <a:r>
+              <a:rPr lang="fr-FR" dirty="0"/>
+              <a:t>Gestion du projet : découpage des « issues »</a:t>
+            </a:r>
+            <a:br>
+              <a:rPr lang="fr-FR" dirty="0"/>
+            </a:br>
+            <a:endParaRPr lang="fr-FR" dirty="0"/>
+          </a:p>
+        </p:txBody>
+      </p:sp>
+      <p:pic>
+        <p:nvPicPr>
+          <p:cNvPr id="2" name="Image 1"/>
+          <p:cNvPicPr>
+            <a:picLocks noChangeAspect="1"/>
+          </p:cNvPicPr>
+          <p:nvPr/>
+        </p:nvPicPr>
+        <p:blipFill>
+          <a:blip r:embed="rId2"/>
+          <a:stretch>
+            <a:fillRect/>
+          </a:stretch>
+        </p:blipFill>
+        <p:spPr>
+          <a:xfrm>
+            <a:off x="2626910" y="880025"/>
+            <a:ext cx="6916101" cy="5869910"/>
+          </a:xfrm>
+          <a:prstGeom prst="rect">
+            <a:avLst/>
+          </a:prstGeom>
+        </p:spPr>
+      </p:pic>
+    </p:spTree>
+    <p:extLst>
+      <p:ext uri="{BB962C8B-B14F-4D97-AF65-F5344CB8AC3E}">
+        <p14:creationId xmlns:p14="http://schemas.microsoft.com/office/powerpoint/2010/main" val="1309542815"/>
+      </p:ext>
+    </p:extLst>
+  </p:cSld>
+  <p:clrMapOvr>
+    <a:masterClrMapping/>
+  </p:clrMapOvr>
+  <p:timing>
+    <p:tnLst>
+      <p:par>
+        <p:cTn id="1" dur="indefinite" restart="never" nodeType="tmRoot"/>
+      </p:par>
+    </p:tnLst>
+  </p:timing>
+</p:sld>
+</file>
+
+<file path=ppt/slides/slide11.xml><?xml version="1.0" encoding="utf-8"?>
+<p:sld xmlns:a="http://schemas.openxmlformats.org/drawingml/2006/main" xmlns:r="http://schemas.openxmlformats.org/officeDocument/2006/relationships" xmlns:p="http://schemas.openxmlformats.org/presentationml/2006/main">
+  <p:cSld>
+    <p:spTree>
+      <p:nvGrpSpPr>
+        <p:cNvPr id="1" name=""/>
+        <p:cNvGrpSpPr/>
+        <p:nvPr/>
+      </p:nvGrpSpPr>
+      <p:grpSpPr>
+        <a:xfrm>
+          <a:off x="0" y="0"/>
+          <a:ext cx="0" cy="0"/>
+          <a:chOff x="0" y="0"/>
+          <a:chExt cx="0" cy="0"/>
+        </a:xfrm>
+      </p:grpSpPr>
+      <p:sp>
+        <p:nvSpPr>
+          <p:cNvPr id="5" name="Titre 1">
+            <a:extLst>
+              <a:ext uri="{FF2B5EF4-FFF2-40B4-BE49-F238E27FC236}">
+                <a16:creationId xmlns:a16="http://schemas.microsoft.com/office/drawing/2014/main" id="{23F6D5E8-15CF-4755-910B-1B5A1E777357}"/>
+              </a:ext>
+            </a:extLst>
+          </p:cNvPr>
+          <p:cNvSpPr>
+            <a:spLocks noGrp="1"/>
+          </p:cNvSpPr>
+          <p:nvPr>
+            <p:ph type="title"/>
+          </p:nvPr>
+        </p:nvSpPr>
+        <p:spPr>
+          <a:xfrm>
+            <a:off x="1619182" y="130052"/>
+            <a:ext cx="10572817" cy="1280890"/>
+          </a:xfrm>
+        </p:spPr>
+        <p:txBody>
+          <a:bodyPr rtlCol="0">
+            <a:normAutofit/>
+          </a:bodyPr>
+          <a:lstStyle/>
+          <a:p>
+            <a:pPr rtl="0"/>
+            <a:r>
+              <a:rPr lang="fr-FR" dirty="0" smtClean="0"/>
+              <a:t>Suivis qualité du code : CODACY</a:t>
+            </a:r>
+            <a:endParaRPr lang="fr-FR" dirty="0"/>
+          </a:p>
+        </p:txBody>
+      </p:sp>
+      <p:pic>
+        <p:nvPicPr>
+          <p:cNvPr id="2" name="Image 1"/>
+          <p:cNvPicPr>
+            <a:picLocks noChangeAspect="1"/>
+          </p:cNvPicPr>
+          <p:nvPr/>
+        </p:nvPicPr>
+        <p:blipFill>
+          <a:blip r:embed="rId2"/>
+          <a:stretch>
+            <a:fillRect/>
+          </a:stretch>
+        </p:blipFill>
+        <p:spPr>
+          <a:xfrm>
+            <a:off x="1935876" y="1345505"/>
+            <a:ext cx="6873836" cy="2720576"/>
+          </a:xfrm>
+          <a:prstGeom prst="rect">
+            <a:avLst/>
+          </a:prstGeom>
+        </p:spPr>
+      </p:pic>
+    </p:spTree>
+    <p:extLst>
+      <p:ext uri="{BB962C8B-B14F-4D97-AF65-F5344CB8AC3E}">
+        <p14:creationId xmlns:p14="http://schemas.microsoft.com/office/powerpoint/2010/main" val="243932179"/>
+      </p:ext>
+    </p:extLst>
+  </p:cSld>
+  <p:clrMapOvr>
+    <a:masterClrMapping/>
+  </p:clrMapOvr>
+  <p:timing>
+    <p:tnLst>
+      <p:par>
+        <p:cTn id="1" dur="indefinite" restart="never" nodeType="tmRoot"/>
+      </p:par>
+    </p:tnLst>
+  </p:timing>
+</p:sld>
+</file>
+
+<file path=ppt/slides/slide12.xml><?xml version="1.0" encoding="utf-8"?>
 <p:sld xmlns:a="http://schemas.openxmlformats.org/drawingml/2006/main" xmlns:r="http://schemas.openxmlformats.org/officeDocument/2006/relationships" xmlns:p="http://schemas.openxmlformats.org/presentationml/2006/main">
   <p:cSld>
     <p:bg>
@@ -11996,7 +12312,7 @@
         </p:blipFill>
         <p:spPr>
           <a:xfrm>
-            <a:off x="0" y="5"/>
+            <a:off x="0" y="0"/>
             <a:ext cx="12192000" cy="6857990"/>
           </a:xfrm>
           <a:prstGeom prst="rect">
@@ -12023,7 +12339,7 @@
         <p:spPr>
           <a:xfrm>
             <a:off x="274387" y="88282"/>
-            <a:ext cx="8915399" cy="1002192"/>
+            <a:ext cx="12061700" cy="1002192"/>
           </a:xfrm>
         </p:spPr>
         <p:txBody>
@@ -12034,46 +12350,379 @@
           <a:p>
             <a:pPr rtl="0"/>
             <a:r>
-              <a:rPr lang="fr-FR" dirty="0"/>
-              <a:t>Démonstration du site</a:t>
-            </a:r>
+              <a:rPr lang="fr-FR" dirty="0" smtClean="0"/>
+              <a:t>Principaux Paquets </a:t>
+            </a:r>
+            <a:endParaRPr lang="fr-FR" dirty="0"/>
           </a:p>
         </p:txBody>
       </p:sp>
-      <p:pic>
-        <p:nvPicPr>
-          <p:cNvPr id="4" name="Image 3"/>
-          <p:cNvPicPr>
-            <a:picLocks noChangeAspect="1"/>
-          </p:cNvPicPr>
+      <p:sp>
+        <p:nvSpPr>
+          <p:cNvPr id="7" name="Rectangle 6"/>
+          <p:cNvSpPr/>
           <p:nvPr/>
-        </p:nvPicPr>
-        <p:blipFill>
-          <a:blip r:embed="rId4"/>
-          <a:stretch>
-            <a:fillRect/>
-          </a:stretch>
-        </p:blipFill>
+        </p:nvSpPr>
         <p:spPr>
           <a:xfrm>
-            <a:off x="405075" y="1178750"/>
-            <a:ext cx="10850151" cy="5404929"/>
+            <a:off x="274388" y="1429789"/>
+            <a:ext cx="11820630" cy="5216172"/>
           </a:xfrm>
           <a:prstGeom prst="rect">
             <a:avLst/>
           </a:prstGeom>
         </p:spPr>
-      </p:pic>
+        <p:txBody>
+          <a:bodyPr wrap="square">
+            <a:spAutoFit/>
+          </a:bodyPr>
+          <a:lstStyle/>
+          <a:p>
+            <a:pPr>
+              <a:lnSpc>
+                <a:spcPct val="150000"/>
+              </a:lnSpc>
+            </a:pPr>
+            <a:r>
+              <a:rPr lang="fr-FR" sz="1600" b="1" dirty="0" smtClean="0"/>
+              <a:t>Doctrine: </a:t>
+            </a:r>
+            <a:r>
+              <a:rPr lang="fr-FR" sz="1600" dirty="0" smtClean="0"/>
+              <a:t>ORM de </a:t>
+            </a:r>
+            <a:r>
+              <a:rPr lang="fr-FR" sz="1600" dirty="0" err="1" smtClean="0"/>
+              <a:t>symfony</a:t>
+            </a:r>
+            <a:endParaRPr lang="fr-FR" sz="1600" dirty="0"/>
+          </a:p>
+          <a:p>
+            <a:pPr>
+              <a:lnSpc>
+                <a:spcPct val="150000"/>
+              </a:lnSpc>
+            </a:pPr>
+            <a:endParaRPr lang="fr-FR" sz="1600" dirty="0"/>
+          </a:p>
+          <a:p>
+            <a:pPr>
+              <a:lnSpc>
+                <a:spcPct val="150000"/>
+              </a:lnSpc>
+            </a:pPr>
+            <a:r>
+              <a:rPr lang="fr-FR" sz="1600" b="1" dirty="0" err="1" smtClean="0"/>
+              <a:t>Faker</a:t>
+            </a:r>
+            <a:r>
+              <a:rPr lang="fr-FR" sz="1600" dirty="0" smtClean="0"/>
+              <a:t> </a:t>
+            </a:r>
+            <a:r>
+              <a:rPr lang="fr-FR" sz="1600" dirty="0"/>
+              <a:t>: </a:t>
+            </a:r>
+            <a:r>
+              <a:rPr lang="fr-FR" sz="1600" dirty="0" smtClean="0"/>
+              <a:t>Création des </a:t>
+            </a:r>
+            <a:r>
+              <a:rPr lang="fr-FR" sz="1600" dirty="0" err="1" smtClean="0"/>
+              <a:t>Fixtures</a:t>
+            </a:r>
+            <a:r>
+              <a:rPr lang="fr-FR" sz="1600" dirty="0" smtClean="0"/>
+              <a:t> avec fausses données</a:t>
+            </a:r>
+            <a:endParaRPr lang="fr-FR" sz="1600" dirty="0"/>
+          </a:p>
+          <a:p>
+            <a:pPr>
+              <a:lnSpc>
+                <a:spcPct val="150000"/>
+              </a:lnSpc>
+            </a:pPr>
+            <a:endParaRPr lang="fr-FR" sz="1600" dirty="0"/>
+          </a:p>
+          <a:p>
+            <a:pPr>
+              <a:lnSpc>
+                <a:spcPct val="150000"/>
+              </a:lnSpc>
+            </a:pPr>
+            <a:r>
+              <a:rPr lang="fr-FR" sz="1600" b="1" dirty="0" smtClean="0"/>
+              <a:t>JMS </a:t>
+            </a:r>
+            <a:r>
+              <a:rPr lang="fr-FR" sz="1600" b="1" dirty="0" smtClean="0"/>
+              <a:t>: </a:t>
+            </a:r>
+            <a:r>
+              <a:rPr lang="fr-FR" sz="1600" dirty="0" smtClean="0"/>
+              <a:t>Cette </a:t>
+            </a:r>
+            <a:r>
+              <a:rPr lang="fr-FR" sz="1600" dirty="0"/>
+              <a:t>bibliothèque vous permet de (dé-)sérialiser des données de toute complexité</a:t>
+            </a:r>
+            <a:endParaRPr lang="fr-FR" sz="1600" dirty="0"/>
+          </a:p>
+          <a:p>
+            <a:pPr>
+              <a:lnSpc>
+                <a:spcPct val="150000"/>
+              </a:lnSpc>
+            </a:pPr>
+            <a:endParaRPr lang="fr-FR" sz="1600" dirty="0"/>
+          </a:p>
+          <a:p>
+            <a:pPr>
+              <a:lnSpc>
+                <a:spcPct val="150000"/>
+              </a:lnSpc>
+            </a:pPr>
+            <a:r>
+              <a:rPr lang="fr-FR" sz="1600" b="1" dirty="0" err="1" smtClean="0"/>
+              <a:t>Lexit</a:t>
+            </a:r>
+            <a:r>
+              <a:rPr lang="fr-FR" sz="1600" b="1" dirty="0" smtClean="0"/>
+              <a:t>/</a:t>
+            </a:r>
+            <a:r>
+              <a:rPr lang="fr-FR" sz="1600" b="1" dirty="0" err="1" smtClean="0"/>
+              <a:t>jwt-authentication</a:t>
+            </a:r>
+            <a:r>
+              <a:rPr lang="fr-FR" sz="1600" dirty="0" smtClean="0"/>
+              <a:t> : Pour l’</a:t>
+            </a:r>
+            <a:r>
+              <a:rPr lang="fr-FR" sz="1600" dirty="0" err="1" smtClean="0"/>
+              <a:t>authantification</a:t>
+            </a:r>
+            <a:r>
+              <a:rPr lang="fr-FR" sz="1600" dirty="0" smtClean="0"/>
+              <a:t> via un TOKEN JSON</a:t>
+            </a:r>
+            <a:endParaRPr lang="fr-FR" sz="1600" dirty="0"/>
+          </a:p>
+          <a:p>
+            <a:pPr>
+              <a:lnSpc>
+                <a:spcPct val="150000"/>
+              </a:lnSpc>
+            </a:pPr>
+            <a:endParaRPr lang="fr-FR" sz="1600" dirty="0"/>
+          </a:p>
+          <a:p>
+            <a:pPr>
+              <a:lnSpc>
+                <a:spcPct val="150000"/>
+              </a:lnSpc>
+            </a:pPr>
+            <a:r>
+              <a:rPr lang="fr-FR" sz="1600" b="1" dirty="0" err="1" smtClean="0"/>
+              <a:t>PagerFanta</a:t>
+            </a:r>
+            <a:r>
+              <a:rPr lang="fr-FR" sz="1600" dirty="0" smtClean="0"/>
+              <a:t> </a:t>
+            </a:r>
+            <a:r>
+              <a:rPr lang="fr-FR" sz="1600" dirty="0"/>
+              <a:t>: </a:t>
+            </a:r>
+            <a:r>
+              <a:rPr lang="fr-FR" sz="1600" dirty="0" smtClean="0"/>
+              <a:t>Permet la pagination</a:t>
+            </a:r>
+            <a:endParaRPr lang="fr-FR" sz="1600" dirty="0"/>
+          </a:p>
+          <a:p>
+            <a:pPr>
+              <a:lnSpc>
+                <a:spcPct val="150000"/>
+              </a:lnSpc>
+            </a:pPr>
+            <a:endParaRPr lang="fr-FR" sz="1600" dirty="0"/>
+          </a:p>
+          <a:p>
+            <a:pPr>
+              <a:lnSpc>
+                <a:spcPct val="150000"/>
+              </a:lnSpc>
+            </a:pPr>
+            <a:r>
+              <a:rPr lang="fr-FR" sz="1600" b="1" dirty="0" err="1"/>
+              <a:t>psr</a:t>
+            </a:r>
+            <a:r>
+              <a:rPr lang="fr-FR" sz="1600" b="1" dirty="0"/>
+              <a:t>/cache</a:t>
+            </a:r>
+            <a:r>
+              <a:rPr lang="fr-FR" sz="1600" dirty="0" smtClean="0"/>
+              <a:t> </a:t>
+            </a:r>
+            <a:r>
+              <a:rPr lang="fr-FR" sz="1600" dirty="0"/>
+              <a:t>: </a:t>
+            </a:r>
+            <a:r>
+              <a:rPr lang="fr-FR" sz="1600" dirty="0" smtClean="0"/>
+              <a:t>Gestion </a:t>
+            </a:r>
+            <a:r>
+              <a:rPr lang="fr-FR" sz="1600" dirty="0" smtClean="0"/>
+              <a:t>du </a:t>
+            </a:r>
+            <a:r>
+              <a:rPr lang="fr-FR" sz="1600" dirty="0" smtClean="0"/>
+              <a:t>cache</a:t>
+            </a:r>
+          </a:p>
+          <a:p>
+            <a:pPr>
+              <a:lnSpc>
+                <a:spcPct val="150000"/>
+              </a:lnSpc>
+            </a:pPr>
+            <a:endParaRPr lang="fr-FR" sz="1600" dirty="0" smtClean="0"/>
+          </a:p>
+          <a:p>
+            <a:pPr>
+              <a:lnSpc>
+                <a:spcPct val="150000"/>
+              </a:lnSpc>
+            </a:pPr>
+            <a:r>
+              <a:rPr lang="fr-FR" sz="1600" b="1" dirty="0" err="1"/>
+              <a:t>willdurand</a:t>
+            </a:r>
+            <a:r>
+              <a:rPr lang="fr-FR" sz="1600" b="1" dirty="0"/>
+              <a:t>/</a:t>
+            </a:r>
+            <a:r>
+              <a:rPr lang="fr-FR" sz="1600" b="1" dirty="0" err="1"/>
+              <a:t>hateoas</a:t>
+            </a:r>
+            <a:r>
+              <a:rPr lang="fr-FR" sz="1600" b="1" dirty="0"/>
+              <a:t> : </a:t>
+            </a:r>
+            <a:r>
+              <a:rPr lang="en-US" sz="1600" b="1" dirty="0"/>
+              <a:t>H</a:t>
+            </a:r>
+            <a:r>
+              <a:rPr lang="en-US" sz="1600" dirty="0"/>
+              <a:t>ypermedia </a:t>
+            </a:r>
+            <a:r>
+              <a:rPr lang="en-US" sz="1600" b="1" dirty="0"/>
+              <a:t>A</a:t>
+            </a:r>
+            <a:r>
+              <a:rPr lang="en-US" sz="1600" dirty="0"/>
+              <a:t>s </a:t>
+            </a:r>
+            <a:r>
+              <a:rPr lang="en-US" sz="1600" b="1" dirty="0"/>
+              <a:t>T</a:t>
+            </a:r>
+            <a:r>
+              <a:rPr lang="en-US" sz="1600" dirty="0"/>
+              <a:t>he </a:t>
+            </a:r>
+            <a:r>
+              <a:rPr lang="en-US" sz="1600" b="1" dirty="0"/>
+              <a:t>E</a:t>
+            </a:r>
+            <a:r>
+              <a:rPr lang="en-US" sz="1600" dirty="0"/>
+              <a:t>ngine </a:t>
+            </a:r>
+            <a:r>
+              <a:rPr lang="en-US" sz="1600" b="1" dirty="0"/>
+              <a:t>O</a:t>
+            </a:r>
+            <a:r>
+              <a:rPr lang="en-US" sz="1600" dirty="0"/>
+              <a:t>f </a:t>
+            </a:r>
+            <a:r>
+              <a:rPr lang="en-US" sz="1600" b="1" dirty="0"/>
+              <a:t>A</a:t>
+            </a:r>
+            <a:r>
+              <a:rPr lang="en-US" sz="1600" dirty="0"/>
+              <a:t>pplication </a:t>
+            </a:r>
+            <a:r>
+              <a:rPr lang="en-US" sz="1600" b="1" dirty="0" smtClean="0"/>
+              <a:t>S</a:t>
+            </a:r>
+            <a:r>
+              <a:rPr lang="en-US" sz="1600" dirty="0" smtClean="0"/>
+              <a:t>tate, </a:t>
+            </a:r>
+            <a:r>
+              <a:rPr lang="en-US" sz="1600" dirty="0" err="1" smtClean="0"/>
+              <a:t>permet</a:t>
+            </a:r>
+            <a:r>
+              <a:rPr lang="en-US" sz="1600" dirty="0" smtClean="0"/>
+              <a:t> de </a:t>
+            </a:r>
+            <a:r>
+              <a:rPr lang="en-US" sz="1600" dirty="0" err="1" smtClean="0"/>
+              <a:t>rendre</a:t>
+            </a:r>
+            <a:r>
+              <a:rPr lang="en-US" sz="1600" dirty="0" smtClean="0"/>
+              <a:t> </a:t>
+            </a:r>
+            <a:r>
+              <a:rPr lang="en-US" sz="1600" dirty="0" err="1" smtClean="0"/>
+              <a:t>l’API</a:t>
+            </a:r>
+            <a:r>
+              <a:rPr lang="en-US" sz="1600" dirty="0" smtClean="0"/>
+              <a:t> auto </a:t>
+            </a:r>
+            <a:r>
+              <a:rPr lang="en-US" sz="1600" dirty="0" err="1" smtClean="0"/>
+              <a:t>découvrable</a:t>
+            </a:r>
+            <a:r>
+              <a:rPr lang="en-US" sz="1600" dirty="0" smtClean="0"/>
+              <a:t> et navigable.</a:t>
+            </a:r>
+            <a:endParaRPr lang="fr-FR" sz="1600" dirty="0"/>
+          </a:p>
+        </p:txBody>
+      </p:sp>
     </p:spTree>
     <p:extLst>
       <p:ext uri="{BB962C8B-B14F-4D97-AF65-F5344CB8AC3E}">
-        <p14:creationId xmlns:p14="http://schemas.microsoft.com/office/powerpoint/2010/main" val="3723232394"/>
+        <p14:creationId xmlns:p14="http://schemas.microsoft.com/office/powerpoint/2010/main" val="1098937038"/>
       </p:ext>
     </p:extLst>
   </p:cSld>
   <p:clrMapOvr>
     <a:masterClrMapping/>
   </p:clrMapOvr>
+  <p:timing>
+    <p:tnLst>
+      <p:par>
+        <p:cTn id="1" dur="indefinite" restart="never" nodeType="tmRoot"/>
+      </p:par>
+    </p:tnLst>
+  </p:timing>
 </p:sld>
 </file>
 
@@ -12154,7 +12803,7 @@
             <p:ph idx="1"/>
             <p:extLst>
               <p:ext uri="{D42A27DB-BD31-4B8C-83A1-F6EECF244321}">
-                <p14:modId xmlns:p14="http://schemas.microsoft.com/office/powerpoint/2010/main" val="1236262922"/>
+                <p14:modId xmlns:p14="http://schemas.microsoft.com/office/powerpoint/2010/main" val="727307526"/>
               </p:ext>
             </p:extLst>
           </p:nvPr>
@@ -12251,6 +12900,13 @@
   <p:clrMapOvr>
     <a:masterClrMapping/>
   </p:clrMapOvr>
+  <p:timing>
+    <p:tnLst>
+      <p:par>
+        <p:cTn id="1" dur="indefinite" restart="never" nodeType="tmRoot"/>
+      </p:par>
+    </p:tnLst>
+  </p:timing>
 </p:sld>
 </file>
 
@@ -12352,8 +13008,13 @@
           <a:p>
             <a:r>
               <a:rPr lang="fr-FR" dirty="0"/>
-              <a:t>Cas d’utilisation : Gestion des taches</a:t>
-            </a:r>
+              <a:t>Cas </a:t>
+            </a:r>
+            <a:r>
+              <a:rPr lang="fr-FR" dirty="0" smtClean="0"/>
+              <a:t>d’utilisation</a:t>
+            </a:r>
+            <a:endParaRPr lang="fr-FR" dirty="0"/>
           </a:p>
         </p:txBody>
       </p:sp>
@@ -12397,6 +13058,13 @@
   <p:clrMapOvr>
     <a:masterClrMapping/>
   </p:clrMapOvr>
+  <p:timing>
+    <p:tnLst>
+      <p:par>
+        <p:cTn id="1" dur="indefinite" restart="never" nodeType="tmRoot"/>
+      </p:par>
+    </p:tnLst>
+  </p:timing>
 </p:sld>
 </file>
 
@@ -12552,12 +13220,35 @@
   <p:clrMapOvr>
     <a:masterClrMapping/>
   </p:clrMapOvr>
+  <p:timing>
+    <p:tnLst>
+      <p:par>
+        <p:cTn id="1" dur="indefinite" restart="never" nodeType="tmRoot"/>
+      </p:par>
+    </p:tnLst>
+  </p:timing>
 </p:sld>
 </file>
 
 <file path=ppt/slides/slide5.xml><?xml version="1.0" encoding="utf-8"?>
 <p:sld xmlns:a="http://schemas.openxmlformats.org/drawingml/2006/main" xmlns:r="http://schemas.openxmlformats.org/officeDocument/2006/relationships" xmlns:p="http://schemas.openxmlformats.org/presentationml/2006/main">
   <p:cSld>
+    <p:bg>
+      <p:bgPr>
+        <a:gradFill>
+          <a:gsLst>
+            <a:gs pos="0">
+              <a:schemeClr val="accent1"/>
+            </a:gs>
+            <a:gs pos="71000">
+              <a:schemeClr val="accent3"/>
+            </a:gs>
+          </a:gsLst>
+          <a:lin ang="2700000" scaled="1"/>
+        </a:gradFill>
+        <a:effectLst/>
+      </p:bgPr>
+    </p:bg>
     <p:spTree>
       <p:nvGrpSpPr>
         <p:cNvPr id="1" name=""/>
@@ -12572,12 +13263,55 @@
           <a:chExt cx="0" cy="0"/>
         </a:xfrm>
       </p:grpSpPr>
-      <p:sp>
-        <p:nvSpPr>
-          <p:cNvPr id="5" name="Titre 1">
+      <p:pic>
+        <p:nvPicPr>
+          <p:cNvPr id="5" name="Image 4" descr="points lumineux">
             <a:extLst>
               <a:ext uri="{FF2B5EF4-FFF2-40B4-BE49-F238E27FC236}">
-                <a16:creationId xmlns:a16="http://schemas.microsoft.com/office/drawing/2014/main" id="{23F6D5E8-15CF-4755-910B-1B5A1E777357}"/>
+                <a16:creationId xmlns:a16="http://schemas.microsoft.com/office/drawing/2014/main" id="{1A23FE0C-9A67-334E-9B7F-83AA9CF636A8}"/>
+              </a:ext>
+            </a:extLst>
+          </p:cNvPr>
+          <p:cNvPicPr>
+            <a:picLocks noChangeAspect="1"/>
+          </p:cNvPicPr>
+          <p:nvPr/>
+        </p:nvPicPr>
+        <p:blipFill rotWithShape="1">
+          <a:blip r:embed="rId3" cstate="print">
+            <a:duotone>
+              <a:schemeClr val="bg2">
+                <a:shade val="45000"/>
+                <a:satMod val="135000"/>
+              </a:schemeClr>
+              <a:prstClr val="white"/>
+            </a:duotone>
+            <a:alphaModFix amt="40000"/>
+            <a:extLst>
+              <a:ext uri="{28A0092B-C50C-407E-A947-70E740481C1C}">
+                <a14:useLocalDpi xmlns:a14="http://schemas.microsoft.com/office/drawing/2010/main"/>
+              </a:ext>
+            </a:extLst>
+          </a:blip>
+          <a:srcRect/>
+          <a:stretch/>
+        </p:blipFill>
+        <p:spPr>
+          <a:xfrm>
+            <a:off x="0" y="0"/>
+            <a:ext cx="12192000" cy="6857990"/>
+          </a:xfrm>
+          <a:prstGeom prst="rect">
+            <a:avLst/>
+          </a:prstGeom>
+        </p:spPr>
+      </p:pic>
+      <p:sp>
+        <p:nvSpPr>
+          <p:cNvPr id="2" name="Titre 1">
+            <a:extLst>
+              <a:ext uri="{FF2B5EF4-FFF2-40B4-BE49-F238E27FC236}">
+                <a16:creationId xmlns:a16="http://schemas.microsoft.com/office/drawing/2014/main" id="{F266081D-517B-5D43-A7B4-E67DDEDC0B31}"/>
               </a:ext>
             </a:extLst>
           </p:cNvPr>
@@ -12585,13 +13319,13 @@
             <a:spLocks noGrp="1"/>
           </p:cNvSpPr>
           <p:nvPr>
-            <p:ph type="title"/>
+            <p:ph type="ctrTitle"/>
           </p:nvPr>
         </p:nvSpPr>
         <p:spPr>
           <a:xfrm>
-            <a:off x="1619182" y="130052"/>
-            <a:ext cx="10572817" cy="1280890"/>
+            <a:off x="-357380" y="5154"/>
+            <a:ext cx="12061700" cy="1773769"/>
           </a:xfrm>
         </p:spPr>
         <p:txBody>
@@ -12600,66 +13334,388 @@
           </a:bodyPr>
           <a:lstStyle/>
           <a:p>
-            <a:pPr rtl="0"/>
-            <a:r>
-              <a:rPr lang="fr-FR" dirty="0"/>
-              <a:t>Gestion du projet : Présentation de </a:t>
-            </a:r>
-            <a:r>
-              <a:rPr lang="fr-FR" dirty="0" err="1"/>
-              <a:t>Github</a:t>
-            </a:r>
-            <a:r>
-              <a:rPr lang="fr-FR" dirty="0"/>
-              <a:t/>
+            <a:pPr algn="ctr" rtl="0"/>
+            <a:r>
+              <a:rPr lang="fr-FR" dirty="0" smtClean="0"/>
+              <a:t> Principaux </a:t>
             </a:r>
             <a:br>
-              <a:rPr lang="fr-FR" dirty="0"/>
+              <a:rPr lang="fr-FR" dirty="0" smtClean="0"/>
             </a:br>
+            <a:r>
+              <a:rPr lang="fr-FR" dirty="0" smtClean="0"/>
+              <a:t>Verbes et Codes HTTP </a:t>
+            </a:r>
             <a:endParaRPr lang="fr-FR" dirty="0"/>
           </a:p>
         </p:txBody>
       </p:sp>
-      <p:pic>
-        <p:nvPicPr>
-          <p:cNvPr id="3" name="Image 2"/>
-          <p:cNvPicPr>
-            <a:picLocks noChangeAspect="1"/>
-          </p:cNvPicPr>
+      <p:sp>
+        <p:nvSpPr>
+          <p:cNvPr id="3" name="Rectangle 2"/>
+          <p:cNvSpPr/>
           <p:nvPr/>
-        </p:nvPicPr>
-        <p:blipFill>
-          <a:blip r:embed="rId2"/>
-          <a:stretch>
-            <a:fillRect/>
-          </a:stretch>
-        </p:blipFill>
+        </p:nvSpPr>
         <p:spPr>
           <a:xfrm>
-            <a:off x="1457152" y="1251947"/>
-            <a:ext cx="10089226" cy="5251154"/>
+            <a:off x="504305" y="2013848"/>
+            <a:ext cx="6096000" cy="1881990"/>
           </a:xfrm>
           <a:prstGeom prst="rect">
             <a:avLst/>
           </a:prstGeom>
         </p:spPr>
-      </p:pic>
+        <p:txBody>
+          <a:bodyPr>
+            <a:spAutoFit/>
+          </a:bodyPr>
+          <a:lstStyle/>
+          <a:p>
+            <a:pPr>
+              <a:lnSpc>
+                <a:spcPct val="150000"/>
+              </a:lnSpc>
+              <a:buFont typeface="Arial" panose="020B0604020202020204" pitchFamily="34" charset="0"/>
+              <a:buChar char="•"/>
+            </a:pPr>
+            <a:r>
+              <a:rPr lang="fr-FR" sz="2000" b="1" dirty="0" smtClean="0">
+                <a:latin typeface="Arial" panose="020B0604020202020204" pitchFamily="34" charset="0"/>
+              </a:rPr>
+              <a:t>POST : </a:t>
+            </a:r>
+            <a:r>
+              <a:rPr lang="fr-FR" sz="2000" dirty="0" smtClean="0">
+                <a:latin typeface="Arial" panose="020B0604020202020204" pitchFamily="34" charset="0"/>
+              </a:rPr>
+              <a:t>Créer </a:t>
+            </a:r>
+            <a:r>
+              <a:rPr lang="fr-FR" sz="2000" dirty="0">
+                <a:latin typeface="Arial" panose="020B0604020202020204" pitchFamily="34" charset="0"/>
+              </a:rPr>
+              <a:t>(</a:t>
+            </a:r>
+            <a:r>
+              <a:rPr lang="fr-FR" sz="2000" dirty="0" err="1">
+                <a:latin typeface="Arial" panose="020B0604020202020204" pitchFamily="34" charset="0"/>
+              </a:rPr>
+              <a:t>create</a:t>
+            </a:r>
+            <a:r>
+              <a:rPr lang="fr-FR" sz="2000" dirty="0">
+                <a:latin typeface="Arial" panose="020B0604020202020204" pitchFamily="34" charset="0"/>
+              </a:rPr>
+              <a:t>)  </a:t>
+            </a:r>
+          </a:p>
+          <a:p>
+            <a:pPr>
+              <a:lnSpc>
+                <a:spcPct val="150000"/>
+              </a:lnSpc>
+              <a:buFont typeface="Arial" panose="020B0604020202020204" pitchFamily="34" charset="0"/>
+              <a:buChar char="•"/>
+            </a:pPr>
+            <a:r>
+              <a:rPr lang="fr-FR" sz="2000" b="1" dirty="0" smtClean="0">
+                <a:latin typeface="Arial" panose="020B0604020202020204" pitchFamily="34" charset="0"/>
+              </a:rPr>
+              <a:t>GET :</a:t>
+            </a:r>
+            <a:r>
+              <a:rPr lang="fr-FR" sz="2000" dirty="0">
+                <a:latin typeface="Arial" panose="020B0604020202020204" pitchFamily="34" charset="0"/>
+              </a:rPr>
+              <a:t> Afficher (</a:t>
+            </a:r>
+            <a:r>
+              <a:rPr lang="fr-FR" sz="2000" dirty="0" err="1">
+                <a:latin typeface="Arial" panose="020B0604020202020204" pitchFamily="34" charset="0"/>
+              </a:rPr>
+              <a:t>read</a:t>
+            </a:r>
+            <a:r>
+              <a:rPr lang="fr-FR" sz="2000" dirty="0">
+                <a:latin typeface="Arial" panose="020B0604020202020204" pitchFamily="34" charset="0"/>
+              </a:rPr>
+              <a:t>) </a:t>
+            </a:r>
+          </a:p>
+          <a:p>
+            <a:pPr>
+              <a:lnSpc>
+                <a:spcPct val="150000"/>
+              </a:lnSpc>
+              <a:buFont typeface="Arial" panose="020B0604020202020204" pitchFamily="34" charset="0"/>
+              <a:buChar char="•"/>
+            </a:pPr>
+            <a:r>
+              <a:rPr lang="fr-FR" sz="2000" b="1" dirty="0" smtClean="0">
+                <a:latin typeface="Arial" panose="020B0604020202020204" pitchFamily="34" charset="0"/>
+              </a:rPr>
+              <a:t>PUT :</a:t>
+            </a:r>
+            <a:r>
+              <a:rPr lang="fr-FR" sz="2000" dirty="0">
+                <a:latin typeface="Arial" panose="020B0604020202020204" pitchFamily="34" charset="0"/>
+              </a:rPr>
+              <a:t> Mettre à jour (update) </a:t>
+            </a:r>
+          </a:p>
+          <a:p>
+            <a:pPr>
+              <a:lnSpc>
+                <a:spcPct val="150000"/>
+              </a:lnSpc>
+              <a:buFont typeface="Arial" panose="020B0604020202020204" pitchFamily="34" charset="0"/>
+              <a:buChar char="•"/>
+            </a:pPr>
+            <a:r>
+              <a:rPr lang="fr-FR" sz="2000" b="1" dirty="0" smtClean="0">
+                <a:latin typeface="Arial" panose="020B0604020202020204" pitchFamily="34" charset="0"/>
+              </a:rPr>
+              <a:t>DELETE :</a:t>
+            </a:r>
+            <a:r>
+              <a:rPr lang="fr-FR" sz="2000" dirty="0">
+                <a:latin typeface="Arial" panose="020B0604020202020204" pitchFamily="34" charset="0"/>
+              </a:rPr>
+              <a:t> Supprimer (</a:t>
+            </a:r>
+            <a:r>
+              <a:rPr lang="fr-FR" sz="2000" dirty="0" err="1">
+                <a:latin typeface="Arial" panose="020B0604020202020204" pitchFamily="34" charset="0"/>
+              </a:rPr>
+              <a:t>delete</a:t>
+            </a:r>
+            <a:r>
+              <a:rPr lang="fr-FR" dirty="0">
+                <a:latin typeface="Arial" panose="020B0604020202020204" pitchFamily="34" charset="0"/>
+              </a:rPr>
+              <a:t>) </a:t>
+            </a:r>
+            <a:endParaRPr lang="fr-FR" b="0" i="0" dirty="0">
+              <a:effectLst/>
+              <a:latin typeface="Arial" panose="020B0604020202020204" pitchFamily="34" charset="0"/>
+            </a:endParaRPr>
+          </a:p>
+        </p:txBody>
+      </p:sp>
+      <p:sp>
+        <p:nvSpPr>
+          <p:cNvPr id="7" name="Rectangle 6"/>
+          <p:cNvSpPr/>
+          <p:nvPr/>
+        </p:nvSpPr>
+        <p:spPr>
+          <a:xfrm>
+            <a:off x="5922819" y="1994714"/>
+            <a:ext cx="6096000" cy="3323987"/>
+          </a:xfrm>
+          <a:prstGeom prst="rect">
+            <a:avLst/>
+          </a:prstGeom>
+        </p:spPr>
+        <p:txBody>
+          <a:bodyPr>
+            <a:spAutoFit/>
+          </a:bodyPr>
+          <a:lstStyle/>
+          <a:p>
+            <a:pPr>
+              <a:lnSpc>
+                <a:spcPct val="150000"/>
+              </a:lnSpc>
+              <a:buFont typeface="Arial" panose="020B0604020202020204" pitchFamily="34" charset="0"/>
+              <a:buChar char="•"/>
+            </a:pPr>
+            <a:r>
+              <a:rPr lang="fr-FR" sz="2000" dirty="0" smtClean="0">
+                <a:latin typeface="arial" panose="020B0604020202020204" pitchFamily="34" charset="0"/>
+              </a:rPr>
+              <a:t> </a:t>
+            </a:r>
+            <a:r>
+              <a:rPr lang="fr-FR" sz="2000" dirty="0" smtClean="0">
+                <a:latin typeface="arial" panose="020B0604020202020204" pitchFamily="34" charset="0"/>
+              </a:rPr>
+              <a:t>20x </a:t>
+            </a:r>
+            <a:r>
+              <a:rPr lang="fr-FR" sz="2000" dirty="0">
+                <a:latin typeface="arial" panose="020B0604020202020204" pitchFamily="34" charset="0"/>
+              </a:rPr>
+              <a:t>: succès de la requête ;</a:t>
+            </a:r>
+          </a:p>
+          <a:p>
+            <a:pPr>
+              <a:lnSpc>
+                <a:spcPct val="150000"/>
+              </a:lnSpc>
+              <a:buFont typeface="Arial" panose="020B0604020202020204" pitchFamily="34" charset="0"/>
+              <a:buChar char="•"/>
+            </a:pPr>
+            <a:r>
+              <a:rPr lang="fr-FR" sz="2000" dirty="0" smtClean="0">
+                <a:latin typeface="arial" panose="020B0604020202020204" pitchFamily="34" charset="0"/>
+              </a:rPr>
+              <a:t> </a:t>
+            </a:r>
+            <a:r>
+              <a:rPr lang="fr-FR" sz="2000" dirty="0" smtClean="0">
+                <a:latin typeface="arial" panose="020B0604020202020204" pitchFamily="34" charset="0"/>
+              </a:rPr>
+              <a:t>30x </a:t>
+            </a:r>
+            <a:r>
+              <a:rPr lang="fr-FR" sz="2000" dirty="0">
+                <a:latin typeface="arial" panose="020B0604020202020204" pitchFamily="34" charset="0"/>
+              </a:rPr>
+              <a:t>: redirection, respectivement permanente et temporaire ;</a:t>
+            </a:r>
+          </a:p>
+          <a:p>
+            <a:pPr>
+              <a:lnSpc>
+                <a:spcPct val="150000"/>
+              </a:lnSpc>
+              <a:buFont typeface="Arial" panose="020B0604020202020204" pitchFamily="34" charset="0"/>
+              <a:buChar char="•"/>
+            </a:pPr>
+            <a:r>
+              <a:rPr lang="fr-FR" sz="2000" dirty="0" smtClean="0">
+                <a:latin typeface="arial" panose="020B0604020202020204" pitchFamily="34" charset="0"/>
+              </a:rPr>
+              <a:t> 401 </a:t>
+            </a:r>
+            <a:r>
+              <a:rPr lang="fr-FR" sz="2000" dirty="0">
+                <a:latin typeface="arial" panose="020B0604020202020204" pitchFamily="34" charset="0"/>
+              </a:rPr>
+              <a:t>: utilisateur non authentifié ;</a:t>
+            </a:r>
+          </a:p>
+          <a:p>
+            <a:pPr>
+              <a:lnSpc>
+                <a:spcPct val="150000"/>
+              </a:lnSpc>
+              <a:buFont typeface="Arial" panose="020B0604020202020204" pitchFamily="34" charset="0"/>
+              <a:buChar char="•"/>
+            </a:pPr>
+            <a:r>
+              <a:rPr lang="fr-FR" sz="2000" dirty="0" smtClean="0">
+                <a:latin typeface="arial" panose="020B0604020202020204" pitchFamily="34" charset="0"/>
+              </a:rPr>
+              <a:t> 403 </a:t>
+            </a:r>
+            <a:r>
+              <a:rPr lang="fr-FR" sz="2000" dirty="0">
+                <a:latin typeface="arial" panose="020B0604020202020204" pitchFamily="34" charset="0"/>
+              </a:rPr>
+              <a:t>: accès refusé ;</a:t>
+            </a:r>
+          </a:p>
+          <a:p>
+            <a:pPr>
+              <a:lnSpc>
+                <a:spcPct val="150000"/>
+              </a:lnSpc>
+              <a:buFont typeface="Arial" panose="020B0604020202020204" pitchFamily="34" charset="0"/>
+              <a:buChar char="•"/>
+            </a:pPr>
+            <a:r>
+              <a:rPr lang="fr-FR" sz="2000" dirty="0" smtClean="0">
+                <a:latin typeface="arial" panose="020B0604020202020204" pitchFamily="34" charset="0"/>
+              </a:rPr>
+              <a:t> 404 </a:t>
+            </a:r>
+            <a:r>
+              <a:rPr lang="fr-FR" sz="2000" dirty="0">
+                <a:latin typeface="arial" panose="020B0604020202020204" pitchFamily="34" charset="0"/>
+              </a:rPr>
+              <a:t>: ressource non trouvée ;</a:t>
+            </a:r>
+          </a:p>
+          <a:p>
+            <a:pPr>
+              <a:lnSpc>
+                <a:spcPct val="150000"/>
+              </a:lnSpc>
+              <a:buFont typeface="Arial" panose="020B0604020202020204" pitchFamily="34" charset="0"/>
+              <a:buChar char="•"/>
+            </a:pPr>
+            <a:r>
+              <a:rPr lang="fr-FR" sz="2000" dirty="0" smtClean="0">
+                <a:latin typeface="arial" panose="020B0604020202020204" pitchFamily="34" charset="0"/>
+              </a:rPr>
+              <a:t> </a:t>
+            </a:r>
+            <a:r>
+              <a:rPr lang="fr-FR" sz="2000" dirty="0" smtClean="0">
+                <a:latin typeface="arial" panose="020B0604020202020204" pitchFamily="34" charset="0"/>
+              </a:rPr>
+              <a:t>50X: </a:t>
+            </a:r>
+            <a:r>
+              <a:rPr lang="fr-FR" sz="2000" dirty="0">
+                <a:latin typeface="arial" panose="020B0604020202020204" pitchFamily="34" charset="0"/>
+              </a:rPr>
+              <a:t>erreurs serveur </a:t>
+            </a:r>
+            <a:r>
+              <a:rPr lang="fr-FR" sz="2000" dirty="0" smtClean="0">
+                <a:latin typeface="arial" panose="020B0604020202020204" pitchFamily="34" charset="0"/>
+              </a:rPr>
+              <a:t>;</a:t>
+            </a:r>
+            <a:endParaRPr lang="fr-FR" sz="2000" dirty="0">
+              <a:latin typeface="arial" panose="020B0604020202020204" pitchFamily="34" charset="0"/>
+            </a:endParaRPr>
+          </a:p>
+        </p:txBody>
+      </p:sp>
     </p:spTree>
     <p:extLst>
       <p:ext uri="{BB962C8B-B14F-4D97-AF65-F5344CB8AC3E}">
-        <p14:creationId xmlns:p14="http://schemas.microsoft.com/office/powerpoint/2010/main" val="2467304778"/>
+        <p14:creationId xmlns:p14="http://schemas.microsoft.com/office/powerpoint/2010/main" val="2397242212"/>
       </p:ext>
     </p:extLst>
   </p:cSld>
   <p:clrMapOvr>
     <a:masterClrMapping/>
   </p:clrMapOvr>
+  <p:timing>
+    <p:tnLst>
+      <p:par>
+        <p:cTn id="1" dur="indefinite" restart="never" nodeType="tmRoot"/>
+      </p:par>
+    </p:tnLst>
+  </p:timing>
 </p:sld>
 </file>
 
 <file path=ppt/slides/slide6.xml><?xml version="1.0" encoding="utf-8"?>
 <p:sld xmlns:a="http://schemas.openxmlformats.org/drawingml/2006/main" xmlns:r="http://schemas.openxmlformats.org/officeDocument/2006/relationships" xmlns:p="http://schemas.openxmlformats.org/presentationml/2006/main">
   <p:cSld>
+    <p:bg>
+      <p:bgPr>
+        <a:gradFill>
+          <a:gsLst>
+            <a:gs pos="0">
+              <a:schemeClr val="accent1"/>
+            </a:gs>
+            <a:gs pos="71000">
+              <a:schemeClr val="accent3"/>
+            </a:gs>
+          </a:gsLst>
+          <a:lin ang="2700000" scaled="1"/>
+        </a:gradFill>
+        <a:effectLst/>
+      </p:bgPr>
+    </p:bg>
     <p:spTree>
       <p:nvGrpSpPr>
         <p:cNvPr id="1" name=""/>
@@ -12674,12 +13730,55 @@
           <a:chExt cx="0" cy="0"/>
         </a:xfrm>
       </p:grpSpPr>
-      <p:sp>
-        <p:nvSpPr>
-          <p:cNvPr id="5" name="Titre 1">
+      <p:pic>
+        <p:nvPicPr>
+          <p:cNvPr id="5" name="Image 4" descr="points lumineux">
             <a:extLst>
               <a:ext uri="{FF2B5EF4-FFF2-40B4-BE49-F238E27FC236}">
-                <a16:creationId xmlns:a16="http://schemas.microsoft.com/office/drawing/2014/main" id="{23F6D5E8-15CF-4755-910B-1B5A1E777357}"/>
+                <a16:creationId xmlns:a16="http://schemas.microsoft.com/office/drawing/2014/main" id="{1A23FE0C-9A67-334E-9B7F-83AA9CF636A8}"/>
+              </a:ext>
+            </a:extLst>
+          </p:cNvPr>
+          <p:cNvPicPr>
+            <a:picLocks noChangeAspect="1"/>
+          </p:cNvPicPr>
+          <p:nvPr/>
+        </p:nvPicPr>
+        <p:blipFill rotWithShape="1">
+          <a:blip r:embed="rId3" cstate="print">
+            <a:duotone>
+              <a:schemeClr val="bg2">
+                <a:shade val="45000"/>
+                <a:satMod val="135000"/>
+              </a:schemeClr>
+              <a:prstClr val="white"/>
+            </a:duotone>
+            <a:alphaModFix amt="40000"/>
+            <a:extLst>
+              <a:ext uri="{28A0092B-C50C-407E-A947-70E740481C1C}">
+                <a14:useLocalDpi xmlns:a14="http://schemas.microsoft.com/office/drawing/2010/main"/>
+              </a:ext>
+            </a:extLst>
+          </a:blip>
+          <a:srcRect/>
+          <a:stretch/>
+        </p:blipFill>
+        <p:spPr>
+          <a:xfrm>
+            <a:off x="0" y="0"/>
+            <a:ext cx="12192000" cy="6857990"/>
+          </a:xfrm>
+          <a:prstGeom prst="rect">
+            <a:avLst/>
+          </a:prstGeom>
+        </p:spPr>
+      </p:pic>
+      <p:sp>
+        <p:nvSpPr>
+          <p:cNvPr id="2" name="Titre 1">
+            <a:extLst>
+              <a:ext uri="{FF2B5EF4-FFF2-40B4-BE49-F238E27FC236}">
+                <a16:creationId xmlns:a16="http://schemas.microsoft.com/office/drawing/2014/main" id="{F266081D-517B-5D43-A7B4-E67DDEDC0B31}"/>
               </a:ext>
             </a:extLst>
           </p:cNvPr>
@@ -12687,13 +13786,13 @@
             <a:spLocks noGrp="1"/>
           </p:cNvSpPr>
           <p:nvPr>
-            <p:ph type="title"/>
+            <p:ph type="ctrTitle"/>
           </p:nvPr>
         </p:nvSpPr>
         <p:spPr>
           <a:xfrm>
-            <a:off x="1619182" y="130052"/>
-            <a:ext cx="10572817" cy="1280890"/>
+            <a:off x="65150" y="88282"/>
+            <a:ext cx="12061700" cy="1002192"/>
           </a:xfrm>
         </p:spPr>
         <p:txBody>
@@ -12702,52 +13801,276 @@
           </a:bodyPr>
           <a:lstStyle/>
           <a:p>
-            <a:pPr rtl="0"/>
             <a:r>
               <a:rPr lang="fr-FR" dirty="0"/>
-              <a:t>Gestion du projet : découpage des « issues »</a:t>
-            </a:r>
-            <a:br>
-              <a:rPr lang="fr-FR" dirty="0"/>
-            </a:br>
+              <a:t> M</a:t>
+            </a:r>
+            <a:r>
+              <a:rPr lang="fr-FR" dirty="0" smtClean="0"/>
+              <a:t>odèle de Richardson </a:t>
+            </a:r>
             <a:endParaRPr lang="fr-FR" dirty="0"/>
           </a:p>
         </p:txBody>
       </p:sp>
-      <p:pic>
-        <p:nvPicPr>
-          <p:cNvPr id="3" name="Image 2"/>
-          <p:cNvPicPr>
-            <a:picLocks noChangeAspect="1"/>
-          </p:cNvPicPr>
+      <p:sp>
+        <p:nvSpPr>
+          <p:cNvPr id="7" name="Rectangle 6"/>
+          <p:cNvSpPr/>
           <p:nvPr/>
-        </p:nvPicPr>
-        <p:blipFill>
-          <a:blip r:embed="rId2"/>
-          <a:stretch>
-            <a:fillRect/>
-          </a:stretch>
-        </p:blipFill>
+        </p:nvSpPr>
         <p:spPr>
           <a:xfrm>
-            <a:off x="2140700" y="841956"/>
-            <a:ext cx="8275147" cy="5890437"/>
+            <a:off x="0" y="1371600"/>
+            <a:ext cx="12011891" cy="5262979"/>
           </a:xfrm>
           <a:prstGeom prst="rect">
             <a:avLst/>
           </a:prstGeom>
         </p:spPr>
-      </p:pic>
+        <p:txBody>
+          <a:bodyPr wrap="square">
+            <a:spAutoFit/>
+          </a:bodyPr>
+          <a:lstStyle/>
+          <a:p>
+            <a:pPr>
+              <a:lnSpc>
+                <a:spcPct val="150000"/>
+              </a:lnSpc>
+            </a:pPr>
+            <a:r>
+              <a:rPr lang="fr-FR" dirty="0"/>
+              <a:t>Niveau 0</a:t>
+            </a:r>
+          </a:p>
+          <a:p>
+            <a:pPr>
+              <a:lnSpc>
+                <a:spcPct val="150000"/>
+              </a:lnSpc>
+            </a:pPr>
+            <a:r>
+              <a:rPr lang="fr-FR" dirty="0" smtClean="0"/>
+              <a:t>Aucune </a:t>
+            </a:r>
+            <a:r>
+              <a:rPr lang="fr-FR" dirty="0"/>
+              <a:t>fonctionnalité HTTP. </a:t>
+            </a:r>
+            <a:r>
+              <a:rPr lang="fr-FR" dirty="0" smtClean="0"/>
+              <a:t>Un point </a:t>
+            </a:r>
+            <a:r>
+              <a:rPr lang="fr-FR" dirty="0"/>
+              <a:t>d’entrée unique, </a:t>
+            </a:r>
+            <a:r>
+              <a:rPr lang="fr-FR" dirty="0" smtClean="0"/>
+              <a:t>la </a:t>
+            </a:r>
+            <a:r>
+              <a:rPr lang="fr-FR" dirty="0"/>
+              <a:t>réponse sera toujours une </a:t>
+            </a:r>
+            <a:r>
+              <a:rPr lang="fr-FR" dirty="0" smtClean="0"/>
+              <a:t>200</a:t>
+            </a:r>
+          </a:p>
+          <a:p>
+            <a:pPr>
+              <a:lnSpc>
+                <a:spcPct val="150000"/>
+              </a:lnSpc>
+            </a:pPr>
+            <a:endParaRPr lang="fr-FR" dirty="0"/>
+          </a:p>
+          <a:p>
+            <a:pPr>
+              <a:lnSpc>
+                <a:spcPct val="150000"/>
+              </a:lnSpc>
+            </a:pPr>
+            <a:r>
+              <a:rPr lang="fr-FR" dirty="0"/>
+              <a:t>Niveau 1</a:t>
+            </a:r>
+          </a:p>
+          <a:p>
+            <a:pPr>
+              <a:lnSpc>
+                <a:spcPct val="150000"/>
+              </a:lnSpc>
+            </a:pPr>
+            <a:r>
+              <a:rPr lang="fr-FR" dirty="0" smtClean="0"/>
+              <a:t>Chaque </a:t>
+            </a:r>
+            <a:r>
+              <a:rPr lang="fr-FR" dirty="0"/>
+              <a:t>ressource aura son propre </a:t>
+            </a:r>
+            <a:r>
+              <a:rPr lang="fr-FR" dirty="0" err="1"/>
+              <a:t>endpoint</a:t>
+            </a:r>
+            <a:r>
+              <a:rPr lang="fr-FR" dirty="0"/>
+              <a:t> (/</a:t>
+            </a:r>
+            <a:r>
+              <a:rPr lang="fr-FR" dirty="0" err="1"/>
+              <a:t>users</a:t>
+            </a:r>
+            <a:r>
+              <a:rPr lang="fr-FR" dirty="0"/>
+              <a:t>/</a:t>
+            </a:r>
+            <a:r>
+              <a:rPr lang="fr-FR" dirty="0" err="1"/>
+              <a:t>posts</a:t>
+            </a:r>
+            <a:r>
+              <a:rPr lang="fr-FR" dirty="0"/>
+              <a:t>/1/</a:t>
+            </a:r>
+            <a:r>
+              <a:rPr lang="fr-FR" dirty="0" err="1"/>
+              <a:t>comments</a:t>
+            </a:r>
+            <a:r>
+              <a:rPr lang="fr-FR" dirty="0"/>
+              <a:t>, etc…)</a:t>
+            </a:r>
+          </a:p>
+          <a:p>
+            <a:pPr>
+              <a:lnSpc>
+                <a:spcPct val="150000"/>
+              </a:lnSpc>
+            </a:pPr>
+            <a:endParaRPr lang="fr-FR" dirty="0"/>
+          </a:p>
+          <a:p>
+            <a:pPr>
+              <a:lnSpc>
+                <a:spcPct val="150000"/>
+              </a:lnSpc>
+            </a:pPr>
+            <a:r>
+              <a:rPr lang="fr-FR" dirty="0"/>
+              <a:t>Niveau 2</a:t>
+            </a:r>
+          </a:p>
+          <a:p>
+            <a:pPr>
+              <a:lnSpc>
+                <a:spcPct val="150000"/>
+              </a:lnSpc>
+            </a:pPr>
+            <a:r>
+              <a:rPr lang="fr-FR" dirty="0" smtClean="0"/>
+              <a:t>Utilisation des </a:t>
+            </a:r>
+            <a:r>
+              <a:rPr lang="fr-FR" dirty="0"/>
+              <a:t>verbes </a:t>
+            </a:r>
+            <a:r>
+              <a:rPr lang="fr-FR" dirty="0" smtClean="0"/>
+              <a:t>HTTP et des </a:t>
+            </a:r>
+            <a:r>
+              <a:rPr lang="fr-FR" dirty="0"/>
+              <a:t>codes de réponse HTTP (200, 400, </a:t>
+            </a:r>
+            <a:r>
+              <a:rPr lang="fr-FR" dirty="0" err="1"/>
+              <a:t>etc</a:t>
+            </a:r>
+            <a:r>
+              <a:rPr lang="fr-FR" dirty="0" smtClean="0"/>
+              <a:t>)</a:t>
+            </a:r>
+          </a:p>
+          <a:p>
+            <a:pPr>
+              <a:lnSpc>
+                <a:spcPct val="150000"/>
+              </a:lnSpc>
+            </a:pPr>
+            <a:endParaRPr lang="fr-FR" dirty="0"/>
+          </a:p>
+          <a:p>
+            <a:pPr>
+              <a:lnSpc>
+                <a:spcPct val="150000"/>
+              </a:lnSpc>
+            </a:pPr>
+            <a:r>
+              <a:rPr lang="fr-FR" dirty="0"/>
+              <a:t>Niveau 3</a:t>
+            </a:r>
+          </a:p>
+          <a:p>
+            <a:pPr>
+              <a:lnSpc>
+                <a:spcPct val="150000"/>
+              </a:lnSpc>
+            </a:pPr>
+            <a:r>
+              <a:rPr lang="fr-FR" dirty="0" smtClean="0"/>
+              <a:t>API entièrement </a:t>
+            </a:r>
+            <a:r>
+              <a:rPr lang="fr-FR" dirty="0" err="1" smtClean="0"/>
+              <a:t>RESTful</a:t>
+            </a:r>
+            <a:r>
+              <a:rPr lang="fr-FR" dirty="0" smtClean="0"/>
+              <a:t>, Possibilité  d’explorer l’API </a:t>
+            </a:r>
+            <a:r>
+              <a:rPr lang="fr-FR" dirty="0"/>
+              <a:t>sans documentation </a:t>
+            </a:r>
+            <a:r>
+              <a:rPr lang="fr-FR" dirty="0" smtClean="0"/>
+              <a:t>pour </a:t>
+            </a:r>
+            <a:r>
+              <a:rPr lang="fr-FR" dirty="0"/>
+              <a:t>permettre d’utiliser l’API sans aucune ressource supplémentaire</a:t>
+            </a:r>
+            <a:r>
+              <a:rPr lang="fr-FR" sz="1200" dirty="0"/>
+              <a:t>.</a:t>
+            </a:r>
+          </a:p>
+          <a:p>
+            <a:endParaRPr lang="fr-FR" sz="1200" dirty="0"/>
+          </a:p>
+        </p:txBody>
+      </p:sp>
     </p:spTree>
     <p:extLst>
       <p:ext uri="{BB962C8B-B14F-4D97-AF65-F5344CB8AC3E}">
-        <p14:creationId xmlns:p14="http://schemas.microsoft.com/office/powerpoint/2010/main" val="1309542815"/>
+        <p14:creationId xmlns:p14="http://schemas.microsoft.com/office/powerpoint/2010/main" val="2271323368"/>
       </p:ext>
     </p:extLst>
   </p:cSld>
   <p:clrMapOvr>
     <a:masterClrMapping/>
   </p:clrMapOvr>
+  <p:timing>
+    <p:tnLst>
+      <p:par>
+        <p:cTn id="1" dur="indefinite" restart="never" nodeType="tmRoot"/>
+      </p:par>
+    </p:tnLst>
+  </p:timing>
 </p:sld>
 </file>
 
@@ -12851,167 +14174,22 @@
         </p:spPr>
         <p:txBody>
           <a:bodyPr rtlCol="0">
-            <a:normAutofit fontScale="90000"/>
+            <a:normAutofit/>
           </a:bodyPr>
           <a:lstStyle/>
           <a:p>
             <a:pPr rtl="0"/>
             <a:r>
-              <a:rPr lang="fr-FR" dirty="0"/>
-              <a:t>Architecture du projet avec </a:t>
-            </a:r>
-            <a:r>
-              <a:rPr lang="fr-FR" dirty="0" err="1"/>
-              <a:t>symfony</a:t>
+              <a:rPr lang="fr-FR" dirty="0" smtClean="0"/>
+              <a:t>Documentation </a:t>
             </a:r>
             <a:endParaRPr lang="fr-FR" dirty="0"/>
-          </a:p>
-        </p:txBody>
-      </p:sp>
-      <p:sp>
-        <p:nvSpPr>
-          <p:cNvPr id="7" name="Rectangle 6"/>
-          <p:cNvSpPr/>
-          <p:nvPr/>
-        </p:nvSpPr>
-        <p:spPr>
-          <a:xfrm>
-            <a:off x="3002452" y="1686704"/>
-            <a:ext cx="8926311" cy="4031873"/>
-          </a:xfrm>
-          <a:prstGeom prst="rect">
-            <a:avLst/>
-          </a:prstGeom>
-        </p:spPr>
-        <p:txBody>
-          <a:bodyPr wrap="square">
-            <a:spAutoFit/>
-          </a:bodyPr>
-          <a:lstStyle/>
-          <a:p>
-            <a:r>
-              <a:rPr lang="fr-FR" sz="1600" b="1" dirty="0"/>
-              <a:t>Bin: C</a:t>
-            </a:r>
-            <a:r>
-              <a:rPr lang="fr-FR" sz="1600" dirty="0"/>
-              <a:t>ontient les fichiers de commandes permettant d’effectuer des actions sur un projet Symfony. </a:t>
-            </a:r>
-          </a:p>
-          <a:p>
-            <a:endParaRPr lang="fr-FR" sz="1600" dirty="0"/>
-          </a:p>
-          <a:p>
-            <a:r>
-              <a:rPr lang="fr-FR" sz="1600" b="1" dirty="0"/>
-              <a:t>Config</a:t>
-            </a:r>
-            <a:r>
-              <a:rPr lang="fr-FR" sz="1600" dirty="0"/>
-              <a:t> : Configuration des packages, services et routes (YAML)</a:t>
-            </a:r>
-          </a:p>
-          <a:p>
-            <a:endParaRPr lang="fr-FR" sz="1600" dirty="0"/>
-          </a:p>
-          <a:p>
-            <a:r>
-              <a:rPr lang="fr-FR" sz="1600" b="1" dirty="0"/>
-              <a:t>Migration : </a:t>
-            </a:r>
-            <a:r>
-              <a:rPr lang="fr-FR" sz="1600" dirty="0"/>
-              <a:t>Contient les fichier de migrations Doctrine -&gt; BDD</a:t>
-            </a:r>
-          </a:p>
-          <a:p>
-            <a:endParaRPr lang="fr-FR" sz="1600" dirty="0"/>
-          </a:p>
-          <a:p>
-            <a:r>
-              <a:rPr lang="fr-FR" sz="1600" b="1" dirty="0"/>
-              <a:t>Public</a:t>
-            </a:r>
-            <a:r>
-              <a:rPr lang="fr-FR" sz="1600" dirty="0"/>
-              <a:t> : Point d’entrée de l’application, </a:t>
-            </a:r>
-            <a:r>
-              <a:rPr lang="fr-FR" sz="1600" dirty="0" err="1"/>
-              <a:t>index.php</a:t>
-            </a:r>
-            <a:r>
-              <a:rPr lang="fr-FR" sz="1600" dirty="0"/>
-              <a:t>. Contient les images.</a:t>
-            </a:r>
-          </a:p>
-          <a:p>
-            <a:endParaRPr lang="fr-FR" sz="1600" dirty="0"/>
-          </a:p>
-          <a:p>
-            <a:r>
-              <a:rPr lang="fr-FR" sz="1600" b="1" dirty="0"/>
-              <a:t>SRC</a:t>
-            </a:r>
-            <a:r>
-              <a:rPr lang="fr-FR" sz="1600" dirty="0"/>
-              <a:t> : Cœur du projet  !  Dossier qui contient la logique de votre application.</a:t>
-            </a:r>
-          </a:p>
-          <a:p>
-            <a:endParaRPr lang="fr-FR" sz="1600" dirty="0"/>
-          </a:p>
-          <a:p>
-            <a:r>
-              <a:rPr lang="fr-FR" sz="1600" b="1" dirty="0" smtClean="0"/>
-              <a:t>Var </a:t>
-            </a:r>
-            <a:r>
-              <a:rPr lang="fr-FR" sz="1600" b="1" dirty="0"/>
-              <a:t>: C</a:t>
-            </a:r>
-            <a:r>
-              <a:rPr lang="fr-FR" sz="1600" dirty="0"/>
-              <a:t>ache et fichiers de log.</a:t>
-            </a:r>
-          </a:p>
-          <a:p>
-            <a:endParaRPr lang="fr-FR" sz="1600" dirty="0"/>
-          </a:p>
-          <a:p>
-            <a:r>
-              <a:rPr lang="fr-FR" sz="1600" b="1" dirty="0" err="1"/>
-              <a:t>Vendor</a:t>
-            </a:r>
-            <a:r>
-              <a:rPr lang="fr-FR" sz="1600" dirty="0"/>
-              <a:t> : Packages de </a:t>
-            </a:r>
-            <a:r>
-              <a:rPr lang="fr-FR" sz="1600" dirty="0" err="1"/>
-              <a:t>symfony</a:t>
-            </a:r>
-            <a:r>
-              <a:rPr lang="fr-FR" sz="1600" dirty="0"/>
-              <a:t> listés dans le Fichier </a:t>
-            </a:r>
-            <a:r>
-              <a:rPr lang="fr-FR" sz="1600" dirty="0" err="1" smtClean="0"/>
-              <a:t>Composer.json</a:t>
-            </a:r>
-            <a:endParaRPr lang="fr-FR" sz="1600" dirty="0" smtClean="0"/>
-          </a:p>
-          <a:p>
-            <a:endParaRPr lang="fr-FR" sz="1600" dirty="0" smtClean="0"/>
-          </a:p>
-          <a:p>
-            <a:endParaRPr lang="fr-FR" sz="1600" dirty="0"/>
           </a:p>
         </p:txBody>
       </p:sp>
       <p:pic>
         <p:nvPicPr>
-          <p:cNvPr id="3" name="Image 2"/>
+          <p:cNvPr id="4" name="Image 3"/>
           <p:cNvPicPr>
             <a:picLocks noChangeAspect="1"/>
           </p:cNvPicPr>
@@ -13025,24 +14203,59 @@
         </p:blipFill>
         <p:spPr>
           <a:xfrm>
-            <a:off x="82001" y="1686704"/>
-            <a:ext cx="2838450" cy="4714875"/>
+            <a:off x="3093011" y="1281808"/>
+            <a:ext cx="8619903" cy="5384847"/>
           </a:xfrm>
           <a:prstGeom prst="rect">
             <a:avLst/>
           </a:prstGeom>
         </p:spPr>
       </p:pic>
+      <p:sp>
+        <p:nvSpPr>
+          <p:cNvPr id="6" name="Rectangle 5"/>
+          <p:cNvSpPr/>
+          <p:nvPr/>
+        </p:nvSpPr>
+        <p:spPr>
+          <a:xfrm>
+            <a:off x="5436524" y="912476"/>
+            <a:ext cx="3555782" cy="369332"/>
+          </a:xfrm>
+          <a:prstGeom prst="rect">
+            <a:avLst/>
+          </a:prstGeom>
+        </p:spPr>
+        <p:txBody>
+          <a:bodyPr wrap="none">
+            <a:spAutoFit/>
+          </a:bodyPr>
+          <a:lstStyle/>
+          <a:p>
+            <a:r>
+              <a:rPr lang="fr-FR" dirty="0"/>
+              <a:t>https://127.0.0.1:8000/api/doc</a:t>
+            </a:r>
+          </a:p>
+        </p:txBody>
+      </p:sp>
     </p:spTree>
     <p:extLst>
       <p:ext uri="{BB962C8B-B14F-4D97-AF65-F5344CB8AC3E}">
-        <p14:creationId xmlns:p14="http://schemas.microsoft.com/office/powerpoint/2010/main" val="3031881828"/>
+        <p14:creationId xmlns:p14="http://schemas.microsoft.com/office/powerpoint/2010/main" val="3699882704"/>
       </p:ext>
     </p:extLst>
   </p:cSld>
   <p:clrMapOvr>
     <a:masterClrMapping/>
   </p:clrMapOvr>
+  <p:timing>
+    <p:tnLst>
+      <p:par>
+        <p:cTn id="1" dur="indefinite" restart="never" nodeType="tmRoot"/>
+      </p:par>
+    </p:tnLst>
+  </p:timing>
 </p:sld>
 </file>
 
@@ -13114,7 +14327,7 @@
         </p:blipFill>
         <p:spPr>
           <a:xfrm>
-            <a:off x="0" y="0"/>
+            <a:off x="0" y="5"/>
             <a:ext cx="12192000" cy="6857990"/>
           </a:xfrm>
           <a:prstGeom prst="rect">
@@ -13141,7 +14354,7 @@
         <p:spPr>
           <a:xfrm>
             <a:off x="274387" y="88282"/>
-            <a:ext cx="12061700" cy="1002192"/>
+            <a:ext cx="8915399" cy="1002192"/>
           </a:xfrm>
         </p:spPr>
         <p:txBody>
@@ -13153,7 +14366,11 @@
             <a:pPr rtl="0"/>
             <a:r>
               <a:rPr lang="fr-FR" dirty="0" smtClean="0"/>
-              <a:t>Documentation </a:t>
+              <a:t>Démonstration </a:t>
+            </a:r>
+            <a:r>
+              <a:rPr lang="fr-FR" dirty="0" smtClean="0"/>
+              <a:t>de l’API</a:t>
             </a:r>
             <a:endParaRPr lang="fr-FR" dirty="0"/>
           </a:p>
@@ -13161,7 +14378,7 @@
       </p:sp>
       <p:pic>
         <p:nvPicPr>
-          <p:cNvPr id="4" name="Image 3"/>
+          <p:cNvPr id="3" name="Image 2"/>
           <p:cNvPicPr>
             <a:picLocks noChangeAspect="1"/>
           </p:cNvPicPr>
@@ -13175,74 +14392,37 @@
         </p:blipFill>
         <p:spPr>
           <a:xfrm>
-            <a:off x="3093011" y="1281808"/>
-            <a:ext cx="8619903" cy="5384847"/>
+            <a:off x="507032" y="1348177"/>
+            <a:ext cx="9135731" cy="5051340"/>
           </a:xfrm>
           <a:prstGeom prst="rect">
             <a:avLst/>
           </a:prstGeom>
         </p:spPr>
       </p:pic>
-      <p:sp>
-        <p:nvSpPr>
-          <p:cNvPr id="6" name="Rectangle 5"/>
-          <p:cNvSpPr/>
-          <p:nvPr/>
-        </p:nvSpPr>
-        <p:spPr>
-          <a:xfrm>
-            <a:off x="5436524" y="912476"/>
-            <a:ext cx="3555782" cy="369332"/>
-          </a:xfrm>
-          <a:prstGeom prst="rect">
-            <a:avLst/>
-          </a:prstGeom>
-        </p:spPr>
-        <p:txBody>
-          <a:bodyPr wrap="none">
-            <a:spAutoFit/>
-          </a:bodyPr>
-          <a:lstStyle/>
-          <a:p>
-            <a:r>
-              <a:rPr lang="fr-FR" dirty="0"/>
-              <a:t>https://127.0.0.1:8000/api/doc</a:t>
-            </a:r>
-          </a:p>
-        </p:txBody>
-      </p:sp>
     </p:spTree>
     <p:extLst>
       <p:ext uri="{BB962C8B-B14F-4D97-AF65-F5344CB8AC3E}">
-        <p14:creationId xmlns:p14="http://schemas.microsoft.com/office/powerpoint/2010/main" val="3699882704"/>
+        <p14:creationId xmlns:p14="http://schemas.microsoft.com/office/powerpoint/2010/main" val="3723232394"/>
       </p:ext>
     </p:extLst>
   </p:cSld>
   <p:clrMapOvr>
     <a:masterClrMapping/>
   </p:clrMapOvr>
+  <p:timing>
+    <p:tnLst>
+      <p:par>
+        <p:cTn id="1" dur="indefinite" restart="never" nodeType="tmRoot"/>
+      </p:par>
+    </p:tnLst>
+  </p:timing>
 </p:sld>
 </file>
 
 <file path=ppt/slides/slide9.xml><?xml version="1.0" encoding="utf-8"?>
 <p:sld xmlns:a="http://schemas.openxmlformats.org/drawingml/2006/main" xmlns:r="http://schemas.openxmlformats.org/officeDocument/2006/relationships" xmlns:p="http://schemas.openxmlformats.org/presentationml/2006/main">
   <p:cSld>
-    <p:bg>
-      <p:bgPr>
-        <a:gradFill>
-          <a:gsLst>
-            <a:gs pos="0">
-              <a:schemeClr val="accent1"/>
-            </a:gs>
-            <a:gs pos="71000">
-              <a:schemeClr val="accent3"/>
-            </a:gs>
-          </a:gsLst>
-          <a:lin ang="2700000" scaled="1"/>
-        </a:gradFill>
-        <a:effectLst/>
-      </p:bgPr>
-    </p:bg>
     <p:spTree>
       <p:nvGrpSpPr>
         <p:cNvPr id="1" name=""/>
@@ -13257,55 +14437,12 @@
           <a:chExt cx="0" cy="0"/>
         </a:xfrm>
       </p:grpSpPr>
-      <p:pic>
-        <p:nvPicPr>
-          <p:cNvPr id="5" name="Image 4" descr="points lumineux">
+      <p:sp>
+        <p:nvSpPr>
+          <p:cNvPr id="5" name="Titre 1">
             <a:extLst>
               <a:ext uri="{FF2B5EF4-FFF2-40B4-BE49-F238E27FC236}">
-                <a16:creationId xmlns:a16="http://schemas.microsoft.com/office/drawing/2014/main" id="{1A23FE0C-9A67-334E-9B7F-83AA9CF636A8}"/>
-              </a:ext>
-            </a:extLst>
-          </p:cNvPr>
-          <p:cNvPicPr>
-            <a:picLocks noChangeAspect="1"/>
-          </p:cNvPicPr>
-          <p:nvPr/>
-        </p:nvPicPr>
-        <p:blipFill rotWithShape="1">
-          <a:blip r:embed="rId3" cstate="print">
-            <a:duotone>
-              <a:schemeClr val="bg2">
-                <a:shade val="45000"/>
-                <a:satMod val="135000"/>
-              </a:schemeClr>
-              <a:prstClr val="white"/>
-            </a:duotone>
-            <a:alphaModFix amt="40000"/>
-            <a:extLst>
-              <a:ext uri="{28A0092B-C50C-407E-A947-70E740481C1C}">
-                <a14:useLocalDpi xmlns:a14="http://schemas.microsoft.com/office/drawing/2010/main"/>
-              </a:ext>
-            </a:extLst>
-          </a:blip>
-          <a:srcRect/>
-          <a:stretch/>
-        </p:blipFill>
-        <p:spPr>
-          <a:xfrm>
-            <a:off x="0" y="0"/>
-            <a:ext cx="12192000" cy="6857990"/>
-          </a:xfrm>
-          <a:prstGeom prst="rect">
-            <a:avLst/>
-          </a:prstGeom>
-        </p:spPr>
-      </p:pic>
-      <p:sp>
-        <p:nvSpPr>
-          <p:cNvPr id="2" name="Titre 1">
-            <a:extLst>
-              <a:ext uri="{FF2B5EF4-FFF2-40B4-BE49-F238E27FC236}">
-                <a16:creationId xmlns:a16="http://schemas.microsoft.com/office/drawing/2014/main" id="{F266081D-517B-5D43-A7B4-E67DDEDC0B31}"/>
+                <a16:creationId xmlns:a16="http://schemas.microsoft.com/office/drawing/2014/main" id="{23F6D5E8-15CF-4755-910B-1B5A1E777357}"/>
               </a:ext>
             </a:extLst>
           </p:cNvPr>
@@ -13313,13 +14450,13 @@
             <a:spLocks noGrp="1"/>
           </p:cNvSpPr>
           <p:nvPr>
-            <p:ph type="ctrTitle"/>
+            <p:ph type="title"/>
           </p:nvPr>
         </p:nvSpPr>
         <p:spPr>
           <a:xfrm>
-            <a:off x="65150" y="88282"/>
-            <a:ext cx="12061700" cy="1002192"/>
+            <a:off x="1619182" y="130052"/>
+            <a:ext cx="10572817" cy="1280890"/>
           </a:xfrm>
         </p:spPr>
         <p:txBody>
@@ -13328,245 +14465,67 @@
           </a:bodyPr>
           <a:lstStyle/>
           <a:p>
+            <a:pPr rtl="0"/>
             <a:r>
               <a:rPr lang="fr-FR" dirty="0"/>
-              <a:t> modèle de maturité de </a:t>
-            </a:r>
-            <a:r>
-              <a:rPr lang="fr-FR" dirty="0" smtClean="0"/>
-              <a:t>Richardson </a:t>
-            </a:r>
+              <a:t>Gestion du projet : Présentation de </a:t>
+            </a:r>
+            <a:r>
+              <a:rPr lang="fr-FR" dirty="0" err="1"/>
+              <a:t>Github</a:t>
+            </a:r>
+            <a:r>
+              <a:rPr lang="fr-FR" dirty="0"/>
+              <a:t/>
+            </a:r>
+            <a:br>
+              <a:rPr lang="fr-FR" dirty="0"/>
+            </a:br>
             <a:endParaRPr lang="fr-FR" dirty="0"/>
           </a:p>
         </p:txBody>
       </p:sp>
-      <p:sp>
-        <p:nvSpPr>
-          <p:cNvPr id="7" name="Rectangle 6"/>
-          <p:cNvSpPr/>
+      <p:pic>
+        <p:nvPicPr>
+          <p:cNvPr id="3" name="Image 2"/>
+          <p:cNvPicPr>
+            <a:picLocks noChangeAspect="1"/>
+          </p:cNvPicPr>
           <p:nvPr/>
-        </p:nvSpPr>
+        </p:nvPicPr>
+        <p:blipFill>
+          <a:blip r:embed="rId2"/>
+          <a:stretch>
+            <a:fillRect/>
+          </a:stretch>
+        </p:blipFill>
         <p:spPr>
           <a:xfrm>
-            <a:off x="1" y="993931"/>
-            <a:ext cx="12011890" cy="4524315"/>
+            <a:off x="1457152" y="1251947"/>
+            <a:ext cx="10089226" cy="5251154"/>
           </a:xfrm>
           <a:prstGeom prst="rect">
             <a:avLst/>
           </a:prstGeom>
         </p:spPr>
-        <p:txBody>
-          <a:bodyPr wrap="square">
-            <a:spAutoFit/>
-          </a:bodyPr>
-          <a:lstStyle/>
-          <a:p>
-            <a:r>
-              <a:rPr lang="fr-FR" sz="1200" dirty="0"/>
-              <a:t>Niveau 0</a:t>
-            </a:r>
-          </a:p>
-          <a:p>
-            <a:r>
-              <a:rPr lang="fr-FR" sz="1200" dirty="0"/>
-              <a:t>On parle de </a:t>
-            </a:r>
-            <a:r>
-              <a:rPr lang="fr-FR" sz="1200" dirty="0" err="1"/>
-              <a:t>Swamp</a:t>
-            </a:r>
-            <a:r>
-              <a:rPr lang="fr-FR" sz="1200" dirty="0"/>
-              <a:t> of POX, soit le « domaine du Plain Old XML », lorsque votre API n’utilise aucune fonctionnalité HTTP. On parle alors de XML-RPC over HTTP. En clair, on peut contacter votre API via un point d’entrée unique, on spécifie l’action à effectuer ainsi que la ressource sur laquelle l’effectuer, dans le contenu de la requête. De même, la réponse sera toujours une 200 avec des informations sur le bon (ou mauvais) déroulement de l’action. C’est le fonctionnement standard des API SOAP.</a:t>
-            </a:r>
-          </a:p>
-          <a:p>
-            <a:endParaRPr lang="fr-FR" sz="1200" dirty="0"/>
-          </a:p>
-          <a:p>
-            <a:r>
-              <a:rPr lang="fr-FR" sz="1200" dirty="0"/>
-              <a:t>Niveau 1</a:t>
-            </a:r>
-          </a:p>
-          <a:p>
-            <a:r>
-              <a:rPr lang="fr-FR" sz="1200" dirty="0"/>
-              <a:t>À ce niveau, on utilise les ressources, c’est à dire que l’API n’aura plus un </a:t>
-            </a:r>
-            <a:r>
-              <a:rPr lang="fr-FR" sz="1200" dirty="0" err="1"/>
-              <a:t>endpoint</a:t>
-            </a:r>
-            <a:r>
-              <a:rPr lang="fr-FR" sz="1200" dirty="0"/>
-              <a:t> unique mais que chaque ressource aura son propre </a:t>
-            </a:r>
-            <a:r>
-              <a:rPr lang="fr-FR" sz="1200" dirty="0" err="1"/>
-              <a:t>endpoint</a:t>
-            </a:r>
-            <a:r>
-              <a:rPr lang="fr-FR" sz="1200" dirty="0"/>
-              <a:t> (/</a:t>
-            </a:r>
-            <a:r>
-              <a:rPr lang="fr-FR" sz="1200" dirty="0" err="1"/>
-              <a:t>users</a:t>
-            </a:r>
-            <a:r>
-              <a:rPr lang="fr-FR" sz="1200" dirty="0"/>
-              <a:t>/</a:t>
-            </a:r>
-            <a:r>
-              <a:rPr lang="fr-FR" sz="1200" dirty="0" err="1"/>
-              <a:t>posts</a:t>
-            </a:r>
-            <a:r>
-              <a:rPr lang="fr-FR" sz="1200" dirty="0"/>
-              <a:t>/1/</a:t>
-            </a:r>
-            <a:r>
-              <a:rPr lang="fr-FR" sz="1200" dirty="0" err="1"/>
-              <a:t>comments</a:t>
-            </a:r>
-            <a:r>
-              <a:rPr lang="fr-FR" sz="1200" dirty="0"/>
-              <a:t>, etc…)</a:t>
-            </a:r>
-          </a:p>
-          <a:p>
-            <a:endParaRPr lang="fr-FR" sz="1200" dirty="0"/>
-          </a:p>
-          <a:p>
-            <a:r>
-              <a:rPr lang="fr-FR" sz="1200" dirty="0"/>
-              <a:t>Niveau 2</a:t>
-            </a:r>
-          </a:p>
-          <a:p>
-            <a:r>
-              <a:rPr lang="fr-FR" sz="1200" dirty="0"/>
-              <a:t>C’est à ce niveau qu’on met en place l’utilisation des verbes HTTP. Il ne sera donc plus nécessaire de dire qu’il s’agit d’une suppression dans le body, puisqu’un </a:t>
-            </a:r>
-            <a:r>
-              <a:rPr lang="fr-FR" sz="1200" dirty="0" err="1"/>
-              <a:t>endpoint</a:t>
-            </a:r>
-            <a:r>
-              <a:rPr lang="fr-FR" sz="1200" dirty="0"/>
-              <a:t> en verbe DELETE sera exposé sur la ressource. Au-delà de l’utilisation des verbes, ce niveau inclut aussi l’utilisation des codes de réponse HTTP (200, 400, </a:t>
-            </a:r>
-            <a:r>
-              <a:rPr lang="fr-FR" sz="1200" dirty="0" err="1"/>
-              <a:t>etc</a:t>
-            </a:r>
-            <a:r>
-              <a:rPr lang="fr-FR" sz="1200" dirty="0"/>
-              <a:t>), afin de ne plus répondre en 200 systématiquement, avec un message d’erreur dans la réponse (si nécessaire).</a:t>
-            </a:r>
-          </a:p>
-          <a:p>
-            <a:endParaRPr lang="fr-FR" sz="1200" dirty="0"/>
-          </a:p>
-          <a:p>
-            <a:r>
-              <a:rPr lang="fr-FR" sz="1200" dirty="0"/>
-              <a:t>Niveau 3</a:t>
-            </a:r>
-          </a:p>
-          <a:p>
-            <a:r>
-              <a:rPr lang="fr-FR" sz="1200" dirty="0"/>
-              <a:t>C’est le dernier niveau, qui fait que peu d’API sont entièrement </a:t>
-            </a:r>
-            <a:r>
-              <a:rPr lang="fr-FR" sz="1200" dirty="0" err="1"/>
-              <a:t>RESTful</a:t>
-            </a:r>
-            <a:r>
-              <a:rPr lang="fr-FR" sz="1200" dirty="0"/>
-              <a:t>, il s’appelle </a:t>
-            </a:r>
-            <a:r>
-              <a:rPr lang="fr-FR" sz="1200" dirty="0" err="1"/>
-              <a:t>Hypermedia</a:t>
-            </a:r>
-            <a:r>
-              <a:rPr lang="fr-FR" sz="1200" dirty="0"/>
-              <a:t> </a:t>
-            </a:r>
-            <a:r>
-              <a:rPr lang="fr-FR" sz="1200" dirty="0" err="1"/>
-              <a:t>Controls</a:t>
-            </a:r>
-            <a:r>
-              <a:rPr lang="fr-FR" sz="1200" dirty="0"/>
-              <a:t> (ou HATEOAS). À ce niveau, il est possible d’explorer l’API sans documentation et sans front-end pour nous guider au travers des </a:t>
-            </a:r>
-            <a:r>
-              <a:rPr lang="fr-FR" sz="1200" dirty="0" err="1"/>
-              <a:t>endpoints</a:t>
-            </a:r>
-            <a:r>
-              <a:rPr lang="fr-FR" sz="1200" dirty="0"/>
-              <a:t>. La problématique est la suivante : lorsque que vous récupérez la liste des utilisateurs sur /api/</a:t>
-            </a:r>
-            <a:r>
-              <a:rPr lang="fr-FR" sz="1200" dirty="0" err="1"/>
-              <a:t>users</a:t>
-            </a:r>
-            <a:r>
-              <a:rPr lang="fr-FR" sz="1200" dirty="0"/>
-              <a:t>, comment faites vous ensuite pour récupérer le premier utilisateur ? Par convention, ou par divination, vous me direz de requêter /api/</a:t>
-            </a:r>
-            <a:r>
-              <a:rPr lang="fr-FR" sz="1200" dirty="0" err="1"/>
-              <a:t>users</a:t>
-            </a:r>
-            <a:r>
-              <a:rPr lang="fr-FR" sz="1200" dirty="0"/>
-              <a:t>/1, mais ça ne vous permet pas de connaître la liste des actions possibles pour les utilisateurs (comment désactiver mon utilisateur par exemple).</a:t>
-            </a:r>
-          </a:p>
-          <a:p>
-            <a:endParaRPr lang="fr-FR" sz="1200" dirty="0"/>
-          </a:p>
-          <a:p>
-            <a:r>
-              <a:rPr lang="fr-FR" sz="1200" dirty="0"/>
-              <a:t>L’idée de ce niveau est donc d’inclure suffisamment d’informations dans la réponse pour permettre d’utiliser l’API sans aucune ressource supplémentaire.</a:t>
-            </a:r>
-          </a:p>
-          <a:p>
-            <a:endParaRPr lang="fr-FR" sz="1200" dirty="0"/>
-          </a:p>
-          <a:p>
-            <a:r>
-              <a:rPr lang="fr-FR" sz="1200" dirty="0"/>
-              <a:t>Maintenant que j’ai apprivoisé ce modèle pour créer des API optimisées, on va pouvoir le mettre au service de nos futurs </a:t>
-            </a:r>
-            <a:r>
-              <a:rPr lang="fr-FR" sz="1200" dirty="0" err="1"/>
-              <a:t>devs</a:t>
-            </a:r>
-            <a:r>
-              <a:rPr lang="fr-FR" sz="1200" dirty="0"/>
-              <a:t> !</a:t>
-            </a:r>
-          </a:p>
-        </p:txBody>
-      </p:sp>
+      </p:pic>
     </p:spTree>
     <p:extLst>
       <p:ext uri="{BB962C8B-B14F-4D97-AF65-F5344CB8AC3E}">
-        <p14:creationId xmlns:p14="http://schemas.microsoft.com/office/powerpoint/2010/main" val="2271323368"/>
+        <p14:creationId xmlns:p14="http://schemas.microsoft.com/office/powerpoint/2010/main" val="2467304778"/>
       </p:ext>
     </p:extLst>
   </p:cSld>
   <p:clrMapOvr>
     <a:masterClrMapping/>
   </p:clrMapOvr>
+  <p:timing>
+    <p:tnLst>
+      <p:par>
+        <p:cTn id="1" dur="indefinite" restart="never" nodeType="tmRoot"/>
+      </p:par>
+    </p:tnLst>
+  </p:timing>
 </p:sld>
 </file>
 

--- a/UML/BileMo.pptx
+++ b/UML/BileMo.pptx
@@ -979,15 +979,7 @@
           <a:pPr rtl="0"/>
           <a:r>
             <a:rPr lang="fr-FR" b="0" i="0" dirty="0" smtClean="0"/>
-            <a:t>Exposez </a:t>
-          </a:r>
-          <a:r>
-            <a:rPr lang="fr-FR" b="0" i="0" dirty="0" smtClean="0"/>
-            <a:t>les </a:t>
-          </a:r>
-          <a:r>
-            <a:rPr lang="fr-FR" b="0" i="0" dirty="0" smtClean="0"/>
-            <a:t>données en suivant les règles des niveaux 1, 2 et 3 du modèle de Richardson</a:t>
+            <a:t>Exposez les données en suivant les règles des niveaux 1, 2 et 3 du modèle de Richardson</a:t>
           </a:r>
           <a:endParaRPr lang="fr-FR" noProof="0" dirty="0"/>
         </a:p>
@@ -1027,11 +1019,7 @@
           <a:pPr rtl="0"/>
           <a:r>
             <a:rPr lang="fr-FR" b="0" i="0" dirty="0" smtClean="0"/>
-            <a:t>Mises en cache des </a:t>
-          </a:r>
-          <a:r>
-            <a:rPr lang="fr-FR" b="0" i="0" dirty="0" smtClean="0"/>
-            <a:t>réponses</a:t>
+            <a:t>Mises en cache des réponses</a:t>
           </a:r>
           <a:endParaRPr lang="fr-FR" noProof="0" dirty="0"/>
         </a:p>
@@ -1397,15 +1385,7 @@
           </a:pPr>
           <a:r>
             <a:rPr lang="fr-FR" sz="2400" b="0" i="0" kern="1200" dirty="0" smtClean="0"/>
-            <a:t>Exposez </a:t>
-          </a:r>
-          <a:r>
-            <a:rPr lang="fr-FR" sz="2400" b="0" i="0" kern="1200" dirty="0" smtClean="0"/>
-            <a:t>les </a:t>
-          </a:r>
-          <a:r>
-            <a:rPr lang="fr-FR" sz="2400" b="0" i="0" kern="1200" dirty="0" smtClean="0"/>
-            <a:t>données en suivant les règles des niveaux 1, 2 et 3 du modèle de Richardson</a:t>
+            <a:t>Exposez les données en suivant les règles des niveaux 1, 2 et 3 du modèle de Richardson</a:t>
           </a:r>
           <a:endParaRPr lang="fr-FR" sz="2400" kern="1200" noProof="0" dirty="0"/>
         </a:p>
@@ -1514,11 +1494,7 @@
           </a:pPr>
           <a:r>
             <a:rPr lang="fr-FR" sz="2400" b="0" i="0" kern="1200" dirty="0" smtClean="0"/>
-            <a:t>Mises en cache des </a:t>
-          </a:r>
-          <a:r>
-            <a:rPr lang="fr-FR" sz="2400" b="0" i="0" kern="1200" dirty="0" smtClean="0"/>
-            <a:t>réponses</a:t>
+            <a:t>Mises en cache des réponses</a:t>
           </a:r>
           <a:endParaRPr lang="fr-FR" sz="2400" kern="1200" noProof="0" dirty="0"/>
         </a:p>
@@ -3152,7 +3128,7 @@
           <a:p>
             <a:fld id="{300E0152-FD71-476E-93B4-2748553546FC}" type="datetimeFigureOut">
               <a:rPr lang="fr-FR" smtClean="0"/>
-              <a:t>30/05/2022</a:t>
+              <a:t>03/06/2022</a:t>
             </a:fld>
             <a:endParaRPr lang="fr-FR"/>
           </a:p>
@@ -3330,7 +3306,7 @@
           <a:p>
             <a:fld id="{7E818C28-E326-4E30-9CF2-2C1A4C894E1E}" type="datetimeFigureOut">
               <a:rPr lang="fr-FR" noProof="0" smtClean="0"/>
-              <a:t>30/05/2022</a:t>
+              <a:t>03/06/2022</a:t>
             </a:fld>
             <a:endParaRPr lang="fr-FR" noProof="0"/>
           </a:p>
@@ -4543,7 +4519,7 @@
             <a:pPr rtl="0"/>
             <a:fld id="{84D57ED5-9CB3-4471-9B6F-968F3C8F84E1}" type="datetime1">
               <a:rPr lang="fr-FR" noProof="0" smtClean="0"/>
-              <a:t>30/05/2022</a:t>
+              <a:t>03/06/2022</a:t>
             </a:fld>
             <a:endParaRPr lang="fr-FR" noProof="0"/>
           </a:p>
@@ -4885,7 +4861,7 @@
             <a:pPr rtl="0"/>
             <a:fld id="{82C21BD6-09AD-4CE8-91E4-0CCB39C35B1C}" type="datetime1">
               <a:rPr lang="fr-FR" noProof="0" smtClean="0"/>
-              <a:t>30/05/2022</a:t>
+              <a:t>03/06/2022</a:t>
             </a:fld>
             <a:endParaRPr lang="fr-FR" noProof="0"/>
           </a:p>
@@ -5290,7 +5266,7 @@
             <a:pPr rtl="0"/>
             <a:fld id="{3C77B77F-91DD-4C26-904A-477D7569DB10}" type="datetime1">
               <a:rPr lang="fr-FR" noProof="0" smtClean="0"/>
-              <a:t>30/05/2022</a:t>
+              <a:t>03/06/2022</a:t>
             </a:fld>
             <a:endParaRPr lang="fr-FR" noProof="0"/>
           </a:p>
@@ -5630,7 +5606,7 @@
             <a:pPr rtl="0"/>
             <a:fld id="{BF2D40E6-123C-44C7-96E6-E5EB17E95AC5}" type="datetime1">
               <a:rPr lang="fr-FR" noProof="0" smtClean="0"/>
-              <a:t>30/05/2022</a:t>
+              <a:t>03/06/2022</a:t>
             </a:fld>
             <a:endParaRPr lang="fr-FR" noProof="0"/>
           </a:p>
@@ -5955,7 +5931,7 @@
             <a:pPr rtl="0"/>
             <a:fld id="{BF2D40E6-123C-44C7-96E6-E5EB17E95AC5}" type="datetime1">
               <a:rPr lang="fr-FR" noProof="0" smtClean="0"/>
-              <a:t>30/05/2022</a:t>
+              <a:t>03/06/2022</a:t>
             </a:fld>
             <a:endParaRPr lang="fr-FR" noProof="0"/>
           </a:p>
@@ -6356,7 +6332,7 @@
             <a:pPr rtl="0"/>
             <a:fld id="{5E9C6408-3BC8-40DF-BC19-0E01079E3CE3}" type="datetime1">
               <a:rPr lang="fr-FR" noProof="0" smtClean="0"/>
-              <a:t>30/05/2022</a:t>
+              <a:t>03/06/2022</a:t>
             </a:fld>
             <a:endParaRPr lang="fr-FR" noProof="0"/>
           </a:p>
@@ -6617,7 +6593,7 @@
             <a:pPr rtl="0"/>
             <a:fld id="{475489E5-EE2A-4D3B-B34D-823A7028B4FB}" type="datetime1">
               <a:rPr lang="fr-FR" noProof="0" smtClean="0"/>
-              <a:t>30/05/2022</a:t>
+              <a:t>03/06/2022</a:t>
             </a:fld>
             <a:endParaRPr lang="fr-FR" noProof="0"/>
           </a:p>
@@ -6883,7 +6859,7 @@
             <a:pPr rtl="0"/>
             <a:fld id="{CD123ACB-C9EE-4C9E-B8CE-AAAC5E9A0232}" type="datetime1">
               <a:rPr lang="fr-FR" noProof="0" smtClean="0"/>
-              <a:t>30/05/2022</a:t>
+              <a:t>03/06/2022</a:t>
             </a:fld>
             <a:endParaRPr lang="fr-FR" noProof="0"/>
           </a:p>
@@ -7149,7 +7125,7 @@
             <a:pPr rtl="0"/>
             <a:fld id="{6860E4D8-56D9-4E46-AB44-CADDEB05CB81}" type="datetime1">
               <a:rPr lang="fr-FR" noProof="0" smtClean="0"/>
-              <a:t>30/05/2022</a:t>
+              <a:t>03/06/2022</a:t>
             </a:fld>
             <a:endParaRPr lang="fr-FR" noProof="0"/>
           </a:p>
@@ -7482,7 +7458,7 @@
             <a:pPr rtl="0"/>
             <a:fld id="{BF2D40E6-123C-44C7-96E6-E5EB17E95AC5}" type="datetime1">
               <a:rPr lang="fr-FR" noProof="0" smtClean="0"/>
-              <a:t>30/05/2022</a:t>
+              <a:t>03/06/2022</a:t>
             </a:fld>
             <a:endParaRPr lang="fr-FR" noProof="0"/>
           </a:p>
@@ -7810,7 +7786,7 @@
             <a:pPr rtl="0"/>
             <a:fld id="{5ADDB20C-1774-4B16-9666-0BE66B3E81AC}" type="datetime1">
               <a:rPr lang="fr-FR" noProof="0" smtClean="0"/>
-              <a:t>30/05/2022</a:t>
+              <a:t>03/06/2022</a:t>
             </a:fld>
             <a:endParaRPr lang="fr-FR" noProof="0"/>
           </a:p>
@@ -8271,7 +8247,7 @@
             <a:pPr rtl="0"/>
             <a:fld id="{1F37DF42-8FE2-4196-B087-A644399BE082}" type="datetime1">
               <a:rPr lang="fr-FR" noProof="0" smtClean="0"/>
-              <a:t>30/05/2022</a:t>
+              <a:t>03/06/2022</a:t>
             </a:fld>
             <a:endParaRPr lang="fr-FR" noProof="0"/>
           </a:p>
@@ -8480,7 +8456,7 @@
             <a:pPr rtl="0"/>
             <a:fld id="{BF2D40E6-123C-44C7-96E6-E5EB17E95AC5}" type="datetime1">
               <a:rPr lang="fr-FR" noProof="0" smtClean="0"/>
-              <a:t>30/05/2022</a:t>
+              <a:t>03/06/2022</a:t>
             </a:fld>
             <a:endParaRPr lang="fr-FR" noProof="0"/>
           </a:p>
@@ -8662,7 +8638,7 @@
             <a:pPr rtl="0"/>
             <a:fld id="{A9AA5441-00F0-4727-A8C3-46A783FC5724}" type="datetime1">
               <a:rPr lang="fr-FR" noProof="0" smtClean="0"/>
-              <a:t>30/05/2022</a:t>
+              <a:t>03/06/2022</a:t>
             </a:fld>
             <a:endParaRPr lang="fr-FR" noProof="0"/>
           </a:p>
@@ -8999,7 +8975,7 @@
             <a:pPr rtl="0"/>
             <a:fld id="{C032274E-A475-49B8-A4A0-80F13BCA3C3A}" type="datetime1">
               <a:rPr lang="fr-FR" noProof="0" smtClean="0"/>
-              <a:t>30/05/2022</a:t>
+              <a:t>03/06/2022</a:t>
             </a:fld>
             <a:endParaRPr lang="fr-FR" noProof="0"/>
           </a:p>
@@ -9348,7 +9324,7 @@
             <a:pPr rtl="0"/>
             <a:fld id="{F9CED46A-8872-470A-807E-03961E183B93}" type="datetime1">
               <a:rPr lang="fr-FR" noProof="0" smtClean="0"/>
-              <a:t>30/05/2022</a:t>
+              <a:t>03/06/2022</a:t>
             </a:fld>
             <a:endParaRPr lang="fr-FR" noProof="0"/>
           </a:p>
@@ -11406,7 +11382,7 @@
             <a:pPr rtl="0"/>
             <a:fld id="{BF2D40E6-123C-44C7-96E6-E5EB17E95AC5}" type="datetime1">
               <a:rPr lang="fr-FR" noProof="0" smtClean="0"/>
-              <a:t>30/05/2022</a:t>
+              <a:t>03/06/2022</a:t>
             </a:fld>
             <a:endParaRPr lang="fr-FR" noProof="0"/>
           </a:p>
@@ -12366,7 +12342,7 @@
         <p:spPr>
           <a:xfrm>
             <a:off x="274388" y="1429789"/>
-            <a:ext cx="11820630" cy="5216172"/>
+            <a:ext cx="11820630" cy="4919745"/>
           </a:xfrm>
           <a:prstGeom prst="rect">
             <a:avLst/>
@@ -12380,329 +12356,296 @@
           <a:p>
             <a:pPr>
               <a:lnSpc>
-                <a:spcPct val="150000"/>
+                <a:spcPct val="200000"/>
               </a:lnSpc>
             </a:pPr>
             <a:r>
-              <a:rPr lang="fr-FR" sz="1600" b="1" dirty="0" smtClean="0"/>
+              <a:rPr lang="fr-FR" sz="2000" b="1" dirty="0" smtClean="0"/>
               <a:t>Doctrine: </a:t>
             </a:r>
             <a:r>
-              <a:rPr lang="fr-FR" sz="1600" dirty="0" smtClean="0"/>
+              <a:rPr lang="fr-FR" sz="2000" dirty="0" smtClean="0"/>
               <a:t>ORM de </a:t>
             </a:r>
             <a:r>
-              <a:rPr lang="fr-FR" sz="1600" dirty="0" err="1" smtClean="0"/>
+              <a:rPr lang="fr-FR" sz="2000" dirty="0" err="1" smtClean="0"/>
               <a:t>symfony</a:t>
             </a:r>
-            <a:endParaRPr lang="fr-FR" sz="1600" dirty="0"/>
+            <a:endParaRPr lang="fr-FR" sz="2000" dirty="0"/>
           </a:p>
           <a:p>
             <a:pPr>
               <a:lnSpc>
-                <a:spcPct val="150000"/>
+                <a:spcPct val="200000"/>
               </a:lnSpc>
             </a:pPr>
-            <a:endParaRPr lang="fr-FR" sz="1600" dirty="0"/>
+            <a:r>
+              <a:rPr lang="fr-FR" sz="2000" b="1" dirty="0" err="1" smtClean="0"/>
+              <a:t>Faker</a:t>
+            </a:r>
+            <a:r>
+              <a:rPr lang="fr-FR" sz="2000" dirty="0" smtClean="0"/>
+              <a:t> </a:t>
+            </a:r>
+            <a:r>
+              <a:rPr lang="fr-FR" sz="2000" dirty="0"/>
+              <a:t>: </a:t>
+            </a:r>
+            <a:r>
+              <a:rPr lang="fr-FR" sz="2000" dirty="0" smtClean="0"/>
+              <a:t>Création des </a:t>
+            </a:r>
+            <a:r>
+              <a:rPr lang="fr-FR" sz="2000" dirty="0" err="1" smtClean="0"/>
+              <a:t>Fixtures</a:t>
+            </a:r>
+            <a:r>
+              <a:rPr lang="fr-FR" sz="2000" dirty="0" smtClean="0"/>
+              <a:t> avec fausses données</a:t>
+            </a:r>
+            <a:endParaRPr lang="fr-FR" sz="2000" dirty="0"/>
           </a:p>
           <a:p>
             <a:pPr>
               <a:lnSpc>
-                <a:spcPct val="150000"/>
+                <a:spcPct val="200000"/>
               </a:lnSpc>
             </a:pPr>
             <a:r>
-              <a:rPr lang="fr-FR" sz="1600" b="1" dirty="0" err="1" smtClean="0"/>
-              <a:t>Faker</a:t>
-            </a:r>
-            <a:r>
-              <a:rPr lang="fr-FR" sz="1600" dirty="0" smtClean="0"/>
-              <a:t> </a:t>
-            </a:r>
-            <a:r>
-              <a:rPr lang="fr-FR" sz="1600" dirty="0"/>
+              <a:rPr lang="fr-FR" sz="2000" b="1" dirty="0" smtClean="0"/>
+              <a:t>JMS </a:t>
+            </a:r>
+            <a:r>
+              <a:rPr lang="fr-FR" sz="2000" b="1" dirty="0" smtClean="0"/>
               <a:t>: </a:t>
             </a:r>
             <a:r>
-              <a:rPr lang="fr-FR" sz="1600" dirty="0" smtClean="0"/>
-              <a:t>Création des </a:t>
-            </a:r>
-            <a:r>
-              <a:rPr lang="fr-FR" sz="1600" dirty="0" err="1" smtClean="0"/>
-              <a:t>Fixtures</a:t>
-            </a:r>
-            <a:r>
-              <a:rPr lang="fr-FR" sz="1600" dirty="0" smtClean="0"/>
-              <a:t> avec fausses données</a:t>
-            </a:r>
-            <a:endParaRPr lang="fr-FR" sz="1600" dirty="0"/>
+              <a:rPr lang="fr-FR" sz="2000" dirty="0" smtClean="0"/>
+              <a:t>Cette </a:t>
+            </a:r>
+            <a:r>
+              <a:rPr lang="fr-FR" sz="2000" dirty="0"/>
+              <a:t>bibliothèque </a:t>
+            </a:r>
+            <a:r>
+              <a:rPr lang="fr-FR" sz="2000" dirty="0" smtClean="0"/>
+              <a:t>permet </a:t>
+            </a:r>
+            <a:r>
+              <a:rPr lang="fr-FR" sz="2000" dirty="0"/>
+              <a:t>de </a:t>
+            </a:r>
+            <a:r>
+              <a:rPr lang="fr-FR" sz="2000" dirty="0" smtClean="0"/>
+              <a:t>sérialiser </a:t>
+            </a:r>
+            <a:r>
+              <a:rPr lang="fr-FR" sz="2000" dirty="0"/>
+              <a:t>des </a:t>
+            </a:r>
+            <a:r>
+              <a:rPr lang="fr-FR" sz="2000" dirty="0" smtClean="0"/>
+              <a:t>données</a:t>
+            </a:r>
           </a:p>
           <a:p>
             <a:pPr>
               <a:lnSpc>
-                <a:spcPct val="150000"/>
+                <a:spcPct val="200000"/>
               </a:lnSpc>
             </a:pPr>
-            <a:endParaRPr lang="fr-FR" sz="1600" dirty="0"/>
+            <a:r>
+              <a:rPr lang="fr-FR" sz="2000" b="1" dirty="0" err="1" smtClean="0"/>
+              <a:t>Lexit</a:t>
+            </a:r>
+            <a:r>
+              <a:rPr lang="fr-FR" sz="2000" b="1" dirty="0" smtClean="0"/>
+              <a:t>/</a:t>
+            </a:r>
+            <a:r>
+              <a:rPr lang="fr-FR" sz="2000" b="1" dirty="0" err="1" smtClean="0"/>
+              <a:t>jwt-authentication</a:t>
+            </a:r>
+            <a:r>
+              <a:rPr lang="fr-FR" sz="2000" dirty="0" smtClean="0"/>
+              <a:t> </a:t>
+            </a:r>
+            <a:r>
+              <a:rPr lang="fr-FR" sz="2000" dirty="0" smtClean="0"/>
+              <a:t>: Pour l’</a:t>
+            </a:r>
+            <a:r>
+              <a:rPr lang="fr-FR" sz="2000" dirty="0" err="1" smtClean="0"/>
+              <a:t>authantification</a:t>
+            </a:r>
+            <a:r>
+              <a:rPr lang="fr-FR" sz="2000" dirty="0" smtClean="0"/>
+              <a:t> via un TOKEN JSON</a:t>
+            </a:r>
+            <a:endParaRPr lang="fr-FR" sz="2000" dirty="0"/>
           </a:p>
           <a:p>
             <a:pPr>
               <a:lnSpc>
-                <a:spcPct val="150000"/>
+                <a:spcPct val="200000"/>
               </a:lnSpc>
             </a:pPr>
             <a:r>
-              <a:rPr lang="fr-FR" sz="1600" b="1" dirty="0" smtClean="0"/>
-              <a:t>JMS </a:t>
-            </a:r>
-            <a:r>
-              <a:rPr lang="fr-FR" sz="1600" b="1" dirty="0" smtClean="0"/>
+              <a:rPr lang="fr-FR" sz="2000" b="1" dirty="0" err="1" smtClean="0"/>
+              <a:t>PagerFanta</a:t>
+            </a:r>
+            <a:r>
+              <a:rPr lang="fr-FR" sz="2000" dirty="0" smtClean="0"/>
+              <a:t> </a:t>
+            </a:r>
+            <a:r>
+              <a:rPr lang="fr-FR" sz="2000" dirty="0"/>
               <a:t>: </a:t>
             </a:r>
             <a:r>
-              <a:rPr lang="fr-FR" sz="1600" dirty="0" smtClean="0"/>
-              <a:t>Cette </a:t>
-            </a:r>
-            <a:r>
-              <a:rPr lang="fr-FR" sz="1600" dirty="0"/>
-              <a:t>bibliothèque vous permet de (dé-)sérialiser des données de toute complexité</a:t>
-            </a:r>
-            <a:endParaRPr lang="fr-FR" sz="1600" dirty="0"/>
+              <a:rPr lang="fr-FR" sz="2000" dirty="0" smtClean="0"/>
+              <a:t>Permet la pagination</a:t>
+            </a:r>
+            <a:endParaRPr lang="fr-FR" sz="2000" dirty="0"/>
           </a:p>
           <a:p>
             <a:pPr>
               <a:lnSpc>
-                <a:spcPct val="150000"/>
+                <a:spcPct val="200000"/>
               </a:lnSpc>
             </a:pPr>
-            <a:endParaRPr lang="fr-FR" sz="1600" dirty="0"/>
+            <a:r>
+              <a:rPr lang="fr-FR" sz="2000" b="1" dirty="0" err="1" smtClean="0"/>
+              <a:t>psr</a:t>
+            </a:r>
+            <a:r>
+              <a:rPr lang="fr-FR" sz="2000" b="1" dirty="0" smtClean="0"/>
+              <a:t>/cache</a:t>
+            </a:r>
+            <a:r>
+              <a:rPr lang="fr-FR" sz="2000" dirty="0" smtClean="0"/>
+              <a:t> </a:t>
+            </a:r>
+            <a:r>
+              <a:rPr lang="fr-FR" sz="2000" dirty="0"/>
+              <a:t>: </a:t>
+            </a:r>
+            <a:r>
+              <a:rPr lang="fr-FR" sz="2000" dirty="0" smtClean="0"/>
+              <a:t>Gestion du cache</a:t>
+            </a:r>
           </a:p>
           <a:p>
             <a:pPr>
               <a:lnSpc>
-                <a:spcPct val="150000"/>
+                <a:spcPct val="200000"/>
               </a:lnSpc>
             </a:pPr>
             <a:r>
-              <a:rPr lang="fr-FR" sz="1600" b="1" dirty="0" err="1" smtClean="0"/>
-              <a:t>Lexit</a:t>
-            </a:r>
-            <a:r>
-              <a:rPr lang="fr-FR" sz="1600" b="1" dirty="0" smtClean="0"/>
+              <a:rPr lang="fr-FR" sz="2000" b="1" dirty="0" err="1" smtClean="0"/>
+              <a:t>willdurand</a:t>
+            </a:r>
+            <a:r>
+              <a:rPr lang="fr-FR" sz="2000" b="1" dirty="0" smtClean="0"/>
               <a:t>/</a:t>
             </a:r>
             <a:r>
-              <a:rPr lang="fr-FR" sz="1600" b="1" dirty="0" err="1" smtClean="0"/>
-              <a:t>jwt-authentication</a:t>
-            </a:r>
-            <a:r>
-              <a:rPr lang="fr-FR" sz="1600" dirty="0" smtClean="0"/>
-              <a:t> : Pour l’</a:t>
-            </a:r>
-            <a:r>
-              <a:rPr lang="fr-FR" sz="1600" dirty="0" err="1" smtClean="0"/>
-              <a:t>authantification</a:t>
-            </a:r>
-            <a:r>
-              <a:rPr lang="fr-FR" sz="1600" dirty="0" smtClean="0"/>
-              <a:t> via un TOKEN JSON</a:t>
-            </a:r>
-            <a:endParaRPr lang="fr-FR" sz="1600" dirty="0"/>
-          </a:p>
-          <a:p>
-            <a:pPr>
-              <a:lnSpc>
-                <a:spcPct val="150000"/>
-              </a:lnSpc>
-            </a:pPr>
-            <a:endParaRPr lang="fr-FR" sz="1600" dirty="0"/>
-          </a:p>
-          <a:p>
-            <a:pPr>
-              <a:lnSpc>
-                <a:spcPct val="150000"/>
-              </a:lnSpc>
-            </a:pPr>
-            <a:r>
-              <a:rPr lang="fr-FR" sz="1600" b="1" dirty="0" err="1" smtClean="0"/>
-              <a:t>PagerFanta</a:t>
-            </a:r>
-            <a:r>
-              <a:rPr lang="fr-FR" sz="1600" dirty="0" smtClean="0"/>
+              <a:rPr lang="fr-FR" sz="2000" b="1" dirty="0" err="1" smtClean="0"/>
+              <a:t>hateoas</a:t>
+            </a:r>
+            <a:r>
+              <a:rPr lang="fr-FR" sz="2000" b="1" dirty="0" smtClean="0"/>
               <a:t> </a:t>
             </a:r>
             <a:r>
-              <a:rPr lang="fr-FR" sz="1600" dirty="0"/>
+              <a:rPr lang="fr-FR" sz="2000" b="1" dirty="0"/>
               <a:t>: </a:t>
             </a:r>
             <a:r>
-              <a:rPr lang="fr-FR" sz="1600" dirty="0" smtClean="0"/>
-              <a:t>Permet la pagination</a:t>
-            </a:r>
-            <a:endParaRPr lang="fr-FR" sz="1600" dirty="0"/>
-          </a:p>
-          <a:p>
-            <a:pPr>
-              <a:lnSpc>
-                <a:spcPct val="150000"/>
-              </a:lnSpc>
-            </a:pPr>
-            <a:endParaRPr lang="fr-FR" sz="1600" dirty="0"/>
-          </a:p>
-          <a:p>
-            <a:pPr>
-              <a:lnSpc>
-                <a:spcPct val="150000"/>
-              </a:lnSpc>
-            </a:pPr>
-            <a:r>
-              <a:rPr lang="fr-FR" sz="1600" b="1" dirty="0" err="1"/>
-              <a:t>psr</a:t>
-            </a:r>
-            <a:r>
-              <a:rPr lang="fr-FR" sz="1600" b="1" dirty="0"/>
-              <a:t>/cache</a:t>
-            </a:r>
-            <a:r>
-              <a:rPr lang="fr-FR" sz="1600" dirty="0" smtClean="0"/>
+              <a:rPr lang="en-US" sz="2000" b="1" dirty="0"/>
+              <a:t>H</a:t>
+            </a:r>
+            <a:r>
+              <a:rPr lang="en-US" sz="2000" dirty="0"/>
+              <a:t>ypermedia </a:t>
+            </a:r>
+            <a:r>
+              <a:rPr lang="en-US" sz="2000" b="1" dirty="0"/>
+              <a:t>A</a:t>
+            </a:r>
+            <a:r>
+              <a:rPr lang="en-US" sz="2000" dirty="0"/>
+              <a:t>s </a:t>
+            </a:r>
+            <a:r>
+              <a:rPr lang="en-US" sz="2000" b="1" dirty="0"/>
+              <a:t>T</a:t>
+            </a:r>
+            <a:r>
+              <a:rPr lang="en-US" sz="2000" dirty="0"/>
+              <a:t>he </a:t>
+            </a:r>
+            <a:r>
+              <a:rPr lang="en-US" sz="2000" b="1" dirty="0"/>
+              <a:t>E</a:t>
+            </a:r>
+            <a:r>
+              <a:rPr lang="en-US" sz="2000" dirty="0"/>
+              <a:t>ngine </a:t>
+            </a:r>
+            <a:r>
+              <a:rPr lang="en-US" sz="2000" b="1" dirty="0"/>
+              <a:t>O</a:t>
+            </a:r>
+            <a:r>
+              <a:rPr lang="en-US" sz="2000" dirty="0"/>
+              <a:t>f </a:t>
+            </a:r>
+            <a:r>
+              <a:rPr lang="en-US" sz="2000" b="1" dirty="0"/>
+              <a:t>A</a:t>
+            </a:r>
+            <a:r>
+              <a:rPr lang="en-US" sz="2000" dirty="0"/>
+              <a:t>pplication </a:t>
+            </a:r>
+            <a:r>
+              <a:rPr lang="en-US" sz="2000" b="1" dirty="0" smtClean="0"/>
+              <a:t>S</a:t>
+            </a:r>
+            <a:r>
+              <a:rPr lang="en-US" sz="2000" dirty="0" smtClean="0"/>
+              <a:t>tate, </a:t>
+            </a:r>
+            <a:r>
+              <a:rPr lang="en-US" sz="2000" dirty="0" err="1" smtClean="0"/>
+              <a:t>permet</a:t>
+            </a:r>
+            <a:r>
+              <a:rPr lang="en-US" sz="2000" dirty="0" smtClean="0"/>
+              <a:t> de </a:t>
+            </a:r>
+            <a:r>
+              <a:rPr lang="en-US" sz="2000" dirty="0" err="1" smtClean="0"/>
+              <a:t>rendre</a:t>
+            </a:r>
+            <a:r>
+              <a:rPr lang="en-US" sz="2000" dirty="0" smtClean="0"/>
               <a:t> </a:t>
             </a:r>
             <a:r>
-              <a:rPr lang="fr-FR" sz="1600" dirty="0"/>
-              <a:t>: </a:t>
-            </a:r>
-            <a:r>
-              <a:rPr lang="fr-FR" sz="1600" dirty="0" smtClean="0"/>
-              <a:t>Gestion </a:t>
-            </a:r>
-            <a:r>
-              <a:rPr lang="fr-FR" sz="1600" dirty="0" smtClean="0"/>
-              <a:t>du </a:t>
-            </a:r>
-            <a:r>
-              <a:rPr lang="fr-FR" sz="1600" dirty="0" smtClean="0"/>
-              <a:t>cache</a:t>
-            </a:r>
-          </a:p>
-          <a:p>
-            <a:pPr>
-              <a:lnSpc>
-                <a:spcPct val="150000"/>
-              </a:lnSpc>
-            </a:pPr>
-            <a:endParaRPr lang="fr-FR" sz="1600" dirty="0" smtClean="0"/>
-          </a:p>
-          <a:p>
-            <a:pPr>
-              <a:lnSpc>
-                <a:spcPct val="150000"/>
-              </a:lnSpc>
-            </a:pPr>
-            <a:r>
-              <a:rPr lang="fr-FR" sz="1600" b="1" dirty="0" err="1"/>
-              <a:t>willdurand</a:t>
-            </a:r>
-            <a:r>
-              <a:rPr lang="fr-FR" sz="1600" b="1" dirty="0"/>
-              <a:t>/</a:t>
-            </a:r>
-            <a:r>
-              <a:rPr lang="fr-FR" sz="1600" b="1" dirty="0" err="1"/>
-              <a:t>hateoas</a:t>
-            </a:r>
-            <a:r>
-              <a:rPr lang="fr-FR" sz="1600" b="1" dirty="0"/>
-              <a:t> : </a:t>
-            </a:r>
-            <a:r>
-              <a:rPr lang="en-US" sz="1600" b="1" dirty="0"/>
-              <a:t>H</a:t>
-            </a:r>
-            <a:r>
-              <a:rPr lang="en-US" sz="1600" dirty="0"/>
-              <a:t>ypermedia </a:t>
-            </a:r>
-            <a:r>
-              <a:rPr lang="en-US" sz="1600" b="1" dirty="0"/>
-              <a:t>A</a:t>
-            </a:r>
-            <a:r>
-              <a:rPr lang="en-US" sz="1600" dirty="0"/>
-              <a:t>s </a:t>
-            </a:r>
-            <a:r>
-              <a:rPr lang="en-US" sz="1600" b="1" dirty="0"/>
-              <a:t>T</a:t>
-            </a:r>
-            <a:r>
-              <a:rPr lang="en-US" sz="1600" dirty="0"/>
-              <a:t>he </a:t>
-            </a:r>
-            <a:r>
-              <a:rPr lang="en-US" sz="1600" b="1" dirty="0"/>
-              <a:t>E</a:t>
-            </a:r>
-            <a:r>
-              <a:rPr lang="en-US" sz="1600" dirty="0"/>
-              <a:t>ngine </a:t>
-            </a:r>
-            <a:r>
-              <a:rPr lang="en-US" sz="1600" b="1" dirty="0"/>
-              <a:t>O</a:t>
-            </a:r>
-            <a:r>
-              <a:rPr lang="en-US" sz="1600" dirty="0"/>
-              <a:t>f </a:t>
-            </a:r>
-            <a:r>
-              <a:rPr lang="en-US" sz="1600" b="1" dirty="0"/>
-              <a:t>A</a:t>
-            </a:r>
-            <a:r>
-              <a:rPr lang="en-US" sz="1600" dirty="0"/>
-              <a:t>pplication </a:t>
-            </a:r>
-            <a:r>
-              <a:rPr lang="en-US" sz="1600" b="1" dirty="0" smtClean="0"/>
-              <a:t>S</a:t>
-            </a:r>
-            <a:r>
-              <a:rPr lang="en-US" sz="1600" dirty="0" smtClean="0"/>
-              <a:t>tate, </a:t>
-            </a:r>
-            <a:r>
-              <a:rPr lang="en-US" sz="1600" dirty="0" err="1" smtClean="0"/>
-              <a:t>permet</a:t>
-            </a:r>
-            <a:r>
-              <a:rPr lang="en-US" sz="1600" dirty="0" smtClean="0"/>
-              <a:t> de </a:t>
-            </a:r>
-            <a:r>
-              <a:rPr lang="en-US" sz="1600" dirty="0" err="1" smtClean="0"/>
-              <a:t>rendre</a:t>
-            </a:r>
-            <a:r>
-              <a:rPr lang="en-US" sz="1600" dirty="0" smtClean="0"/>
-              <a:t> </a:t>
-            </a:r>
-            <a:r>
-              <a:rPr lang="en-US" sz="1600" dirty="0" err="1" smtClean="0"/>
+              <a:rPr lang="en-US" sz="2000" dirty="0" err="1" smtClean="0"/>
               <a:t>l’API</a:t>
             </a:r>
             <a:r>
-              <a:rPr lang="en-US" sz="1600" dirty="0" smtClean="0"/>
+              <a:rPr lang="en-US" sz="2000" dirty="0" smtClean="0"/>
               <a:t> auto </a:t>
             </a:r>
             <a:r>
-              <a:rPr lang="en-US" sz="1600" dirty="0" err="1" smtClean="0"/>
+              <a:rPr lang="en-US" sz="2000" dirty="0" err="1" smtClean="0"/>
               <a:t>découvrable</a:t>
             </a:r>
-            <a:r>
-              <a:rPr lang="en-US" sz="1600" dirty="0" smtClean="0"/>
-              <a:t> et navigable.</a:t>
-            </a:r>
-            <a:endParaRPr lang="fr-FR" sz="1600" dirty="0"/>
+            <a:endParaRPr lang="fr-FR" sz="2000" dirty="0"/>
           </a:p>
         </p:txBody>
       </p:sp>
@@ -13511,7 +13454,7 @@
         <p:spPr>
           <a:xfrm>
             <a:off x="5922819" y="1994714"/>
-            <a:ext cx="6096000" cy="3323987"/>
+            <a:ext cx="6096000" cy="2862322"/>
           </a:xfrm>
           <a:prstGeom prst="rect">
             <a:avLst/>
@@ -13534,19 +13477,13 @@
               <a:rPr lang="fr-FR" sz="2000" dirty="0" smtClean="0">
                 <a:latin typeface="arial" panose="020B0604020202020204" pitchFamily="34" charset="0"/>
               </a:rPr>
-              <a:t> </a:t>
-            </a:r>
-            <a:r>
-              <a:rPr lang="fr-FR" sz="2000" dirty="0" smtClean="0">
-                <a:latin typeface="arial" panose="020B0604020202020204" pitchFamily="34" charset="0"/>
-              </a:rPr>
-              <a:t>20x </a:t>
+              <a:t> 20x </a:t>
             </a:r>
             <a:r>
               <a:rPr lang="fr-FR" sz="2000" dirty="0">
                 <a:latin typeface="arial" panose="020B0604020202020204" pitchFamily="34" charset="0"/>
               </a:rPr>
-              <a:t>: succès de la requête ;</a:t>
+              <a:t>: succès de la requête </a:t>
             </a:r>
           </a:p>
           <a:p>
@@ -13561,20 +13498,23 @@
               <a:rPr lang="fr-FR" sz="2000" dirty="0" smtClean="0">
                 <a:latin typeface="arial" panose="020B0604020202020204" pitchFamily="34" charset="0"/>
               </a:rPr>
-              <a:t> </a:t>
+              <a:t> 30x </a:t>
+            </a:r>
+            <a:r>
+              <a:rPr lang="fr-FR" sz="2000" dirty="0">
+                <a:latin typeface="arial" panose="020B0604020202020204" pitchFamily="34" charset="0"/>
+              </a:rPr>
+              <a:t>: </a:t>
             </a:r>
             <a:r>
               <a:rPr lang="fr-FR" sz="2000" dirty="0" smtClean="0">
                 <a:latin typeface="arial" panose="020B0604020202020204" pitchFamily="34" charset="0"/>
               </a:rPr>
-              <a:t>30x </a:t>
-            </a:r>
-            <a:r>
-              <a:rPr lang="fr-FR" sz="2000" dirty="0">
-                <a:latin typeface="arial" panose="020B0604020202020204" pitchFamily="34" charset="0"/>
-              </a:rPr>
-              <a:t>: redirection, respectivement permanente et temporaire ;</a:t>
-            </a:r>
+              <a:t>redirection</a:t>
+            </a:r>
+            <a:endParaRPr lang="fr-FR" sz="2000" dirty="0">
+              <a:latin typeface="arial" panose="020B0604020202020204" pitchFamily="34" charset="0"/>
+            </a:endParaRPr>
           </a:p>
           <a:p>
             <a:pPr>
@@ -13594,7 +13534,7 @@
               <a:rPr lang="fr-FR" sz="2000" dirty="0">
                 <a:latin typeface="arial" panose="020B0604020202020204" pitchFamily="34" charset="0"/>
               </a:rPr>
-              <a:t>: utilisateur non authentifié ;</a:t>
+              <a:t>: utilisateur non authentifié </a:t>
             </a:r>
           </a:p>
           <a:p>
@@ -13615,7 +13555,7 @@
               <a:rPr lang="fr-FR" sz="2000" dirty="0">
                 <a:latin typeface="arial" panose="020B0604020202020204" pitchFamily="34" charset="0"/>
               </a:rPr>
-              <a:t>: accès refusé ;</a:t>
+              <a:t>: accès refusé </a:t>
             </a:r>
           </a:p>
           <a:p>
@@ -13636,7 +13576,7 @@
               <a:rPr lang="fr-FR" sz="2000" dirty="0">
                 <a:latin typeface="arial" panose="020B0604020202020204" pitchFamily="34" charset="0"/>
               </a:rPr>
-              <a:t>: ressource non trouvée ;</a:t>
+              <a:t>: ressource non trouvée </a:t>
             </a:r>
           </a:p>
           <a:p>
@@ -13651,13 +13591,7 @@
               <a:rPr lang="fr-FR" sz="2000" dirty="0" smtClean="0">
                 <a:latin typeface="arial" panose="020B0604020202020204" pitchFamily="34" charset="0"/>
               </a:rPr>
-              <a:t> </a:t>
-            </a:r>
-            <a:r>
-              <a:rPr lang="fr-FR" sz="2000" dirty="0" smtClean="0">
-                <a:latin typeface="arial" panose="020B0604020202020204" pitchFamily="34" charset="0"/>
-              </a:rPr>
-              <a:t>50X: </a:t>
+              <a:t> 50X: </a:t>
             </a:r>
             <a:r>
               <a:rPr lang="fr-FR" sz="2000" dirty="0">
@@ -13665,15 +13599,6 @@
               </a:rPr>
               <a:t>erreurs serveur </a:t>
             </a:r>
-            <a:r>
-              <a:rPr lang="fr-FR" sz="2000" dirty="0" smtClean="0">
-                <a:latin typeface="arial" panose="020B0604020202020204" pitchFamily="34" charset="0"/>
-              </a:rPr>
-              <a:t>;</a:t>
-            </a:r>
-            <a:endParaRPr lang="fr-FR" sz="2000" dirty="0">
-              <a:latin typeface="arial" panose="020B0604020202020204" pitchFamily="34" charset="0"/>
-            </a:endParaRPr>
           </a:p>
         </p:txBody>
       </p:sp>
@@ -13918,32 +13843,13 @@
             </a:r>
             <a:r>
               <a:rPr lang="fr-FR" dirty="0"/>
-              <a:t> (/</a:t>
-            </a:r>
-            <a:r>
-              <a:rPr lang="fr-FR" dirty="0" err="1"/>
-              <a:t>users</a:t>
-            </a:r>
-            <a:r>
-              <a:rPr lang="fr-FR" dirty="0"/>
-              <a:t>/</a:t>
-            </a:r>
-            <a:r>
-              <a:rPr lang="fr-FR" dirty="0" err="1"/>
-              <a:t>posts</a:t>
-            </a:r>
-            <a:r>
-              <a:rPr lang="fr-FR" dirty="0"/>
-              <a:t>/1/</a:t>
-            </a:r>
-            <a:r>
-              <a:rPr lang="fr-FR" dirty="0" err="1"/>
-              <a:t>comments</a:t>
-            </a:r>
-            <a:r>
-              <a:rPr lang="fr-FR" dirty="0"/>
-              <a:t>, etc…)</a:t>
-            </a:r>
+              <a:t> </a:t>
+            </a:r>
+            <a:r>
+              <a:rPr lang="fr-FR" dirty="0" smtClean="0"/>
+              <a:t>(/api/client/{id})</a:t>
+            </a:r>
+            <a:endParaRPr lang="fr-FR" dirty="0"/>
           </a:p>
           <a:p>
             <a:pPr>
@@ -14366,11 +14272,7 @@
             <a:pPr rtl="0"/>
             <a:r>
               <a:rPr lang="fr-FR" dirty="0" smtClean="0"/>
-              <a:t>Démonstration </a:t>
-            </a:r>
-            <a:r>
-              <a:rPr lang="fr-FR" dirty="0" smtClean="0"/>
-              <a:t>de l’API</a:t>
+              <a:t>Démonstration de l’API</a:t>
             </a:r>
             <a:endParaRPr lang="fr-FR" dirty="0"/>
           </a:p>
@@ -15574,20 +15476,20 @@
 </file>
 
 <file path=customXml/item2.xml><?xml version="1.0" encoding="utf-8"?>
-<p:properties xmlns:p="http://schemas.microsoft.com/office/2006/metadata/properties" xmlns:xsi="http://www.w3.org/2001/XMLSchema-instance" xmlns:pc="http://schemas.microsoft.com/office/infopath/2007/PartnerControls">
-  <documentManagement>
-    <MediaServiceKeyPoints xmlns="71af3243-3dd4-4a8d-8c0d-dd76da1f02a5" xsi:nil="true"/>
-  </documentManagement>
-</p:properties>
-</file>
-
-<file path=customXml/item3.xml><?xml version="1.0" encoding="utf-8"?>
 <?mso-contentType ?>
 <FormTemplates xmlns="http://schemas.microsoft.com/sharepoint/v3/contenttype/forms">
   <Display>DocumentLibraryForm</Display>
   <Edit>DocumentLibraryForm</Edit>
   <New>DocumentLibraryForm</New>
 </FormTemplates>
+</file>
+
+<file path=customXml/item3.xml><?xml version="1.0" encoding="utf-8"?>
+<p:properties xmlns:p="http://schemas.microsoft.com/office/2006/metadata/properties" xmlns:xsi="http://www.w3.org/2001/XMLSchema-instance" xmlns:pc="http://schemas.microsoft.com/office/infopath/2007/PartnerControls">
+  <documentManagement>
+    <MediaServiceKeyPoints xmlns="71af3243-3dd4-4a8d-8c0d-dd76da1f02a5" xsi:nil="true"/>
+  </documentManagement>
+</p:properties>
 </file>
 
 <file path=customXml/itemProps1.xml><?xml version="1.0" encoding="utf-8"?>
@@ -15610,6 +15512,14 @@
 </file>
 
 <file path=customXml/itemProps2.xml><?xml version="1.0" encoding="utf-8"?>
+<ds:datastoreItem xmlns:ds="http://schemas.openxmlformats.org/officeDocument/2006/customXml" ds:itemID="{507C3E52-A0B1-49C0-88BD-66B715EE8BB7}">
+  <ds:schemaRefs>
+    <ds:schemaRef ds:uri="http://schemas.microsoft.com/sharepoint/v3/contenttype/forms"/>
+  </ds:schemaRefs>
+</ds:datastoreItem>
+</file>
+
+<file path=customXml/itemProps3.xml><?xml version="1.0" encoding="utf-8"?>
 <ds:datastoreItem xmlns:ds="http://schemas.openxmlformats.org/officeDocument/2006/customXml" ds:itemID="{CCB8F5F2-61AB-4CE6-A5E3-F34B87B0EE42}">
   <ds:schemaRefs>
     <ds:schemaRef ds:uri="http://purl.org/dc/elements/1.1/"/>
@@ -15624,12 +15534,4 @@
     <ds:schemaRef ds:uri="http://purl.org/dc/dcmitype/"/>
   </ds:schemaRefs>
 </ds:datastoreItem>
-</file>
-
-<file path=customXml/itemProps3.xml><?xml version="1.0" encoding="utf-8"?>
-<ds:datastoreItem xmlns:ds="http://schemas.openxmlformats.org/officeDocument/2006/customXml" ds:itemID="{507C3E52-A0B1-49C0-88BD-66B715EE8BB7}">
-  <ds:schemaRefs>
-    <ds:schemaRef ds:uri="http://schemas.microsoft.com/sharepoint/v3/contenttype/forms"/>
-  </ds:schemaRefs>
-</ds:datastoreItem>
 </file>